--- a/content/02-what-is-it.pptx
+++ b/content/02-what-is-it.pptx
@@ -5,7 +5,7 @@
     <p:sldMasterId id="2147483696" r:id="rId1"/>
   </p:sldMasterIdLst>
   <p:notesMasterIdLst>
-    <p:notesMasterId r:id="rId26"/>
+    <p:notesMasterId r:id="rId25"/>
   </p:notesMasterIdLst>
   <p:sldIdLst>
     <p:sldId id="314" r:id="rId2"/>
@@ -29,9 +29,8 @@
     <p:sldId id="291" r:id="rId20"/>
     <p:sldId id="294" r:id="rId21"/>
     <p:sldId id="292" r:id="rId22"/>
-    <p:sldId id="295" r:id="rId23"/>
-    <p:sldId id="293" r:id="rId24"/>
-    <p:sldId id="283" r:id="rId25"/>
+    <p:sldId id="293" r:id="rId23"/>
+    <p:sldId id="283" r:id="rId24"/>
   </p:sldIdLst>
   <p:sldSz cx="12192000" cy="6858000"/>
   <p:notesSz cx="6858000" cy="9144000"/>
@@ -164,7 +163,6 @@
         <p14:section name="Wrap-Up" id="{250B09FA-E151-4F0D-B4D4-21A2DA6D2F7E}">
           <p14:sldIdLst>
             <p14:sldId id="292"/>
-            <p14:sldId id="295"/>
             <p14:sldId id="293"/>
             <p14:sldId id="283"/>
           </p14:sldIdLst>
@@ -3416,6 +3414,13 @@
         </dgm:presLayoutVars>
       </dgm:prSet>
       <dgm:spPr/>
+      <dgm:t>
+        <a:bodyPr/>
+        <a:lstStyle/>
+        <a:p>
+          <a:endParaRPr lang="en-US"/>
+        </a:p>
+      </dgm:t>
     </dgm:pt>
     <dgm:pt modelId="{39BEBEEB-7DB0-47F8-A9B1-AC8C3C9738F3}" type="pres">
       <dgm:prSet presAssocID="{FF2FD08C-B9C8-43D4-A6ED-8D2BC0D24920}" presName="boxAndChildren" presStyleCnt="0"/>
@@ -3424,6 +3429,13 @@
     <dgm:pt modelId="{DBC3C3FF-A70B-4683-8968-65EF3F9CAF14}" type="pres">
       <dgm:prSet presAssocID="{FF2FD08C-B9C8-43D4-A6ED-8D2BC0D24920}" presName="parentTextBox" presStyleLbl="node1" presStyleIdx="0" presStyleCnt="2" custScaleY="29802"/>
       <dgm:spPr/>
+      <dgm:t>
+        <a:bodyPr/>
+        <a:lstStyle/>
+        <a:p>
+          <a:endParaRPr lang="en-US"/>
+        </a:p>
+      </dgm:t>
     </dgm:pt>
     <dgm:pt modelId="{2881036B-B684-4822-8A4C-B1DD8435A497}" type="pres">
       <dgm:prSet presAssocID="{64FA3EF1-8DEF-4630-A96E-168B47CCC9EC}" presName="sp" presStyleCnt="0"/>
@@ -3436,10 +3448,24 @@
     <dgm:pt modelId="{9648132F-B4E7-4DAD-905F-A28F522517A5}" type="pres">
       <dgm:prSet presAssocID="{C47A9370-2E28-4C98-A8B6-1CA50EBBD3FE}" presName="parentTextArrow" presStyleLbl="node1" presStyleIdx="0" presStyleCnt="2"/>
       <dgm:spPr/>
+      <dgm:t>
+        <a:bodyPr/>
+        <a:lstStyle/>
+        <a:p>
+          <a:endParaRPr lang="en-US"/>
+        </a:p>
+      </dgm:t>
     </dgm:pt>
     <dgm:pt modelId="{C9E55795-6C48-4D4A-B802-9BE6BA51CDEF}" type="pres">
       <dgm:prSet presAssocID="{C47A9370-2E28-4C98-A8B6-1CA50EBBD3FE}" presName="arrow" presStyleLbl="node1" presStyleIdx="1" presStyleCnt="2"/>
       <dgm:spPr/>
+      <dgm:t>
+        <a:bodyPr/>
+        <a:lstStyle/>
+        <a:p>
+          <a:endParaRPr lang="en-US"/>
+        </a:p>
+      </dgm:t>
     </dgm:pt>
     <dgm:pt modelId="{27C6BCE5-74A1-425F-892F-A070535FCBD8}" type="pres">
       <dgm:prSet presAssocID="{C47A9370-2E28-4C98-A8B6-1CA50EBBD3FE}" presName="descendantArrow" presStyleCnt="0"/>
@@ -3452,6 +3478,13 @@
         </dgm:presLayoutVars>
       </dgm:prSet>
       <dgm:spPr/>
+      <dgm:t>
+        <a:bodyPr/>
+        <a:lstStyle/>
+        <a:p>
+          <a:endParaRPr lang="en-US"/>
+        </a:p>
+      </dgm:t>
     </dgm:pt>
     <dgm:pt modelId="{78194046-5945-497E-B524-B1B75476D865}" type="pres">
       <dgm:prSet presAssocID="{533A0D23-A31C-45E5-AFA8-1C10009D8418}" presName="childTextArrow" presStyleLbl="fgAccFollowNode1" presStyleIdx="1" presStyleCnt="3">
@@ -3460,6 +3493,13 @@
         </dgm:presLayoutVars>
       </dgm:prSet>
       <dgm:spPr/>
+      <dgm:t>
+        <a:bodyPr/>
+        <a:lstStyle/>
+        <a:p>
+          <a:endParaRPr lang="en-US"/>
+        </a:p>
+      </dgm:t>
     </dgm:pt>
     <dgm:pt modelId="{7E132E76-505B-4BCC-B9AF-352356003644}" type="pres">
       <dgm:prSet presAssocID="{BC0225C7-B809-4447-9519-AEF949707AB2}" presName="childTextArrow" presStyleLbl="fgAccFollowNode1" presStyleIdx="2" presStyleCnt="3">
@@ -3468,21 +3508,28 @@
         </dgm:presLayoutVars>
       </dgm:prSet>
       <dgm:spPr/>
+      <dgm:t>
+        <a:bodyPr/>
+        <a:lstStyle/>
+        <a:p>
+          <a:endParaRPr lang="en-US"/>
+        </a:p>
+      </dgm:t>
     </dgm:pt>
   </dgm:ptLst>
   <dgm:cxnLst>
-    <dgm:cxn modelId="{E4234D01-458E-467B-958D-13F7A03EFA36}" srcId="{27846693-0EFC-46E0-8FF4-FF602BFAB362}" destId="{FF2FD08C-B9C8-43D4-A6ED-8D2BC0D24920}" srcOrd="1" destOrd="0" parTransId="{552138E8-6CE2-4867-8DCF-618D32EB4C67}" sibTransId="{FF940526-0902-4318-8910-EEBFD4215F40}"/>
-    <dgm:cxn modelId="{2E4DCF0C-F732-498E-8192-8E5B92A127D4}" srcId="{C47A9370-2E28-4C98-A8B6-1CA50EBBD3FE}" destId="{BC0225C7-B809-4447-9519-AEF949707AB2}" srcOrd="2" destOrd="0" parTransId="{4B8B61D6-2631-4CC6-9F03-8427FBCCEA75}" sibTransId="{23680D60-4941-40B2-9186-4B76DE179DD9}"/>
-    <dgm:cxn modelId="{435F8364-2E7B-4A35-8171-00481A5797BC}" srcId="{C47A9370-2E28-4C98-A8B6-1CA50EBBD3FE}" destId="{533A0D23-A31C-45E5-AFA8-1C10009D8418}" srcOrd="1" destOrd="0" parTransId="{A80E6368-6AD9-4A4F-A1C2-FA4CC633AB52}" sibTransId="{66FE0E62-A0BC-43A9-9021-97CEBCC01257}"/>
-    <dgm:cxn modelId="{01448749-4D1B-4DAD-A328-65AF4148A8E0}" srcId="{27846693-0EFC-46E0-8FF4-FF602BFAB362}" destId="{C47A9370-2E28-4C98-A8B6-1CA50EBBD3FE}" srcOrd="0" destOrd="0" parTransId="{77E50080-8336-4F8A-AA57-8E543DD0F155}" sibTransId="{64FA3EF1-8DEF-4630-A96E-168B47CCC9EC}"/>
-    <dgm:cxn modelId="{23F39555-FA2A-426C-99D2-D17CBCB62CF7}" type="presOf" srcId="{BC0225C7-B809-4447-9519-AEF949707AB2}" destId="{7E132E76-505B-4BCC-B9AF-352356003644}" srcOrd="0" destOrd="0" presId="urn:microsoft.com/office/officeart/2005/8/layout/process4"/>
-    <dgm:cxn modelId="{74651391-DDC4-4CAA-89C9-409F90B20E89}" type="presOf" srcId="{533A0D23-A31C-45E5-AFA8-1C10009D8418}" destId="{78194046-5945-497E-B524-B1B75476D865}" srcOrd="0" destOrd="0" presId="urn:microsoft.com/office/officeart/2005/8/layout/process4"/>
     <dgm:cxn modelId="{3270B792-EB12-4278-A002-F937C246C88C}" type="presOf" srcId="{C47A9370-2E28-4C98-A8B6-1CA50EBBD3FE}" destId="{C9E55795-6C48-4D4A-B802-9BE6BA51CDEF}" srcOrd="1" destOrd="0" presId="urn:microsoft.com/office/officeart/2005/8/layout/process4"/>
     <dgm:cxn modelId="{7A2CB9B8-CE50-4223-B8E7-F67BDF2F2934}" type="presOf" srcId="{C47A9370-2E28-4C98-A8B6-1CA50EBBD3FE}" destId="{9648132F-B4E7-4DAD-905F-A28F522517A5}" srcOrd="0" destOrd="0" presId="urn:microsoft.com/office/officeart/2005/8/layout/process4"/>
+    <dgm:cxn modelId="{23F39555-FA2A-426C-99D2-D17CBCB62CF7}" type="presOf" srcId="{BC0225C7-B809-4447-9519-AEF949707AB2}" destId="{7E132E76-505B-4BCC-B9AF-352356003644}" srcOrd="0" destOrd="0" presId="urn:microsoft.com/office/officeart/2005/8/layout/process4"/>
+    <dgm:cxn modelId="{2E4DCF0C-F732-498E-8192-8E5B92A127D4}" srcId="{C47A9370-2E28-4C98-A8B6-1CA50EBBD3FE}" destId="{BC0225C7-B809-4447-9519-AEF949707AB2}" srcOrd="2" destOrd="0" parTransId="{4B8B61D6-2631-4CC6-9F03-8427FBCCEA75}" sibTransId="{23680D60-4941-40B2-9186-4B76DE179DD9}"/>
+    <dgm:cxn modelId="{E4234D01-458E-467B-958D-13F7A03EFA36}" srcId="{27846693-0EFC-46E0-8FF4-FF602BFAB362}" destId="{FF2FD08C-B9C8-43D4-A6ED-8D2BC0D24920}" srcOrd="1" destOrd="0" parTransId="{552138E8-6CE2-4867-8DCF-618D32EB4C67}" sibTransId="{FF940526-0902-4318-8910-EEBFD4215F40}"/>
+    <dgm:cxn modelId="{74651391-DDC4-4CAA-89C9-409F90B20E89}" type="presOf" srcId="{533A0D23-A31C-45E5-AFA8-1C10009D8418}" destId="{78194046-5945-497E-B524-B1B75476D865}" srcOrd="0" destOrd="0" presId="urn:microsoft.com/office/officeart/2005/8/layout/process4"/>
+    <dgm:cxn modelId="{751D25E0-1C27-4F02-9893-2681D50AAAE7}" srcId="{C47A9370-2E28-4C98-A8B6-1CA50EBBD3FE}" destId="{8832DB6C-3678-4926-A12B-B575A089AFDB}" srcOrd="0" destOrd="0" parTransId="{0686CDAD-A537-4C99-B71D-B208A2C2B016}" sibTransId="{8728B780-54FA-4E0A-9435-BE3C3884B14B}"/>
+    <dgm:cxn modelId="{15A2AEEC-7D72-4810-8F94-F328FB8E0E6E}" type="presOf" srcId="{8832DB6C-3678-4926-A12B-B575A089AFDB}" destId="{EA4F759C-C114-40EE-BCC0-68A4823249A1}" srcOrd="0" destOrd="0" presId="urn:microsoft.com/office/officeart/2005/8/layout/process4"/>
+    <dgm:cxn modelId="{01448749-4D1B-4DAD-A328-65AF4148A8E0}" srcId="{27846693-0EFC-46E0-8FF4-FF602BFAB362}" destId="{C47A9370-2E28-4C98-A8B6-1CA50EBBD3FE}" srcOrd="0" destOrd="0" parTransId="{77E50080-8336-4F8A-AA57-8E543DD0F155}" sibTransId="{64FA3EF1-8DEF-4630-A96E-168B47CCC9EC}"/>
+    <dgm:cxn modelId="{435F8364-2E7B-4A35-8171-00481A5797BC}" srcId="{C47A9370-2E28-4C98-A8B6-1CA50EBBD3FE}" destId="{533A0D23-A31C-45E5-AFA8-1C10009D8418}" srcOrd="1" destOrd="0" parTransId="{A80E6368-6AD9-4A4F-A1C2-FA4CC633AB52}" sibTransId="{66FE0E62-A0BC-43A9-9021-97CEBCC01257}"/>
     <dgm:cxn modelId="{741D12BB-8521-4537-8E38-5EB9754F5AA4}" type="presOf" srcId="{FF2FD08C-B9C8-43D4-A6ED-8D2BC0D24920}" destId="{DBC3C3FF-A70B-4683-8968-65EF3F9CAF14}" srcOrd="0" destOrd="0" presId="urn:microsoft.com/office/officeart/2005/8/layout/process4"/>
     <dgm:cxn modelId="{15B013BD-C880-4A2E-9A9B-B25E6C39212D}" type="presOf" srcId="{27846693-0EFC-46E0-8FF4-FF602BFAB362}" destId="{AC224694-9473-4AC3-9BDF-998E6BCDEE72}" srcOrd="0" destOrd="0" presId="urn:microsoft.com/office/officeart/2005/8/layout/process4"/>
-    <dgm:cxn modelId="{751D25E0-1C27-4F02-9893-2681D50AAAE7}" srcId="{C47A9370-2E28-4C98-A8B6-1CA50EBBD3FE}" destId="{8832DB6C-3678-4926-A12B-B575A089AFDB}" srcOrd="0" destOrd="0" parTransId="{0686CDAD-A537-4C99-B71D-B208A2C2B016}" sibTransId="{8728B780-54FA-4E0A-9435-BE3C3884B14B}"/>
-    <dgm:cxn modelId="{15A2AEEC-7D72-4810-8F94-F328FB8E0E6E}" type="presOf" srcId="{8832DB6C-3678-4926-A12B-B575A089AFDB}" destId="{EA4F759C-C114-40EE-BCC0-68A4823249A1}" srcOrd="0" destOrd="0" presId="urn:microsoft.com/office/officeart/2005/8/layout/process4"/>
     <dgm:cxn modelId="{2772D002-C76F-4EAD-BB7E-E0BC90B41636}" type="presParOf" srcId="{AC224694-9473-4AC3-9BDF-998E6BCDEE72}" destId="{39BEBEEB-7DB0-47F8-A9B1-AC8C3C9738F3}" srcOrd="0" destOrd="0" presId="urn:microsoft.com/office/officeart/2005/8/layout/process4"/>
     <dgm:cxn modelId="{1F8598D4-1F39-464F-BE3C-DF102A849E89}" type="presParOf" srcId="{39BEBEEB-7DB0-47F8-A9B1-AC8C3C9738F3}" destId="{DBC3C3FF-A70B-4683-8968-65EF3F9CAF14}" srcOrd="0" destOrd="0" presId="urn:microsoft.com/office/officeart/2005/8/layout/process4"/>
     <dgm:cxn modelId="{2DAC8B4B-F031-4CB9-8906-9611DB02F3D6}" type="presParOf" srcId="{AC224694-9473-4AC3-9BDF-998E6BCDEE72}" destId="{2881036B-B684-4822-8A4C-B1DD8435A497}" srcOrd="1" destOrd="0" presId="urn:microsoft.com/office/officeart/2005/8/layout/process4"/>
@@ -3959,6 +4006,13 @@
         </dgm:presLayoutVars>
       </dgm:prSet>
       <dgm:spPr/>
+      <dgm:t>
+        <a:bodyPr/>
+        <a:lstStyle/>
+        <a:p>
+          <a:endParaRPr lang="en-US"/>
+        </a:p>
+      </dgm:t>
     </dgm:pt>
     <dgm:pt modelId="{119015C5-2FA4-40B7-9134-655899DD8B43}" type="pres">
       <dgm:prSet presAssocID="{A484C35D-7149-4AD4-86EC-596392C955C7}" presName="parentLin" presStyleCnt="0"/>
@@ -3967,6 +4021,13 @@
     <dgm:pt modelId="{35E64A77-0BA0-4442-9593-FDF4C4BC6615}" type="pres">
       <dgm:prSet presAssocID="{A484C35D-7149-4AD4-86EC-596392C955C7}" presName="parentLeftMargin" presStyleLbl="node1" presStyleIdx="0" presStyleCnt="3"/>
       <dgm:spPr/>
+      <dgm:t>
+        <a:bodyPr/>
+        <a:lstStyle/>
+        <a:p>
+          <a:endParaRPr lang="en-US"/>
+        </a:p>
+      </dgm:t>
     </dgm:pt>
     <dgm:pt modelId="{EB9FAE40-9B6D-455D-9184-5D58227F32F3}" type="pres">
       <dgm:prSet presAssocID="{A484C35D-7149-4AD4-86EC-596392C955C7}" presName="parentText" presStyleLbl="node1" presStyleIdx="0" presStyleCnt="3">
@@ -3976,6 +4037,13 @@
         </dgm:presLayoutVars>
       </dgm:prSet>
       <dgm:spPr/>
+      <dgm:t>
+        <a:bodyPr/>
+        <a:lstStyle/>
+        <a:p>
+          <a:endParaRPr lang="en-US"/>
+        </a:p>
+      </dgm:t>
     </dgm:pt>
     <dgm:pt modelId="{E78B1C2C-83EE-430E-88D7-005CBF55D969}" type="pres">
       <dgm:prSet presAssocID="{A484C35D-7149-4AD4-86EC-596392C955C7}" presName="negativeSpace" presStyleCnt="0"/>
@@ -3988,6 +4056,13 @@
         </dgm:presLayoutVars>
       </dgm:prSet>
       <dgm:spPr/>
+      <dgm:t>
+        <a:bodyPr/>
+        <a:lstStyle/>
+        <a:p>
+          <a:endParaRPr lang="en-US"/>
+        </a:p>
+      </dgm:t>
     </dgm:pt>
     <dgm:pt modelId="{EBA73FFB-1E11-48ED-B8C7-41EE9D1B3CFA}" type="pres">
       <dgm:prSet presAssocID="{D8726E34-F4EA-4F44-9A81-D3EFCB9AB2FA}" presName="spaceBetweenRectangles" presStyleCnt="0"/>
@@ -4000,6 +4075,13 @@
     <dgm:pt modelId="{805704B6-26EC-447F-A2C5-38C46F750486}" type="pres">
       <dgm:prSet presAssocID="{37444F39-F4E0-463A-A085-F64446481B82}" presName="parentLeftMargin" presStyleLbl="node1" presStyleIdx="0" presStyleCnt="3"/>
       <dgm:spPr/>
+      <dgm:t>
+        <a:bodyPr/>
+        <a:lstStyle/>
+        <a:p>
+          <a:endParaRPr lang="en-US"/>
+        </a:p>
+      </dgm:t>
     </dgm:pt>
     <dgm:pt modelId="{B9B59AD2-F16C-4B9E-8EF6-F0C5247DBD09}" type="pres">
       <dgm:prSet presAssocID="{37444F39-F4E0-463A-A085-F64446481B82}" presName="parentText" presStyleLbl="node1" presStyleIdx="1" presStyleCnt="3">
@@ -4009,6 +4091,13 @@
         </dgm:presLayoutVars>
       </dgm:prSet>
       <dgm:spPr/>
+      <dgm:t>
+        <a:bodyPr/>
+        <a:lstStyle/>
+        <a:p>
+          <a:endParaRPr lang="en-US"/>
+        </a:p>
+      </dgm:t>
     </dgm:pt>
     <dgm:pt modelId="{59E105FB-1D0E-42F9-8100-489B0AF90DFE}" type="pres">
       <dgm:prSet presAssocID="{37444F39-F4E0-463A-A085-F64446481B82}" presName="negativeSpace" presStyleCnt="0"/>
@@ -4021,6 +4110,13 @@
         </dgm:presLayoutVars>
       </dgm:prSet>
       <dgm:spPr/>
+      <dgm:t>
+        <a:bodyPr/>
+        <a:lstStyle/>
+        <a:p>
+          <a:endParaRPr lang="en-US"/>
+        </a:p>
+      </dgm:t>
     </dgm:pt>
     <dgm:pt modelId="{0C4C3611-A5F9-4815-AC17-2053283642BA}" type="pres">
       <dgm:prSet presAssocID="{46ADA06D-B362-4D53-8AE3-A05E6A951D37}" presName="spaceBetweenRectangles" presStyleCnt="0"/>
@@ -4033,6 +4129,13 @@
     <dgm:pt modelId="{C2C44689-B387-4D30-8C80-B60B308AC5AB}" type="pres">
       <dgm:prSet presAssocID="{AE22922B-1B6F-400F-84A4-C179B95516EE}" presName="parentLeftMargin" presStyleLbl="node1" presStyleIdx="1" presStyleCnt="3"/>
       <dgm:spPr/>
+      <dgm:t>
+        <a:bodyPr/>
+        <a:lstStyle/>
+        <a:p>
+          <a:endParaRPr lang="en-US"/>
+        </a:p>
+      </dgm:t>
     </dgm:pt>
     <dgm:pt modelId="{E0BEC818-618D-40FF-B714-010FE118BE88}" type="pres">
       <dgm:prSet presAssocID="{AE22922B-1B6F-400F-84A4-C179B95516EE}" presName="parentText" presStyleLbl="node1" presStyleIdx="2" presStyleCnt="3">
@@ -4042,6 +4145,13 @@
         </dgm:presLayoutVars>
       </dgm:prSet>
       <dgm:spPr/>
+      <dgm:t>
+        <a:bodyPr/>
+        <a:lstStyle/>
+        <a:p>
+          <a:endParaRPr lang="en-US"/>
+        </a:p>
+      </dgm:t>
     </dgm:pt>
     <dgm:pt modelId="{6C64343F-E2D7-4207-8978-713E3110F209}" type="pres">
       <dgm:prSet presAssocID="{AE22922B-1B6F-400F-84A4-C179B95516EE}" presName="negativeSpace" presStyleCnt="0"/>
@@ -4054,37 +4164,44 @@
         </dgm:presLayoutVars>
       </dgm:prSet>
       <dgm:spPr/>
+      <dgm:t>
+        <a:bodyPr/>
+        <a:lstStyle/>
+        <a:p>
+          <a:endParaRPr lang="en-US"/>
+        </a:p>
+      </dgm:t>
     </dgm:pt>
   </dgm:ptLst>
   <dgm:cxnLst>
+    <dgm:cxn modelId="{0A75E28C-0A48-4C69-9BCD-C5B0973F185D}" type="presOf" srcId="{1C25D14B-C895-4D59-A1C0-C3FE85065F43}" destId="{CE1153AE-363F-409B-AD0B-71B75DDEECB7}" srcOrd="0" destOrd="2" presId="urn:microsoft.com/office/officeart/2005/8/layout/list1"/>
+    <dgm:cxn modelId="{6002F6D9-EF37-406B-92CC-FDF474D32890}" srcId="{AE22922B-1B6F-400F-84A4-C179B95516EE}" destId="{6425C603-F9E0-408D-9D53-EA3BC181C876}" srcOrd="2" destOrd="0" parTransId="{175BBE05-D705-40F2-B0F0-1D0C469BB3EA}" sibTransId="{CE16E3D8-945F-4C55-83A1-C78B00F54943}"/>
+    <dgm:cxn modelId="{7B17DFF6-F1D0-4076-93C8-D08AC03900C7}" srcId="{04235686-2081-4694-83A7-77E57CE3D143}" destId="{37444F39-F4E0-463A-A085-F64446481B82}" srcOrd="1" destOrd="0" parTransId="{0A8CCA54-5C8C-451E-854F-7EC0AA757B9B}" sibTransId="{46ADA06D-B362-4D53-8AE3-A05E6A951D37}"/>
+    <dgm:cxn modelId="{974A52E8-E13C-4863-B6D8-6EA59C6E7C3A}" srcId="{AE22922B-1B6F-400F-84A4-C179B95516EE}" destId="{E93D836D-7E8B-45AA-9DF2-55A72D4F99E1}" srcOrd="1" destOrd="0" parTransId="{C0CE700F-BBFB-413C-8E6D-E81906B6489E}" sibTransId="{8C55BDC4-CDE4-4EA5-A46C-0BBF6FCEC8AD}"/>
+    <dgm:cxn modelId="{4A67212D-1AE9-4504-8FA5-DE76CC95C6D2}" srcId="{A484C35D-7149-4AD4-86EC-596392C955C7}" destId="{5B87AA98-CDC5-4F91-A9D3-2A0E79D75D6A}" srcOrd="1" destOrd="0" parTransId="{00D302D2-118C-4075-ACCA-86A83DD81A74}" sibTransId="{A1452011-B49A-4ACE-B8A8-FB649DA20119}"/>
+    <dgm:cxn modelId="{9A355362-673D-4A3E-B9A7-C6EA41CFBA0C}" type="presOf" srcId="{AE22922B-1B6F-400F-84A4-C179B95516EE}" destId="{C2C44689-B387-4D30-8C80-B60B308AC5AB}" srcOrd="0" destOrd="0" presId="urn:microsoft.com/office/officeart/2005/8/layout/list1"/>
+    <dgm:cxn modelId="{B599C899-B2C1-49FA-BC1E-68A59766CB34}" type="presOf" srcId="{5B87AA98-CDC5-4F91-A9D3-2A0E79D75D6A}" destId="{C20E803A-56FB-4785-BC1E-F86486E06D39}" srcOrd="0" destOrd="1" presId="urn:microsoft.com/office/officeart/2005/8/layout/list1"/>
+    <dgm:cxn modelId="{C5BD2487-48A0-49F2-93A2-4FE303AE9F75}" type="presOf" srcId="{5AEF9997-F7BD-4387-BA28-DFF27CF5E344}" destId="{CE1153AE-363F-409B-AD0B-71B75DDEECB7}" srcOrd="0" destOrd="1" presId="urn:microsoft.com/office/officeart/2005/8/layout/list1"/>
+    <dgm:cxn modelId="{5194063A-10B8-4ECA-99BB-7FC5B0C24D8E}" type="presOf" srcId="{A484C35D-7149-4AD4-86EC-596392C955C7}" destId="{EB9FAE40-9B6D-455D-9184-5D58227F32F3}" srcOrd="1" destOrd="0" presId="urn:microsoft.com/office/officeart/2005/8/layout/list1"/>
+    <dgm:cxn modelId="{63CE8CD5-51FA-42CB-8A52-FD6ADEE2C364}" type="presOf" srcId="{6C4B1577-166A-437E-B9DF-CD0D5013CF79}" destId="{71A8F112-5966-4790-B602-1936576948CB}" srcOrd="0" destOrd="0" presId="urn:microsoft.com/office/officeart/2005/8/layout/list1"/>
+    <dgm:cxn modelId="{74724A9F-3D39-4EEE-BD2B-06C795B4A4C2}" srcId="{AE22922B-1B6F-400F-84A4-C179B95516EE}" destId="{6C4B1577-166A-437E-B9DF-CD0D5013CF79}" srcOrd="0" destOrd="0" parTransId="{B29BE74E-06FD-4AB4-8461-6BE01A18115F}" sibTransId="{E597E284-D6FD-4C41-AB20-860241803B31}"/>
+    <dgm:cxn modelId="{42666D86-25D2-44AA-B5F5-799C5048139C}" type="presOf" srcId="{04235686-2081-4694-83A7-77E57CE3D143}" destId="{FAE4FEA5-E2CA-4AD5-8124-173B9298F31C}" srcOrd="0" destOrd="0" presId="urn:microsoft.com/office/officeart/2005/8/layout/list1"/>
+    <dgm:cxn modelId="{49E80CB0-4D93-4ACB-8325-D0334FB2F348}" type="presOf" srcId="{A484C35D-7149-4AD4-86EC-596392C955C7}" destId="{35E64A77-0BA0-4442-9593-FDF4C4BC6615}" srcOrd="0" destOrd="0" presId="urn:microsoft.com/office/officeart/2005/8/layout/list1"/>
+    <dgm:cxn modelId="{5B328239-7B3F-4976-9955-5608BDEBED82}" type="presOf" srcId="{E93D836D-7E8B-45AA-9DF2-55A72D4F99E1}" destId="{71A8F112-5966-4790-B602-1936576948CB}" srcOrd="0" destOrd="1" presId="urn:microsoft.com/office/officeart/2005/8/layout/list1"/>
+    <dgm:cxn modelId="{4169BBF8-F674-484C-94D3-960A7E309CD1}" type="presOf" srcId="{AE22922B-1B6F-400F-84A4-C179B95516EE}" destId="{E0BEC818-618D-40FF-B714-010FE118BE88}" srcOrd="1" destOrd="0" presId="urn:microsoft.com/office/officeart/2005/8/layout/list1"/>
+    <dgm:cxn modelId="{3D98DB0D-1068-4BAF-9845-2DA67A30E913}" srcId="{A484C35D-7149-4AD4-86EC-596392C955C7}" destId="{E71BA729-C24D-4CA5-9A51-9C4C6116A4FB}" srcOrd="2" destOrd="0" parTransId="{227FF19D-E3AE-49EA-B97E-3D26ED8455AC}" sibTransId="{F32232A3-1359-45F1-ACEC-D6377071405C}"/>
+    <dgm:cxn modelId="{C881D391-A26B-4F6B-8D91-D6D5ADAAF462}" type="presOf" srcId="{37444F39-F4E0-463A-A085-F64446481B82}" destId="{805704B6-26EC-447F-A2C5-38C46F750486}" srcOrd="0" destOrd="0" presId="urn:microsoft.com/office/officeart/2005/8/layout/list1"/>
+    <dgm:cxn modelId="{E838B8CD-9CAD-4917-80EF-868248E90B5A}" type="presOf" srcId="{37444F39-F4E0-463A-A085-F64446481B82}" destId="{B9B59AD2-F16C-4B9E-8EF6-F0C5247DBD09}" srcOrd="1" destOrd="0" presId="urn:microsoft.com/office/officeart/2005/8/layout/list1"/>
+    <dgm:cxn modelId="{75F92B10-D9F2-41D7-A61E-4C3E5353D913}" type="presOf" srcId="{B6533BA5-398D-45E3-959A-CCAE63C34C00}" destId="{CE1153AE-363F-409B-AD0B-71B75DDEECB7}" srcOrd="0" destOrd="0" presId="urn:microsoft.com/office/officeart/2005/8/layout/list1"/>
+    <dgm:cxn modelId="{ABC1ADC1-63F3-4306-AD45-52AFC7459F7B}" type="presOf" srcId="{E71BA729-C24D-4CA5-9A51-9C4C6116A4FB}" destId="{C20E803A-56FB-4785-BC1E-F86486E06D39}" srcOrd="0" destOrd="2" presId="urn:microsoft.com/office/officeart/2005/8/layout/list1"/>
     <dgm:cxn modelId="{C9FA3A04-6779-4FBE-A8A6-6054CFFD8CDE}" srcId="{37444F39-F4E0-463A-A085-F64446481B82}" destId="{B6533BA5-398D-45E3-959A-CCAE63C34C00}" srcOrd="0" destOrd="0" parTransId="{D458D993-17AB-48F7-9743-718DF2532B9D}" sibTransId="{B9709063-21D1-4BD7-8255-28B79C7279EE}"/>
-    <dgm:cxn modelId="{3D98DB0D-1068-4BAF-9845-2DA67A30E913}" srcId="{A484C35D-7149-4AD4-86EC-596392C955C7}" destId="{E71BA729-C24D-4CA5-9A51-9C4C6116A4FB}" srcOrd="2" destOrd="0" parTransId="{227FF19D-E3AE-49EA-B97E-3D26ED8455AC}" sibTransId="{F32232A3-1359-45F1-ACEC-D6377071405C}"/>
-    <dgm:cxn modelId="{75F92B10-D9F2-41D7-A61E-4C3E5353D913}" type="presOf" srcId="{B6533BA5-398D-45E3-959A-CCAE63C34C00}" destId="{CE1153AE-363F-409B-AD0B-71B75DDEECB7}" srcOrd="0" destOrd="0" presId="urn:microsoft.com/office/officeart/2005/8/layout/list1"/>
+    <dgm:cxn modelId="{B0740A79-240B-4470-8638-2D67571F5C62}" type="presOf" srcId="{F28B7A99-6C83-4B2C-8534-476C17D97555}" destId="{C20E803A-56FB-4785-BC1E-F86486E06D39}" srcOrd="0" destOrd="0" presId="urn:microsoft.com/office/officeart/2005/8/layout/list1"/>
+    <dgm:cxn modelId="{0F59CD27-EBDE-4D19-BEB5-5CDA41F7E9A3}" srcId="{37444F39-F4E0-463A-A085-F64446481B82}" destId="{5AEF9997-F7BD-4387-BA28-DFF27CF5E344}" srcOrd="1" destOrd="0" parTransId="{4FC10CE2-9952-4247-A0E2-D5CF28B77DED}" sibTransId="{61DFEA5E-E29F-4106-9D19-6EB6A1091A39}"/>
     <dgm:cxn modelId="{9A7DD711-3837-4171-8CBA-98247DD38798}" srcId="{04235686-2081-4694-83A7-77E57CE3D143}" destId="{A484C35D-7149-4AD4-86EC-596392C955C7}" srcOrd="0" destOrd="0" parTransId="{7C550D68-8925-4E3E-9488-8DC1879F77E2}" sibTransId="{D8726E34-F4EA-4F44-9A81-D3EFCB9AB2FA}"/>
+    <dgm:cxn modelId="{979D41CB-B1E0-4A17-8A4C-114631CA5D44}" srcId="{04235686-2081-4694-83A7-77E57CE3D143}" destId="{AE22922B-1B6F-400F-84A4-C179B95516EE}" srcOrd="2" destOrd="0" parTransId="{EAA7D98F-A37B-4E6E-B81E-B569D38EE1B9}" sibTransId="{F4267B60-8CE4-493B-AD88-DDEB284F6917}"/>
+    <dgm:cxn modelId="{97E091B0-8025-4784-A859-C5B0B4D3DA6A}" srcId="{A484C35D-7149-4AD4-86EC-596392C955C7}" destId="{F28B7A99-6C83-4B2C-8534-476C17D97555}" srcOrd="0" destOrd="0" parTransId="{A7F22575-E323-45A9-9117-8D637D5B97C1}" sibTransId="{6E6C4C02-C20C-4BE0-A595-AA05D9B866B5}"/>
     <dgm:cxn modelId="{45724E25-C3A4-478B-AA1D-1C05F18EAB89}" type="presOf" srcId="{6425C603-F9E0-408D-9D53-EA3BC181C876}" destId="{71A8F112-5966-4790-B602-1936576948CB}" srcOrd="0" destOrd="2" presId="urn:microsoft.com/office/officeart/2005/8/layout/list1"/>
-    <dgm:cxn modelId="{0F59CD27-EBDE-4D19-BEB5-5CDA41F7E9A3}" srcId="{37444F39-F4E0-463A-A085-F64446481B82}" destId="{5AEF9997-F7BD-4387-BA28-DFF27CF5E344}" srcOrd="1" destOrd="0" parTransId="{4FC10CE2-9952-4247-A0E2-D5CF28B77DED}" sibTransId="{61DFEA5E-E29F-4106-9D19-6EB6A1091A39}"/>
-    <dgm:cxn modelId="{4A67212D-1AE9-4504-8FA5-DE76CC95C6D2}" srcId="{A484C35D-7149-4AD4-86EC-596392C955C7}" destId="{5B87AA98-CDC5-4F91-A9D3-2A0E79D75D6A}" srcOrd="1" destOrd="0" parTransId="{00D302D2-118C-4075-ACCA-86A83DD81A74}" sibTransId="{A1452011-B49A-4ACE-B8A8-FB649DA20119}"/>
-    <dgm:cxn modelId="{5B328239-7B3F-4976-9955-5608BDEBED82}" type="presOf" srcId="{E93D836D-7E8B-45AA-9DF2-55A72D4F99E1}" destId="{71A8F112-5966-4790-B602-1936576948CB}" srcOrd="0" destOrd="1" presId="urn:microsoft.com/office/officeart/2005/8/layout/list1"/>
-    <dgm:cxn modelId="{5194063A-10B8-4ECA-99BB-7FC5B0C24D8E}" type="presOf" srcId="{A484C35D-7149-4AD4-86EC-596392C955C7}" destId="{EB9FAE40-9B6D-455D-9184-5D58227F32F3}" srcOrd="1" destOrd="0" presId="urn:microsoft.com/office/officeart/2005/8/layout/list1"/>
-    <dgm:cxn modelId="{9A355362-673D-4A3E-B9A7-C6EA41CFBA0C}" type="presOf" srcId="{AE22922B-1B6F-400F-84A4-C179B95516EE}" destId="{C2C44689-B387-4D30-8C80-B60B308AC5AB}" srcOrd="0" destOrd="0" presId="urn:microsoft.com/office/officeart/2005/8/layout/list1"/>
-    <dgm:cxn modelId="{B0740A79-240B-4470-8638-2D67571F5C62}" type="presOf" srcId="{F28B7A99-6C83-4B2C-8534-476C17D97555}" destId="{C20E803A-56FB-4785-BC1E-F86486E06D39}" srcOrd="0" destOrd="0" presId="urn:microsoft.com/office/officeart/2005/8/layout/list1"/>
-    <dgm:cxn modelId="{42666D86-25D2-44AA-B5F5-799C5048139C}" type="presOf" srcId="{04235686-2081-4694-83A7-77E57CE3D143}" destId="{FAE4FEA5-E2CA-4AD5-8124-173B9298F31C}" srcOrd="0" destOrd="0" presId="urn:microsoft.com/office/officeart/2005/8/layout/list1"/>
-    <dgm:cxn modelId="{C5BD2487-48A0-49F2-93A2-4FE303AE9F75}" type="presOf" srcId="{5AEF9997-F7BD-4387-BA28-DFF27CF5E344}" destId="{CE1153AE-363F-409B-AD0B-71B75DDEECB7}" srcOrd="0" destOrd="1" presId="urn:microsoft.com/office/officeart/2005/8/layout/list1"/>
     <dgm:cxn modelId="{226FBB8C-448A-4CCD-A6E8-F4C7A7EC43DF}" srcId="{37444F39-F4E0-463A-A085-F64446481B82}" destId="{1C25D14B-C895-4D59-A1C0-C3FE85065F43}" srcOrd="2" destOrd="0" parTransId="{E0AF9FA3-39D9-4AE3-B00A-01446EDB9C59}" sibTransId="{AB5ECBBB-3165-48F7-8DB7-81732A09FA65}"/>
-    <dgm:cxn modelId="{0A75E28C-0A48-4C69-9BCD-C5B0973F185D}" type="presOf" srcId="{1C25D14B-C895-4D59-A1C0-C3FE85065F43}" destId="{CE1153AE-363F-409B-AD0B-71B75DDEECB7}" srcOrd="0" destOrd="2" presId="urn:microsoft.com/office/officeart/2005/8/layout/list1"/>
-    <dgm:cxn modelId="{C881D391-A26B-4F6B-8D91-D6D5ADAAF462}" type="presOf" srcId="{37444F39-F4E0-463A-A085-F64446481B82}" destId="{805704B6-26EC-447F-A2C5-38C46F750486}" srcOrd="0" destOrd="0" presId="urn:microsoft.com/office/officeart/2005/8/layout/list1"/>
-    <dgm:cxn modelId="{B599C899-B2C1-49FA-BC1E-68A59766CB34}" type="presOf" srcId="{5B87AA98-CDC5-4F91-A9D3-2A0E79D75D6A}" destId="{C20E803A-56FB-4785-BC1E-F86486E06D39}" srcOrd="0" destOrd="1" presId="urn:microsoft.com/office/officeart/2005/8/layout/list1"/>
-    <dgm:cxn modelId="{74724A9F-3D39-4EEE-BD2B-06C795B4A4C2}" srcId="{AE22922B-1B6F-400F-84A4-C179B95516EE}" destId="{6C4B1577-166A-437E-B9DF-CD0D5013CF79}" srcOrd="0" destOrd="0" parTransId="{B29BE74E-06FD-4AB4-8461-6BE01A18115F}" sibTransId="{E597E284-D6FD-4C41-AB20-860241803B31}"/>
-    <dgm:cxn modelId="{49E80CB0-4D93-4ACB-8325-D0334FB2F348}" type="presOf" srcId="{A484C35D-7149-4AD4-86EC-596392C955C7}" destId="{35E64A77-0BA0-4442-9593-FDF4C4BC6615}" srcOrd="0" destOrd="0" presId="urn:microsoft.com/office/officeart/2005/8/layout/list1"/>
-    <dgm:cxn modelId="{97E091B0-8025-4784-A859-C5B0B4D3DA6A}" srcId="{A484C35D-7149-4AD4-86EC-596392C955C7}" destId="{F28B7A99-6C83-4B2C-8534-476C17D97555}" srcOrd="0" destOrd="0" parTransId="{A7F22575-E323-45A9-9117-8D637D5B97C1}" sibTransId="{6E6C4C02-C20C-4BE0-A595-AA05D9B866B5}"/>
-    <dgm:cxn modelId="{ABC1ADC1-63F3-4306-AD45-52AFC7459F7B}" type="presOf" srcId="{E71BA729-C24D-4CA5-9A51-9C4C6116A4FB}" destId="{C20E803A-56FB-4785-BC1E-F86486E06D39}" srcOrd="0" destOrd="2" presId="urn:microsoft.com/office/officeart/2005/8/layout/list1"/>
-    <dgm:cxn modelId="{979D41CB-B1E0-4A17-8A4C-114631CA5D44}" srcId="{04235686-2081-4694-83A7-77E57CE3D143}" destId="{AE22922B-1B6F-400F-84A4-C179B95516EE}" srcOrd="2" destOrd="0" parTransId="{EAA7D98F-A37B-4E6E-B81E-B569D38EE1B9}" sibTransId="{F4267B60-8CE4-493B-AD88-DDEB284F6917}"/>
-    <dgm:cxn modelId="{E838B8CD-9CAD-4917-80EF-868248E90B5A}" type="presOf" srcId="{37444F39-F4E0-463A-A085-F64446481B82}" destId="{B9B59AD2-F16C-4B9E-8EF6-F0C5247DBD09}" srcOrd="1" destOrd="0" presId="urn:microsoft.com/office/officeart/2005/8/layout/list1"/>
-    <dgm:cxn modelId="{63CE8CD5-51FA-42CB-8A52-FD6ADEE2C364}" type="presOf" srcId="{6C4B1577-166A-437E-B9DF-CD0D5013CF79}" destId="{71A8F112-5966-4790-B602-1936576948CB}" srcOrd="0" destOrd="0" presId="urn:microsoft.com/office/officeart/2005/8/layout/list1"/>
-    <dgm:cxn modelId="{6002F6D9-EF37-406B-92CC-FDF474D32890}" srcId="{AE22922B-1B6F-400F-84A4-C179B95516EE}" destId="{6425C603-F9E0-408D-9D53-EA3BC181C876}" srcOrd="2" destOrd="0" parTransId="{175BBE05-D705-40F2-B0F0-1D0C469BB3EA}" sibTransId="{CE16E3D8-945F-4C55-83A1-C78B00F54943}"/>
-    <dgm:cxn modelId="{974A52E8-E13C-4863-B6D8-6EA59C6E7C3A}" srcId="{AE22922B-1B6F-400F-84A4-C179B95516EE}" destId="{E93D836D-7E8B-45AA-9DF2-55A72D4F99E1}" srcOrd="1" destOrd="0" parTransId="{C0CE700F-BBFB-413C-8E6D-E81906B6489E}" sibTransId="{8C55BDC4-CDE4-4EA5-A46C-0BBF6FCEC8AD}"/>
-    <dgm:cxn modelId="{7B17DFF6-F1D0-4076-93C8-D08AC03900C7}" srcId="{04235686-2081-4694-83A7-77E57CE3D143}" destId="{37444F39-F4E0-463A-A085-F64446481B82}" srcOrd="1" destOrd="0" parTransId="{0A8CCA54-5C8C-451E-854F-7EC0AA757B9B}" sibTransId="{46ADA06D-B362-4D53-8AE3-A05E6A951D37}"/>
-    <dgm:cxn modelId="{4169BBF8-F674-484C-94D3-960A7E309CD1}" type="presOf" srcId="{AE22922B-1B6F-400F-84A4-C179B95516EE}" destId="{E0BEC818-618D-40FF-B714-010FE118BE88}" srcOrd="1" destOrd="0" presId="urn:microsoft.com/office/officeart/2005/8/layout/list1"/>
     <dgm:cxn modelId="{375DFC9B-A1BC-4A86-9856-644628F09BCC}" type="presParOf" srcId="{FAE4FEA5-E2CA-4AD5-8124-173B9298F31C}" destId="{119015C5-2FA4-40B7-9134-655899DD8B43}" srcOrd="0" destOrd="0" presId="urn:microsoft.com/office/officeart/2005/8/layout/list1"/>
     <dgm:cxn modelId="{16BB4278-0DE8-4B2F-8A12-E85078D519A4}" type="presParOf" srcId="{119015C5-2FA4-40B7-9134-655899DD8B43}" destId="{35E64A77-0BA0-4442-9593-FDF4C4BC6615}" srcOrd="0" destOrd="0" presId="urn:microsoft.com/office/officeart/2005/8/layout/list1"/>
     <dgm:cxn modelId="{02BF0169-5BBC-4E7C-B68D-0F8CE0FB6251}" type="presParOf" srcId="{119015C5-2FA4-40B7-9134-655899DD8B43}" destId="{EB9FAE40-9B6D-455D-9184-5D58227F32F3}" srcOrd="1" destOrd="0" presId="urn:microsoft.com/office/officeart/2005/8/layout/list1"/>
@@ -4330,6 +4447,13 @@
         </dgm:presLayoutVars>
       </dgm:prSet>
       <dgm:spPr/>
+      <dgm:t>
+        <a:bodyPr/>
+        <a:lstStyle/>
+        <a:p>
+          <a:endParaRPr lang="en-US"/>
+        </a:p>
+      </dgm:t>
     </dgm:pt>
     <dgm:pt modelId="{027C48D5-5D9E-408F-AD68-F54D748E5917}" type="pres">
       <dgm:prSet presAssocID="{715BFF0E-4013-4E84-B5D5-433F8B27C77B}" presName="compositeNode" presStyleCnt="0">
@@ -4342,6 +4466,13 @@
     <dgm:pt modelId="{9FF4D30B-F91B-4AD2-8BAC-7CB3CE2A4BF9}" type="pres">
       <dgm:prSet presAssocID="{715BFF0E-4013-4E84-B5D5-433F8B27C77B}" presName="bgRect" presStyleLbl="bgAccFollowNode1" presStyleIdx="0" presStyleCnt="5"/>
       <dgm:spPr/>
+      <dgm:t>
+        <a:bodyPr/>
+        <a:lstStyle/>
+        <a:p>
+          <a:endParaRPr lang="en-US"/>
+        </a:p>
+      </dgm:t>
     </dgm:pt>
     <dgm:pt modelId="{290DDAEE-363A-43B7-9695-39BFDA025990}" type="pres">
       <dgm:prSet presAssocID="{244B1833-7A77-429D-BF43-5A612BDEC259}" presName="sibTransNodeCircle" presStyleLbl="alignNode1" presStyleIdx="0" presStyleCnt="10">
@@ -4351,6 +4482,13 @@
         </dgm:presLayoutVars>
       </dgm:prSet>
       <dgm:spPr/>
+      <dgm:t>
+        <a:bodyPr/>
+        <a:lstStyle/>
+        <a:p>
+          <a:endParaRPr lang="en-US"/>
+        </a:p>
+      </dgm:t>
     </dgm:pt>
     <dgm:pt modelId="{34D44681-F42A-4D78-8553-8F3223D870E3}" type="pres">
       <dgm:prSet presAssocID="{715BFF0E-4013-4E84-B5D5-433F8B27C77B}" presName="bottomLine" presStyleLbl="alignNode1" presStyleIdx="1" presStyleCnt="10">
@@ -4365,6 +4503,13 @@
         </dgm:presLayoutVars>
       </dgm:prSet>
       <dgm:spPr/>
+      <dgm:t>
+        <a:bodyPr/>
+        <a:lstStyle/>
+        <a:p>
+          <a:endParaRPr lang="en-US"/>
+        </a:p>
+      </dgm:t>
     </dgm:pt>
     <dgm:pt modelId="{C77EFFF9-DC1F-421E-9938-C663EAADADA2}" type="pres">
       <dgm:prSet presAssocID="{244B1833-7A77-429D-BF43-5A612BDEC259}" presName="sibTrans" presStyleCnt="0"/>
@@ -4381,6 +4526,13 @@
     <dgm:pt modelId="{1189EC05-B7B8-4E42-8D60-014DCA767ADC}" type="pres">
       <dgm:prSet presAssocID="{7ECBE929-698D-4F89-AA09-AAF65F054061}" presName="bgRect" presStyleLbl="bgAccFollowNode1" presStyleIdx="1" presStyleCnt="5"/>
       <dgm:spPr/>
+      <dgm:t>
+        <a:bodyPr/>
+        <a:lstStyle/>
+        <a:p>
+          <a:endParaRPr lang="en-US"/>
+        </a:p>
+      </dgm:t>
     </dgm:pt>
     <dgm:pt modelId="{2B31759D-77C5-440C-9B53-BA8065F6CC1C}" type="pres">
       <dgm:prSet presAssocID="{AB825CDF-1218-4CD4-8126-3EEFCDA4B3CF}" presName="sibTransNodeCircle" presStyleLbl="alignNode1" presStyleIdx="2" presStyleCnt="10">
@@ -4390,6 +4542,13 @@
         </dgm:presLayoutVars>
       </dgm:prSet>
       <dgm:spPr/>
+      <dgm:t>
+        <a:bodyPr/>
+        <a:lstStyle/>
+        <a:p>
+          <a:endParaRPr lang="en-US"/>
+        </a:p>
+      </dgm:t>
     </dgm:pt>
     <dgm:pt modelId="{96B801BF-78DB-4338-AA84-4C9FB3754A16}" type="pres">
       <dgm:prSet presAssocID="{7ECBE929-698D-4F89-AA09-AAF65F054061}" presName="bottomLine" presStyleLbl="alignNode1" presStyleIdx="3" presStyleCnt="10">
@@ -4404,6 +4563,13 @@
         </dgm:presLayoutVars>
       </dgm:prSet>
       <dgm:spPr/>
+      <dgm:t>
+        <a:bodyPr/>
+        <a:lstStyle/>
+        <a:p>
+          <a:endParaRPr lang="en-US"/>
+        </a:p>
+      </dgm:t>
     </dgm:pt>
     <dgm:pt modelId="{03AEDCD9-A4BE-4EEE-A478-DAFF7C3764DA}" type="pres">
       <dgm:prSet presAssocID="{AB825CDF-1218-4CD4-8126-3EEFCDA4B3CF}" presName="sibTrans" presStyleCnt="0"/>
@@ -4420,6 +4586,13 @@
     <dgm:pt modelId="{A58FF74B-5187-462D-9C6B-CC033B450785}" type="pres">
       <dgm:prSet presAssocID="{76ABBF0A-59A2-464E-83EF-512E887D1D66}" presName="bgRect" presStyleLbl="bgAccFollowNode1" presStyleIdx="2" presStyleCnt="5"/>
       <dgm:spPr/>
+      <dgm:t>
+        <a:bodyPr/>
+        <a:lstStyle/>
+        <a:p>
+          <a:endParaRPr lang="en-US"/>
+        </a:p>
+      </dgm:t>
     </dgm:pt>
     <dgm:pt modelId="{E6C48221-3779-4C09-BFD6-C6E6AAE62F5A}" type="pres">
       <dgm:prSet presAssocID="{D7AF3F98-660A-4FED-ACCF-DA30D87E4B6B}" presName="sibTransNodeCircle" presStyleLbl="alignNode1" presStyleIdx="4" presStyleCnt="10">
@@ -4429,6 +4602,13 @@
         </dgm:presLayoutVars>
       </dgm:prSet>
       <dgm:spPr/>
+      <dgm:t>
+        <a:bodyPr/>
+        <a:lstStyle/>
+        <a:p>
+          <a:endParaRPr lang="en-US"/>
+        </a:p>
+      </dgm:t>
     </dgm:pt>
     <dgm:pt modelId="{791CF056-764F-4939-9E13-BA0CE3665E3F}" type="pres">
       <dgm:prSet presAssocID="{76ABBF0A-59A2-464E-83EF-512E887D1D66}" presName="bottomLine" presStyleLbl="alignNode1" presStyleIdx="5" presStyleCnt="10">
@@ -4443,6 +4623,13 @@
         </dgm:presLayoutVars>
       </dgm:prSet>
       <dgm:spPr/>
+      <dgm:t>
+        <a:bodyPr/>
+        <a:lstStyle/>
+        <a:p>
+          <a:endParaRPr lang="en-US"/>
+        </a:p>
+      </dgm:t>
     </dgm:pt>
     <dgm:pt modelId="{F63F8DB2-4DC2-4B37-8337-5DE845735DA5}" type="pres">
       <dgm:prSet presAssocID="{D7AF3F98-660A-4FED-ACCF-DA30D87E4B6B}" presName="sibTrans" presStyleCnt="0"/>
@@ -4459,6 +4646,13 @@
     <dgm:pt modelId="{45559B94-BD38-418A-B8F2-FC32F04FC522}" type="pres">
       <dgm:prSet presAssocID="{67ABF92A-7428-4C9C-8D15-876B4499937E}" presName="bgRect" presStyleLbl="bgAccFollowNode1" presStyleIdx="3" presStyleCnt="5"/>
       <dgm:spPr/>
+      <dgm:t>
+        <a:bodyPr/>
+        <a:lstStyle/>
+        <a:p>
+          <a:endParaRPr lang="en-US"/>
+        </a:p>
+      </dgm:t>
     </dgm:pt>
     <dgm:pt modelId="{7DF20FCF-D04C-4888-B5CD-CF3094410605}" type="pres">
       <dgm:prSet presAssocID="{444DC8E0-8645-46E3-93E2-B8E5DC53064C}" presName="sibTransNodeCircle" presStyleLbl="alignNode1" presStyleIdx="6" presStyleCnt="10">
@@ -4468,6 +4662,13 @@
         </dgm:presLayoutVars>
       </dgm:prSet>
       <dgm:spPr/>
+      <dgm:t>
+        <a:bodyPr/>
+        <a:lstStyle/>
+        <a:p>
+          <a:endParaRPr lang="en-US"/>
+        </a:p>
+      </dgm:t>
     </dgm:pt>
     <dgm:pt modelId="{8EDE8204-E0AF-4A00-8718-272F4BE61B1F}" type="pres">
       <dgm:prSet presAssocID="{67ABF92A-7428-4C9C-8D15-876B4499937E}" presName="bottomLine" presStyleLbl="alignNode1" presStyleIdx="7" presStyleCnt="10">
@@ -4482,6 +4683,13 @@
         </dgm:presLayoutVars>
       </dgm:prSet>
       <dgm:spPr/>
+      <dgm:t>
+        <a:bodyPr/>
+        <a:lstStyle/>
+        <a:p>
+          <a:endParaRPr lang="en-US"/>
+        </a:p>
+      </dgm:t>
     </dgm:pt>
     <dgm:pt modelId="{066BF4AE-66E6-4409-84E8-A2A861AC3561}" type="pres">
       <dgm:prSet presAssocID="{444DC8E0-8645-46E3-93E2-B8E5DC53064C}" presName="sibTrans" presStyleCnt="0"/>
@@ -4498,6 +4706,13 @@
     <dgm:pt modelId="{60CF2598-AEAC-4DE2-B5FF-282F4997856B}" type="pres">
       <dgm:prSet presAssocID="{477DC7A4-B6AF-41AB-8996-EB1B037A9678}" presName="bgRect" presStyleLbl="bgAccFollowNode1" presStyleIdx="4" presStyleCnt="5"/>
       <dgm:spPr/>
+      <dgm:t>
+        <a:bodyPr/>
+        <a:lstStyle/>
+        <a:p>
+          <a:endParaRPr lang="en-US"/>
+        </a:p>
+      </dgm:t>
     </dgm:pt>
     <dgm:pt modelId="{1F200CB6-880D-4C5E-8FE7-28E858CE4AC9}" type="pres">
       <dgm:prSet presAssocID="{48D1F16E-ECFC-49F6-909B-BA69D0F3D4E2}" presName="sibTransNodeCircle" presStyleLbl="alignNode1" presStyleIdx="8" presStyleCnt="10">
@@ -4507,6 +4722,13 @@
         </dgm:presLayoutVars>
       </dgm:prSet>
       <dgm:spPr/>
+      <dgm:t>
+        <a:bodyPr/>
+        <a:lstStyle/>
+        <a:p>
+          <a:endParaRPr lang="en-US"/>
+        </a:p>
+      </dgm:t>
     </dgm:pt>
     <dgm:pt modelId="{EA772FB2-46AC-4C35-BD08-5CB1FCEFC628}" type="pres">
       <dgm:prSet presAssocID="{477DC7A4-B6AF-41AB-8996-EB1B037A9678}" presName="bottomLine" presStyleLbl="alignNode1" presStyleIdx="9" presStyleCnt="10">
@@ -4521,30 +4743,37 @@
         </dgm:presLayoutVars>
       </dgm:prSet>
       <dgm:spPr/>
+      <dgm:t>
+        <a:bodyPr/>
+        <a:lstStyle/>
+        <a:p>
+          <a:endParaRPr lang="en-US"/>
+        </a:p>
+      </dgm:t>
     </dgm:pt>
   </dgm:ptLst>
   <dgm:cxnLst>
+    <dgm:cxn modelId="{AA85650A-611C-47A3-9831-0A1CA0FC317E}" type="presOf" srcId="{7ECBE929-698D-4F89-AA09-AAF65F054061}" destId="{1189EC05-B7B8-4E42-8D60-014DCA767ADC}" srcOrd="0" destOrd="0" presId="urn:microsoft.com/office/officeart/2016/7/layout/BasicLinearProcessNumbered"/>
+    <dgm:cxn modelId="{AEA7D265-40C0-4B8A-9B0E-7534744F4A44}" type="presOf" srcId="{477DC7A4-B6AF-41AB-8996-EB1B037A9678}" destId="{E4F026E5-35A1-4DD1-A80C-B08428E96EF0}" srcOrd="1" destOrd="0" presId="urn:microsoft.com/office/officeart/2016/7/layout/BasicLinearProcessNumbered"/>
+    <dgm:cxn modelId="{7251CF1F-5DEE-4E48-B3C5-1A48C5A506EA}" type="presOf" srcId="{444DC8E0-8645-46E3-93E2-B8E5DC53064C}" destId="{7DF20FCF-D04C-4888-B5CD-CF3094410605}" srcOrd="0" destOrd="0" presId="urn:microsoft.com/office/officeart/2016/7/layout/BasicLinearProcessNumbered"/>
+    <dgm:cxn modelId="{FCF3E3DE-8653-4DD7-9283-C60E493208A7}" srcId="{4B7674E0-3E81-457C-A30C-15F750F516A8}" destId="{67ABF92A-7428-4C9C-8D15-876B4499937E}" srcOrd="3" destOrd="0" parTransId="{C7B3319A-1EEF-41F0-9B7E-468687A9EBBC}" sibTransId="{444DC8E0-8645-46E3-93E2-B8E5DC53064C}"/>
+    <dgm:cxn modelId="{26F3A4A3-6527-4754-BA4F-2FDADEB9EC8C}" type="presOf" srcId="{7ECBE929-698D-4F89-AA09-AAF65F054061}" destId="{3FD92077-1509-4F27-BC2D-65D9C699700B}" srcOrd="1" destOrd="0" presId="urn:microsoft.com/office/officeart/2016/7/layout/BasicLinearProcessNumbered"/>
+    <dgm:cxn modelId="{EC6C6B91-7D57-46E4-BFC0-39DC310E2E29}" type="presOf" srcId="{76ABBF0A-59A2-464E-83EF-512E887D1D66}" destId="{A58FF74B-5187-462D-9C6B-CC033B450785}" srcOrd="0" destOrd="0" presId="urn:microsoft.com/office/officeart/2016/7/layout/BasicLinearProcessNumbered"/>
     <dgm:cxn modelId="{4BDE7102-1FBD-4C02-8B6F-F87C80DCAEDE}" type="presOf" srcId="{715BFF0E-4013-4E84-B5D5-433F8B27C77B}" destId="{97E606C4-149B-4F50-95EB-C5F1377BA0ED}" srcOrd="1" destOrd="0" presId="urn:microsoft.com/office/officeart/2016/7/layout/BasicLinearProcessNumbered"/>
-    <dgm:cxn modelId="{AA85650A-611C-47A3-9831-0A1CA0FC317E}" type="presOf" srcId="{7ECBE929-698D-4F89-AA09-AAF65F054061}" destId="{1189EC05-B7B8-4E42-8D60-014DCA767ADC}" srcOrd="0" destOrd="0" presId="urn:microsoft.com/office/officeart/2016/7/layout/BasicLinearProcessNumbered"/>
+    <dgm:cxn modelId="{71DBAC16-9155-43EE-B273-EBB84D28350F}" type="presOf" srcId="{715BFF0E-4013-4E84-B5D5-433F8B27C77B}" destId="{9FF4D30B-F91B-4AD2-8BAC-7CB3CE2A4BF9}" srcOrd="0" destOrd="0" presId="urn:microsoft.com/office/officeart/2016/7/layout/BasicLinearProcessNumbered"/>
+    <dgm:cxn modelId="{35521A8E-290E-44A6-8776-9084A2A32428}" type="presOf" srcId="{67ABF92A-7428-4C9C-8D15-876B4499937E}" destId="{ED44613A-1614-4498-818E-138FD95BFEC4}" srcOrd="1" destOrd="0" presId="urn:microsoft.com/office/officeart/2016/7/layout/BasicLinearProcessNumbered"/>
+    <dgm:cxn modelId="{D15F66DB-2F6B-4EEE-809C-12F1EBD8A3C4}" srcId="{4B7674E0-3E81-457C-A30C-15F750F516A8}" destId="{715BFF0E-4013-4E84-B5D5-433F8B27C77B}" srcOrd="0" destOrd="0" parTransId="{8989C6CD-A735-43CC-85EB-8A8638AD2C0A}" sibTransId="{244B1833-7A77-429D-BF43-5A612BDEC259}"/>
     <dgm:cxn modelId="{539F9B14-D35B-4397-80E9-BA3B68D26B12}" type="presOf" srcId="{AB825CDF-1218-4CD4-8126-3EEFCDA4B3CF}" destId="{2B31759D-77C5-440C-9B53-BA8065F6CC1C}" srcOrd="0" destOrd="0" presId="urn:microsoft.com/office/officeart/2016/7/layout/BasicLinearProcessNumbered"/>
-    <dgm:cxn modelId="{71DBAC16-9155-43EE-B273-EBB84D28350F}" type="presOf" srcId="{715BFF0E-4013-4E84-B5D5-433F8B27C77B}" destId="{9FF4D30B-F91B-4AD2-8BAC-7CB3CE2A4BF9}" srcOrd="0" destOrd="0" presId="urn:microsoft.com/office/officeart/2016/7/layout/BasicLinearProcessNumbered"/>
-    <dgm:cxn modelId="{7251CF1F-5DEE-4E48-B3C5-1A48C5A506EA}" type="presOf" srcId="{444DC8E0-8645-46E3-93E2-B8E5DC53064C}" destId="{7DF20FCF-D04C-4888-B5CD-CF3094410605}" srcOrd="0" destOrd="0" presId="urn:microsoft.com/office/officeart/2016/7/layout/BasicLinearProcessNumbered"/>
+    <dgm:cxn modelId="{31AB6EAF-782E-4AE0-AB0A-BD5A85409BFE}" type="presOf" srcId="{477DC7A4-B6AF-41AB-8996-EB1B037A9678}" destId="{60CF2598-AEAC-4DE2-B5FF-282F4997856B}" srcOrd="0" destOrd="0" presId="urn:microsoft.com/office/officeart/2016/7/layout/BasicLinearProcessNumbered"/>
+    <dgm:cxn modelId="{EC5B8AFE-D0BC-4AF1-B762-6BAE78EE3670}" type="presOf" srcId="{76ABBF0A-59A2-464E-83EF-512E887D1D66}" destId="{09227027-DE7C-4DDA-97B7-5B6707C783B5}" srcOrd="1" destOrd="0" presId="urn:microsoft.com/office/officeart/2016/7/layout/BasicLinearProcessNumbered"/>
+    <dgm:cxn modelId="{F2D6DA9E-6A45-4D6F-A5C2-C31166E7B8CC}" type="presOf" srcId="{4B7674E0-3E81-457C-A30C-15F750F516A8}" destId="{1BC3F4E4-6FD7-4CDB-8601-973CFB5A846A}" srcOrd="0" destOrd="0" presId="urn:microsoft.com/office/officeart/2016/7/layout/BasicLinearProcessNumbered"/>
+    <dgm:cxn modelId="{149693FD-EF25-4267-9B36-3E2D105AC868}" srcId="{4B7674E0-3E81-457C-A30C-15F750F516A8}" destId="{7ECBE929-698D-4F89-AA09-AAF65F054061}" srcOrd="1" destOrd="0" parTransId="{76F86F7C-5A88-43D9-B21F-D62A4B44B191}" sibTransId="{AB825CDF-1218-4CD4-8126-3EEFCDA4B3CF}"/>
     <dgm:cxn modelId="{CA23CB38-39E0-426E-ADD2-858317053C75}" type="presOf" srcId="{244B1833-7A77-429D-BF43-5A612BDEC259}" destId="{290DDAEE-363A-43B7-9695-39BFDA025990}" srcOrd="0" destOrd="0" presId="urn:microsoft.com/office/officeart/2016/7/layout/BasicLinearProcessNumbered"/>
+    <dgm:cxn modelId="{A4D76E41-41B4-46B8-BB1B-DAA89E09BF22}" type="presOf" srcId="{D7AF3F98-660A-4FED-ACCF-DA30D87E4B6B}" destId="{E6C48221-3779-4C09-BFD6-C6E6AAE62F5A}" srcOrd="0" destOrd="0" presId="urn:microsoft.com/office/officeart/2016/7/layout/BasicLinearProcessNumbered"/>
+    <dgm:cxn modelId="{8293DC58-B434-4E03-B8C4-542AF9174CFF}" srcId="{4B7674E0-3E81-457C-A30C-15F750F516A8}" destId="{477DC7A4-B6AF-41AB-8996-EB1B037A9678}" srcOrd="4" destOrd="0" parTransId="{FE99709D-11F7-40C4-8333-793BFE1403A7}" sibTransId="{48D1F16E-ECFC-49F6-909B-BA69D0F3D4E2}"/>
+    <dgm:cxn modelId="{290502D7-690E-44EE-8D8B-984EC8ED1DF4}" srcId="{4B7674E0-3E81-457C-A30C-15F750F516A8}" destId="{76ABBF0A-59A2-464E-83EF-512E887D1D66}" srcOrd="2" destOrd="0" parTransId="{5221B3D8-3C2D-49A7-99E3-7F31EA688667}" sibTransId="{D7AF3F98-660A-4FED-ACCF-DA30D87E4B6B}"/>
     <dgm:cxn modelId="{2FC2AA3D-89FA-40B3-BA64-A992CDB6EFF9}" type="presOf" srcId="{67ABF92A-7428-4C9C-8D15-876B4499937E}" destId="{45559B94-BD38-418A-B8F2-FC32F04FC522}" srcOrd="0" destOrd="0" presId="urn:microsoft.com/office/officeart/2016/7/layout/BasicLinearProcessNumbered"/>
-    <dgm:cxn modelId="{A4D76E41-41B4-46B8-BB1B-DAA89E09BF22}" type="presOf" srcId="{D7AF3F98-660A-4FED-ACCF-DA30D87E4B6B}" destId="{E6C48221-3779-4C09-BFD6-C6E6AAE62F5A}" srcOrd="0" destOrd="0" presId="urn:microsoft.com/office/officeart/2016/7/layout/BasicLinearProcessNumbered"/>
     <dgm:cxn modelId="{4AC86364-C86C-4DC6-9FA6-B47CCE1D1BC2}" type="presOf" srcId="{48D1F16E-ECFC-49F6-909B-BA69D0F3D4E2}" destId="{1F200CB6-880D-4C5E-8FE7-28E858CE4AC9}" srcOrd="0" destOrd="0" presId="urn:microsoft.com/office/officeart/2016/7/layout/BasicLinearProcessNumbered"/>
-    <dgm:cxn modelId="{AEA7D265-40C0-4B8A-9B0E-7534744F4A44}" type="presOf" srcId="{477DC7A4-B6AF-41AB-8996-EB1B037A9678}" destId="{E4F026E5-35A1-4DD1-A80C-B08428E96EF0}" srcOrd="1" destOrd="0" presId="urn:microsoft.com/office/officeart/2016/7/layout/BasicLinearProcessNumbered"/>
-    <dgm:cxn modelId="{8293DC58-B434-4E03-B8C4-542AF9174CFF}" srcId="{4B7674E0-3E81-457C-A30C-15F750F516A8}" destId="{477DC7A4-B6AF-41AB-8996-EB1B037A9678}" srcOrd="4" destOrd="0" parTransId="{FE99709D-11F7-40C4-8333-793BFE1403A7}" sibTransId="{48D1F16E-ECFC-49F6-909B-BA69D0F3D4E2}"/>
-    <dgm:cxn modelId="{35521A8E-290E-44A6-8776-9084A2A32428}" type="presOf" srcId="{67ABF92A-7428-4C9C-8D15-876B4499937E}" destId="{ED44613A-1614-4498-818E-138FD95BFEC4}" srcOrd="1" destOrd="0" presId="urn:microsoft.com/office/officeart/2016/7/layout/BasicLinearProcessNumbered"/>
-    <dgm:cxn modelId="{EC6C6B91-7D57-46E4-BFC0-39DC310E2E29}" type="presOf" srcId="{76ABBF0A-59A2-464E-83EF-512E887D1D66}" destId="{A58FF74B-5187-462D-9C6B-CC033B450785}" srcOrd="0" destOrd="0" presId="urn:microsoft.com/office/officeart/2016/7/layout/BasicLinearProcessNumbered"/>
-    <dgm:cxn modelId="{F2D6DA9E-6A45-4D6F-A5C2-C31166E7B8CC}" type="presOf" srcId="{4B7674E0-3E81-457C-A30C-15F750F516A8}" destId="{1BC3F4E4-6FD7-4CDB-8601-973CFB5A846A}" srcOrd="0" destOrd="0" presId="urn:microsoft.com/office/officeart/2016/7/layout/BasicLinearProcessNumbered"/>
-    <dgm:cxn modelId="{26F3A4A3-6527-4754-BA4F-2FDADEB9EC8C}" type="presOf" srcId="{7ECBE929-698D-4F89-AA09-AAF65F054061}" destId="{3FD92077-1509-4F27-BC2D-65D9C699700B}" srcOrd="1" destOrd="0" presId="urn:microsoft.com/office/officeart/2016/7/layout/BasicLinearProcessNumbered"/>
-    <dgm:cxn modelId="{31AB6EAF-782E-4AE0-AB0A-BD5A85409BFE}" type="presOf" srcId="{477DC7A4-B6AF-41AB-8996-EB1B037A9678}" destId="{60CF2598-AEAC-4DE2-B5FF-282F4997856B}" srcOrd="0" destOrd="0" presId="urn:microsoft.com/office/officeart/2016/7/layout/BasicLinearProcessNumbered"/>
-    <dgm:cxn modelId="{290502D7-690E-44EE-8D8B-984EC8ED1DF4}" srcId="{4B7674E0-3E81-457C-A30C-15F750F516A8}" destId="{76ABBF0A-59A2-464E-83EF-512E887D1D66}" srcOrd="2" destOrd="0" parTransId="{5221B3D8-3C2D-49A7-99E3-7F31EA688667}" sibTransId="{D7AF3F98-660A-4FED-ACCF-DA30D87E4B6B}"/>
-    <dgm:cxn modelId="{D15F66DB-2F6B-4EEE-809C-12F1EBD8A3C4}" srcId="{4B7674E0-3E81-457C-A30C-15F750F516A8}" destId="{715BFF0E-4013-4E84-B5D5-433F8B27C77B}" srcOrd="0" destOrd="0" parTransId="{8989C6CD-A735-43CC-85EB-8A8638AD2C0A}" sibTransId="{244B1833-7A77-429D-BF43-5A612BDEC259}"/>
-    <dgm:cxn modelId="{FCF3E3DE-8653-4DD7-9283-C60E493208A7}" srcId="{4B7674E0-3E81-457C-A30C-15F750F516A8}" destId="{67ABF92A-7428-4C9C-8D15-876B4499937E}" srcOrd="3" destOrd="0" parTransId="{C7B3319A-1EEF-41F0-9B7E-468687A9EBBC}" sibTransId="{444DC8E0-8645-46E3-93E2-B8E5DC53064C}"/>
-    <dgm:cxn modelId="{149693FD-EF25-4267-9B36-3E2D105AC868}" srcId="{4B7674E0-3E81-457C-A30C-15F750F516A8}" destId="{7ECBE929-698D-4F89-AA09-AAF65F054061}" srcOrd="1" destOrd="0" parTransId="{76F86F7C-5A88-43D9-B21F-D62A4B44B191}" sibTransId="{AB825CDF-1218-4CD4-8126-3EEFCDA4B3CF}"/>
-    <dgm:cxn modelId="{EC5B8AFE-D0BC-4AF1-B762-6BAE78EE3670}" type="presOf" srcId="{76ABBF0A-59A2-464E-83EF-512E887D1D66}" destId="{09227027-DE7C-4DDA-97B7-5B6707C783B5}" srcOrd="1" destOrd="0" presId="urn:microsoft.com/office/officeart/2016/7/layout/BasicLinearProcessNumbered"/>
     <dgm:cxn modelId="{E0B8C508-6B9B-4BFB-8757-47F4098AD110}" type="presParOf" srcId="{1BC3F4E4-6FD7-4CDB-8601-973CFB5A846A}" destId="{027C48D5-5D9E-408F-AD68-F54D748E5917}" srcOrd="0" destOrd="0" presId="urn:microsoft.com/office/officeart/2016/7/layout/BasicLinearProcessNumbered"/>
     <dgm:cxn modelId="{8142B994-7631-4F85-B937-A3C96BF69A77}" type="presParOf" srcId="{027C48D5-5D9E-408F-AD68-F54D748E5917}" destId="{9FF4D30B-F91B-4AD2-8BAC-7CB3CE2A4BF9}" srcOrd="0" destOrd="0" presId="urn:microsoft.com/office/officeart/2016/7/layout/BasicLinearProcessNumbered"/>
     <dgm:cxn modelId="{5A8C1B5F-77FA-4251-B546-5F36D75CC5C8}" type="presParOf" srcId="{027C48D5-5D9E-408F-AD68-F54D748E5917}" destId="{290DDAEE-363A-43B7-9695-39BFDA025990}" srcOrd="1" destOrd="0" presId="urn:microsoft.com/office/officeart/2016/7/layout/BasicLinearProcessNumbered"/>
@@ -4802,6 +5031,13 @@
         </dgm:presLayoutVars>
       </dgm:prSet>
       <dgm:spPr/>
+      <dgm:t>
+        <a:bodyPr/>
+        <a:lstStyle/>
+        <a:p>
+          <a:endParaRPr lang="en-US"/>
+        </a:p>
+      </dgm:t>
     </dgm:pt>
     <dgm:pt modelId="{027C48D5-5D9E-408F-AD68-F54D748E5917}" type="pres">
       <dgm:prSet presAssocID="{715BFF0E-4013-4E84-B5D5-433F8B27C77B}" presName="compositeNode" presStyleCnt="0">
@@ -4814,6 +5050,13 @@
     <dgm:pt modelId="{9FF4D30B-F91B-4AD2-8BAC-7CB3CE2A4BF9}" type="pres">
       <dgm:prSet presAssocID="{715BFF0E-4013-4E84-B5D5-433F8B27C77B}" presName="bgRect" presStyleLbl="bgAccFollowNode1" presStyleIdx="0" presStyleCnt="5"/>
       <dgm:spPr/>
+      <dgm:t>
+        <a:bodyPr/>
+        <a:lstStyle/>
+        <a:p>
+          <a:endParaRPr lang="en-US"/>
+        </a:p>
+      </dgm:t>
     </dgm:pt>
     <dgm:pt modelId="{290DDAEE-363A-43B7-9695-39BFDA025990}" type="pres">
       <dgm:prSet presAssocID="{244B1833-7A77-429D-BF43-5A612BDEC259}" presName="sibTransNodeCircle" presStyleLbl="alignNode1" presStyleIdx="0" presStyleCnt="10">
@@ -4823,6 +5066,13 @@
         </dgm:presLayoutVars>
       </dgm:prSet>
       <dgm:spPr/>
+      <dgm:t>
+        <a:bodyPr/>
+        <a:lstStyle/>
+        <a:p>
+          <a:endParaRPr lang="en-US"/>
+        </a:p>
+      </dgm:t>
     </dgm:pt>
     <dgm:pt modelId="{34D44681-F42A-4D78-8553-8F3223D870E3}" type="pres">
       <dgm:prSet presAssocID="{715BFF0E-4013-4E84-B5D5-433F8B27C77B}" presName="bottomLine" presStyleLbl="alignNode1" presStyleIdx="1" presStyleCnt="10">
@@ -4837,6 +5087,13 @@
         </dgm:presLayoutVars>
       </dgm:prSet>
       <dgm:spPr/>
+      <dgm:t>
+        <a:bodyPr/>
+        <a:lstStyle/>
+        <a:p>
+          <a:endParaRPr lang="en-US"/>
+        </a:p>
+      </dgm:t>
     </dgm:pt>
     <dgm:pt modelId="{C77EFFF9-DC1F-421E-9938-C663EAADADA2}" type="pres">
       <dgm:prSet presAssocID="{244B1833-7A77-429D-BF43-5A612BDEC259}" presName="sibTrans" presStyleCnt="0"/>
@@ -4853,6 +5110,13 @@
     <dgm:pt modelId="{1189EC05-B7B8-4E42-8D60-014DCA767ADC}" type="pres">
       <dgm:prSet presAssocID="{7ECBE929-698D-4F89-AA09-AAF65F054061}" presName="bgRect" presStyleLbl="bgAccFollowNode1" presStyleIdx="1" presStyleCnt="5"/>
       <dgm:spPr/>
+      <dgm:t>
+        <a:bodyPr/>
+        <a:lstStyle/>
+        <a:p>
+          <a:endParaRPr lang="en-US"/>
+        </a:p>
+      </dgm:t>
     </dgm:pt>
     <dgm:pt modelId="{2B31759D-77C5-440C-9B53-BA8065F6CC1C}" type="pres">
       <dgm:prSet presAssocID="{AB825CDF-1218-4CD4-8126-3EEFCDA4B3CF}" presName="sibTransNodeCircle" presStyleLbl="alignNode1" presStyleIdx="2" presStyleCnt="10">
@@ -4862,6 +5126,13 @@
         </dgm:presLayoutVars>
       </dgm:prSet>
       <dgm:spPr/>
+      <dgm:t>
+        <a:bodyPr/>
+        <a:lstStyle/>
+        <a:p>
+          <a:endParaRPr lang="en-US"/>
+        </a:p>
+      </dgm:t>
     </dgm:pt>
     <dgm:pt modelId="{96B801BF-78DB-4338-AA84-4C9FB3754A16}" type="pres">
       <dgm:prSet presAssocID="{7ECBE929-698D-4F89-AA09-AAF65F054061}" presName="bottomLine" presStyleLbl="alignNode1" presStyleIdx="3" presStyleCnt="10">
@@ -4876,6 +5147,13 @@
         </dgm:presLayoutVars>
       </dgm:prSet>
       <dgm:spPr/>
+      <dgm:t>
+        <a:bodyPr/>
+        <a:lstStyle/>
+        <a:p>
+          <a:endParaRPr lang="en-US"/>
+        </a:p>
+      </dgm:t>
     </dgm:pt>
     <dgm:pt modelId="{03AEDCD9-A4BE-4EEE-A478-DAFF7C3764DA}" type="pres">
       <dgm:prSet presAssocID="{AB825CDF-1218-4CD4-8126-3EEFCDA4B3CF}" presName="sibTrans" presStyleCnt="0"/>
@@ -4892,6 +5170,13 @@
     <dgm:pt modelId="{A58FF74B-5187-462D-9C6B-CC033B450785}" type="pres">
       <dgm:prSet presAssocID="{76ABBF0A-59A2-464E-83EF-512E887D1D66}" presName="bgRect" presStyleLbl="bgAccFollowNode1" presStyleIdx="2" presStyleCnt="5"/>
       <dgm:spPr/>
+      <dgm:t>
+        <a:bodyPr/>
+        <a:lstStyle/>
+        <a:p>
+          <a:endParaRPr lang="en-US"/>
+        </a:p>
+      </dgm:t>
     </dgm:pt>
     <dgm:pt modelId="{E6C48221-3779-4C09-BFD6-C6E6AAE62F5A}" type="pres">
       <dgm:prSet presAssocID="{D7AF3F98-660A-4FED-ACCF-DA30D87E4B6B}" presName="sibTransNodeCircle" presStyleLbl="alignNode1" presStyleIdx="4" presStyleCnt="10">
@@ -4901,6 +5186,13 @@
         </dgm:presLayoutVars>
       </dgm:prSet>
       <dgm:spPr/>
+      <dgm:t>
+        <a:bodyPr/>
+        <a:lstStyle/>
+        <a:p>
+          <a:endParaRPr lang="en-US"/>
+        </a:p>
+      </dgm:t>
     </dgm:pt>
     <dgm:pt modelId="{791CF056-764F-4939-9E13-BA0CE3665E3F}" type="pres">
       <dgm:prSet presAssocID="{76ABBF0A-59A2-464E-83EF-512E887D1D66}" presName="bottomLine" presStyleLbl="alignNode1" presStyleIdx="5" presStyleCnt="10">
@@ -4915,6 +5207,13 @@
         </dgm:presLayoutVars>
       </dgm:prSet>
       <dgm:spPr/>
+      <dgm:t>
+        <a:bodyPr/>
+        <a:lstStyle/>
+        <a:p>
+          <a:endParaRPr lang="en-US"/>
+        </a:p>
+      </dgm:t>
     </dgm:pt>
     <dgm:pt modelId="{F63F8DB2-4DC2-4B37-8337-5DE845735DA5}" type="pres">
       <dgm:prSet presAssocID="{D7AF3F98-660A-4FED-ACCF-DA30D87E4B6B}" presName="sibTrans" presStyleCnt="0"/>
@@ -4931,6 +5230,13 @@
     <dgm:pt modelId="{45559B94-BD38-418A-B8F2-FC32F04FC522}" type="pres">
       <dgm:prSet presAssocID="{67ABF92A-7428-4C9C-8D15-876B4499937E}" presName="bgRect" presStyleLbl="bgAccFollowNode1" presStyleIdx="3" presStyleCnt="5"/>
       <dgm:spPr/>
+      <dgm:t>
+        <a:bodyPr/>
+        <a:lstStyle/>
+        <a:p>
+          <a:endParaRPr lang="en-US"/>
+        </a:p>
+      </dgm:t>
     </dgm:pt>
     <dgm:pt modelId="{7DF20FCF-D04C-4888-B5CD-CF3094410605}" type="pres">
       <dgm:prSet presAssocID="{444DC8E0-8645-46E3-93E2-B8E5DC53064C}" presName="sibTransNodeCircle" presStyleLbl="alignNode1" presStyleIdx="6" presStyleCnt="10">
@@ -4940,6 +5246,13 @@
         </dgm:presLayoutVars>
       </dgm:prSet>
       <dgm:spPr/>
+      <dgm:t>
+        <a:bodyPr/>
+        <a:lstStyle/>
+        <a:p>
+          <a:endParaRPr lang="en-US"/>
+        </a:p>
+      </dgm:t>
     </dgm:pt>
     <dgm:pt modelId="{8EDE8204-E0AF-4A00-8718-272F4BE61B1F}" type="pres">
       <dgm:prSet presAssocID="{67ABF92A-7428-4C9C-8D15-876B4499937E}" presName="bottomLine" presStyleLbl="alignNode1" presStyleIdx="7" presStyleCnt="10">
@@ -4954,6 +5267,13 @@
         </dgm:presLayoutVars>
       </dgm:prSet>
       <dgm:spPr/>
+      <dgm:t>
+        <a:bodyPr/>
+        <a:lstStyle/>
+        <a:p>
+          <a:endParaRPr lang="en-US"/>
+        </a:p>
+      </dgm:t>
     </dgm:pt>
     <dgm:pt modelId="{066BF4AE-66E6-4409-84E8-A2A861AC3561}" type="pres">
       <dgm:prSet presAssocID="{444DC8E0-8645-46E3-93E2-B8E5DC53064C}" presName="sibTrans" presStyleCnt="0"/>
@@ -4970,6 +5290,13 @@
     <dgm:pt modelId="{60CF2598-AEAC-4DE2-B5FF-282F4997856B}" type="pres">
       <dgm:prSet presAssocID="{477DC7A4-B6AF-41AB-8996-EB1B037A9678}" presName="bgRect" presStyleLbl="bgAccFollowNode1" presStyleIdx="4" presStyleCnt="5"/>
       <dgm:spPr/>
+      <dgm:t>
+        <a:bodyPr/>
+        <a:lstStyle/>
+        <a:p>
+          <a:endParaRPr lang="en-US"/>
+        </a:p>
+      </dgm:t>
     </dgm:pt>
     <dgm:pt modelId="{1F200CB6-880D-4C5E-8FE7-28E858CE4AC9}" type="pres">
       <dgm:prSet presAssocID="{48D1F16E-ECFC-49F6-909B-BA69D0F3D4E2}" presName="sibTransNodeCircle" presStyleLbl="alignNode1" presStyleIdx="8" presStyleCnt="10">
@@ -4979,6 +5306,13 @@
         </dgm:presLayoutVars>
       </dgm:prSet>
       <dgm:spPr/>
+      <dgm:t>
+        <a:bodyPr/>
+        <a:lstStyle/>
+        <a:p>
+          <a:endParaRPr lang="en-US"/>
+        </a:p>
+      </dgm:t>
     </dgm:pt>
     <dgm:pt modelId="{EA772FB2-46AC-4C35-BD08-5CB1FCEFC628}" type="pres">
       <dgm:prSet presAssocID="{477DC7A4-B6AF-41AB-8996-EB1B037A9678}" presName="bottomLine" presStyleLbl="alignNode1" presStyleIdx="9" presStyleCnt="10">
@@ -4993,30 +5327,37 @@
         </dgm:presLayoutVars>
       </dgm:prSet>
       <dgm:spPr/>
+      <dgm:t>
+        <a:bodyPr/>
+        <a:lstStyle/>
+        <a:p>
+          <a:endParaRPr lang="en-US"/>
+        </a:p>
+      </dgm:t>
     </dgm:pt>
   </dgm:ptLst>
   <dgm:cxnLst>
+    <dgm:cxn modelId="{AA85650A-611C-47A3-9831-0A1CA0FC317E}" type="presOf" srcId="{7ECBE929-698D-4F89-AA09-AAF65F054061}" destId="{1189EC05-B7B8-4E42-8D60-014DCA767ADC}" srcOrd="0" destOrd="0" presId="urn:microsoft.com/office/officeart/2016/7/layout/BasicLinearProcessNumbered"/>
+    <dgm:cxn modelId="{AEA7D265-40C0-4B8A-9B0E-7534744F4A44}" type="presOf" srcId="{477DC7A4-B6AF-41AB-8996-EB1B037A9678}" destId="{E4F026E5-35A1-4DD1-A80C-B08428E96EF0}" srcOrd="1" destOrd="0" presId="urn:microsoft.com/office/officeart/2016/7/layout/BasicLinearProcessNumbered"/>
+    <dgm:cxn modelId="{7251CF1F-5DEE-4E48-B3C5-1A48C5A506EA}" type="presOf" srcId="{444DC8E0-8645-46E3-93E2-B8E5DC53064C}" destId="{7DF20FCF-D04C-4888-B5CD-CF3094410605}" srcOrd="0" destOrd="0" presId="urn:microsoft.com/office/officeart/2016/7/layout/BasicLinearProcessNumbered"/>
+    <dgm:cxn modelId="{FCF3E3DE-8653-4DD7-9283-C60E493208A7}" srcId="{4B7674E0-3E81-457C-A30C-15F750F516A8}" destId="{67ABF92A-7428-4C9C-8D15-876B4499937E}" srcOrd="3" destOrd="0" parTransId="{C7B3319A-1EEF-41F0-9B7E-468687A9EBBC}" sibTransId="{444DC8E0-8645-46E3-93E2-B8E5DC53064C}"/>
+    <dgm:cxn modelId="{26F3A4A3-6527-4754-BA4F-2FDADEB9EC8C}" type="presOf" srcId="{7ECBE929-698D-4F89-AA09-AAF65F054061}" destId="{3FD92077-1509-4F27-BC2D-65D9C699700B}" srcOrd="1" destOrd="0" presId="urn:microsoft.com/office/officeart/2016/7/layout/BasicLinearProcessNumbered"/>
+    <dgm:cxn modelId="{EC6C6B91-7D57-46E4-BFC0-39DC310E2E29}" type="presOf" srcId="{76ABBF0A-59A2-464E-83EF-512E887D1D66}" destId="{A58FF74B-5187-462D-9C6B-CC033B450785}" srcOrd="0" destOrd="0" presId="urn:microsoft.com/office/officeart/2016/7/layout/BasicLinearProcessNumbered"/>
     <dgm:cxn modelId="{4BDE7102-1FBD-4C02-8B6F-F87C80DCAEDE}" type="presOf" srcId="{715BFF0E-4013-4E84-B5D5-433F8B27C77B}" destId="{97E606C4-149B-4F50-95EB-C5F1377BA0ED}" srcOrd="1" destOrd="0" presId="urn:microsoft.com/office/officeart/2016/7/layout/BasicLinearProcessNumbered"/>
-    <dgm:cxn modelId="{AA85650A-611C-47A3-9831-0A1CA0FC317E}" type="presOf" srcId="{7ECBE929-698D-4F89-AA09-AAF65F054061}" destId="{1189EC05-B7B8-4E42-8D60-014DCA767ADC}" srcOrd="0" destOrd="0" presId="urn:microsoft.com/office/officeart/2016/7/layout/BasicLinearProcessNumbered"/>
+    <dgm:cxn modelId="{71DBAC16-9155-43EE-B273-EBB84D28350F}" type="presOf" srcId="{715BFF0E-4013-4E84-B5D5-433F8B27C77B}" destId="{9FF4D30B-F91B-4AD2-8BAC-7CB3CE2A4BF9}" srcOrd="0" destOrd="0" presId="urn:microsoft.com/office/officeart/2016/7/layout/BasicLinearProcessNumbered"/>
+    <dgm:cxn modelId="{35521A8E-290E-44A6-8776-9084A2A32428}" type="presOf" srcId="{67ABF92A-7428-4C9C-8D15-876B4499937E}" destId="{ED44613A-1614-4498-818E-138FD95BFEC4}" srcOrd="1" destOrd="0" presId="urn:microsoft.com/office/officeart/2016/7/layout/BasicLinearProcessNumbered"/>
+    <dgm:cxn modelId="{D15F66DB-2F6B-4EEE-809C-12F1EBD8A3C4}" srcId="{4B7674E0-3E81-457C-A30C-15F750F516A8}" destId="{715BFF0E-4013-4E84-B5D5-433F8B27C77B}" srcOrd="0" destOrd="0" parTransId="{8989C6CD-A735-43CC-85EB-8A8638AD2C0A}" sibTransId="{244B1833-7A77-429D-BF43-5A612BDEC259}"/>
     <dgm:cxn modelId="{539F9B14-D35B-4397-80E9-BA3B68D26B12}" type="presOf" srcId="{AB825CDF-1218-4CD4-8126-3EEFCDA4B3CF}" destId="{2B31759D-77C5-440C-9B53-BA8065F6CC1C}" srcOrd="0" destOrd="0" presId="urn:microsoft.com/office/officeart/2016/7/layout/BasicLinearProcessNumbered"/>
-    <dgm:cxn modelId="{71DBAC16-9155-43EE-B273-EBB84D28350F}" type="presOf" srcId="{715BFF0E-4013-4E84-B5D5-433F8B27C77B}" destId="{9FF4D30B-F91B-4AD2-8BAC-7CB3CE2A4BF9}" srcOrd="0" destOrd="0" presId="urn:microsoft.com/office/officeart/2016/7/layout/BasicLinearProcessNumbered"/>
-    <dgm:cxn modelId="{7251CF1F-5DEE-4E48-B3C5-1A48C5A506EA}" type="presOf" srcId="{444DC8E0-8645-46E3-93E2-B8E5DC53064C}" destId="{7DF20FCF-D04C-4888-B5CD-CF3094410605}" srcOrd="0" destOrd="0" presId="urn:microsoft.com/office/officeart/2016/7/layout/BasicLinearProcessNumbered"/>
+    <dgm:cxn modelId="{31AB6EAF-782E-4AE0-AB0A-BD5A85409BFE}" type="presOf" srcId="{477DC7A4-B6AF-41AB-8996-EB1B037A9678}" destId="{60CF2598-AEAC-4DE2-B5FF-282F4997856B}" srcOrd="0" destOrd="0" presId="urn:microsoft.com/office/officeart/2016/7/layout/BasicLinearProcessNumbered"/>
+    <dgm:cxn modelId="{EC5B8AFE-D0BC-4AF1-B762-6BAE78EE3670}" type="presOf" srcId="{76ABBF0A-59A2-464E-83EF-512E887D1D66}" destId="{09227027-DE7C-4DDA-97B7-5B6707C783B5}" srcOrd="1" destOrd="0" presId="urn:microsoft.com/office/officeart/2016/7/layout/BasicLinearProcessNumbered"/>
+    <dgm:cxn modelId="{F2D6DA9E-6A45-4D6F-A5C2-C31166E7B8CC}" type="presOf" srcId="{4B7674E0-3E81-457C-A30C-15F750F516A8}" destId="{1BC3F4E4-6FD7-4CDB-8601-973CFB5A846A}" srcOrd="0" destOrd="0" presId="urn:microsoft.com/office/officeart/2016/7/layout/BasicLinearProcessNumbered"/>
+    <dgm:cxn modelId="{149693FD-EF25-4267-9B36-3E2D105AC868}" srcId="{4B7674E0-3E81-457C-A30C-15F750F516A8}" destId="{7ECBE929-698D-4F89-AA09-AAF65F054061}" srcOrd="1" destOrd="0" parTransId="{76F86F7C-5A88-43D9-B21F-D62A4B44B191}" sibTransId="{AB825CDF-1218-4CD4-8126-3EEFCDA4B3CF}"/>
     <dgm:cxn modelId="{CA23CB38-39E0-426E-ADD2-858317053C75}" type="presOf" srcId="{244B1833-7A77-429D-BF43-5A612BDEC259}" destId="{290DDAEE-363A-43B7-9695-39BFDA025990}" srcOrd="0" destOrd="0" presId="urn:microsoft.com/office/officeart/2016/7/layout/BasicLinearProcessNumbered"/>
+    <dgm:cxn modelId="{A4D76E41-41B4-46B8-BB1B-DAA89E09BF22}" type="presOf" srcId="{D7AF3F98-660A-4FED-ACCF-DA30D87E4B6B}" destId="{E6C48221-3779-4C09-BFD6-C6E6AAE62F5A}" srcOrd="0" destOrd="0" presId="urn:microsoft.com/office/officeart/2016/7/layout/BasicLinearProcessNumbered"/>
+    <dgm:cxn modelId="{8293DC58-B434-4E03-B8C4-542AF9174CFF}" srcId="{4B7674E0-3E81-457C-A30C-15F750F516A8}" destId="{477DC7A4-B6AF-41AB-8996-EB1B037A9678}" srcOrd="4" destOrd="0" parTransId="{FE99709D-11F7-40C4-8333-793BFE1403A7}" sibTransId="{48D1F16E-ECFC-49F6-909B-BA69D0F3D4E2}"/>
+    <dgm:cxn modelId="{290502D7-690E-44EE-8D8B-984EC8ED1DF4}" srcId="{4B7674E0-3E81-457C-A30C-15F750F516A8}" destId="{76ABBF0A-59A2-464E-83EF-512E887D1D66}" srcOrd="2" destOrd="0" parTransId="{5221B3D8-3C2D-49A7-99E3-7F31EA688667}" sibTransId="{D7AF3F98-660A-4FED-ACCF-DA30D87E4B6B}"/>
     <dgm:cxn modelId="{2FC2AA3D-89FA-40B3-BA64-A992CDB6EFF9}" type="presOf" srcId="{67ABF92A-7428-4C9C-8D15-876B4499937E}" destId="{45559B94-BD38-418A-B8F2-FC32F04FC522}" srcOrd="0" destOrd="0" presId="urn:microsoft.com/office/officeart/2016/7/layout/BasicLinearProcessNumbered"/>
-    <dgm:cxn modelId="{A4D76E41-41B4-46B8-BB1B-DAA89E09BF22}" type="presOf" srcId="{D7AF3F98-660A-4FED-ACCF-DA30D87E4B6B}" destId="{E6C48221-3779-4C09-BFD6-C6E6AAE62F5A}" srcOrd="0" destOrd="0" presId="urn:microsoft.com/office/officeart/2016/7/layout/BasicLinearProcessNumbered"/>
     <dgm:cxn modelId="{4AC86364-C86C-4DC6-9FA6-B47CCE1D1BC2}" type="presOf" srcId="{48D1F16E-ECFC-49F6-909B-BA69D0F3D4E2}" destId="{1F200CB6-880D-4C5E-8FE7-28E858CE4AC9}" srcOrd="0" destOrd="0" presId="urn:microsoft.com/office/officeart/2016/7/layout/BasicLinearProcessNumbered"/>
-    <dgm:cxn modelId="{AEA7D265-40C0-4B8A-9B0E-7534744F4A44}" type="presOf" srcId="{477DC7A4-B6AF-41AB-8996-EB1B037A9678}" destId="{E4F026E5-35A1-4DD1-A80C-B08428E96EF0}" srcOrd="1" destOrd="0" presId="urn:microsoft.com/office/officeart/2016/7/layout/BasicLinearProcessNumbered"/>
-    <dgm:cxn modelId="{8293DC58-B434-4E03-B8C4-542AF9174CFF}" srcId="{4B7674E0-3E81-457C-A30C-15F750F516A8}" destId="{477DC7A4-B6AF-41AB-8996-EB1B037A9678}" srcOrd="4" destOrd="0" parTransId="{FE99709D-11F7-40C4-8333-793BFE1403A7}" sibTransId="{48D1F16E-ECFC-49F6-909B-BA69D0F3D4E2}"/>
-    <dgm:cxn modelId="{35521A8E-290E-44A6-8776-9084A2A32428}" type="presOf" srcId="{67ABF92A-7428-4C9C-8D15-876B4499937E}" destId="{ED44613A-1614-4498-818E-138FD95BFEC4}" srcOrd="1" destOrd="0" presId="urn:microsoft.com/office/officeart/2016/7/layout/BasicLinearProcessNumbered"/>
-    <dgm:cxn modelId="{EC6C6B91-7D57-46E4-BFC0-39DC310E2E29}" type="presOf" srcId="{76ABBF0A-59A2-464E-83EF-512E887D1D66}" destId="{A58FF74B-5187-462D-9C6B-CC033B450785}" srcOrd="0" destOrd="0" presId="urn:microsoft.com/office/officeart/2016/7/layout/BasicLinearProcessNumbered"/>
-    <dgm:cxn modelId="{F2D6DA9E-6A45-4D6F-A5C2-C31166E7B8CC}" type="presOf" srcId="{4B7674E0-3E81-457C-A30C-15F750F516A8}" destId="{1BC3F4E4-6FD7-4CDB-8601-973CFB5A846A}" srcOrd="0" destOrd="0" presId="urn:microsoft.com/office/officeart/2016/7/layout/BasicLinearProcessNumbered"/>
-    <dgm:cxn modelId="{26F3A4A3-6527-4754-BA4F-2FDADEB9EC8C}" type="presOf" srcId="{7ECBE929-698D-4F89-AA09-AAF65F054061}" destId="{3FD92077-1509-4F27-BC2D-65D9C699700B}" srcOrd="1" destOrd="0" presId="urn:microsoft.com/office/officeart/2016/7/layout/BasicLinearProcessNumbered"/>
-    <dgm:cxn modelId="{31AB6EAF-782E-4AE0-AB0A-BD5A85409BFE}" type="presOf" srcId="{477DC7A4-B6AF-41AB-8996-EB1B037A9678}" destId="{60CF2598-AEAC-4DE2-B5FF-282F4997856B}" srcOrd="0" destOrd="0" presId="urn:microsoft.com/office/officeart/2016/7/layout/BasicLinearProcessNumbered"/>
-    <dgm:cxn modelId="{290502D7-690E-44EE-8D8B-984EC8ED1DF4}" srcId="{4B7674E0-3E81-457C-A30C-15F750F516A8}" destId="{76ABBF0A-59A2-464E-83EF-512E887D1D66}" srcOrd="2" destOrd="0" parTransId="{5221B3D8-3C2D-49A7-99E3-7F31EA688667}" sibTransId="{D7AF3F98-660A-4FED-ACCF-DA30D87E4B6B}"/>
-    <dgm:cxn modelId="{D15F66DB-2F6B-4EEE-809C-12F1EBD8A3C4}" srcId="{4B7674E0-3E81-457C-A30C-15F750F516A8}" destId="{715BFF0E-4013-4E84-B5D5-433F8B27C77B}" srcOrd="0" destOrd="0" parTransId="{8989C6CD-A735-43CC-85EB-8A8638AD2C0A}" sibTransId="{244B1833-7A77-429D-BF43-5A612BDEC259}"/>
-    <dgm:cxn modelId="{FCF3E3DE-8653-4DD7-9283-C60E493208A7}" srcId="{4B7674E0-3E81-457C-A30C-15F750F516A8}" destId="{67ABF92A-7428-4C9C-8D15-876B4499937E}" srcOrd="3" destOrd="0" parTransId="{C7B3319A-1EEF-41F0-9B7E-468687A9EBBC}" sibTransId="{444DC8E0-8645-46E3-93E2-B8E5DC53064C}"/>
-    <dgm:cxn modelId="{149693FD-EF25-4267-9B36-3E2D105AC868}" srcId="{4B7674E0-3E81-457C-A30C-15F750F516A8}" destId="{7ECBE929-698D-4F89-AA09-AAF65F054061}" srcOrd="1" destOrd="0" parTransId="{76F86F7C-5A88-43D9-B21F-D62A4B44B191}" sibTransId="{AB825CDF-1218-4CD4-8126-3EEFCDA4B3CF}"/>
-    <dgm:cxn modelId="{EC5B8AFE-D0BC-4AF1-B762-6BAE78EE3670}" type="presOf" srcId="{76ABBF0A-59A2-464E-83EF-512E887D1D66}" destId="{09227027-DE7C-4DDA-97B7-5B6707C783B5}" srcOrd="1" destOrd="0" presId="urn:microsoft.com/office/officeart/2016/7/layout/BasicLinearProcessNumbered"/>
     <dgm:cxn modelId="{E0B8C508-6B9B-4BFB-8757-47F4098AD110}" type="presParOf" srcId="{1BC3F4E4-6FD7-4CDB-8601-973CFB5A846A}" destId="{027C48D5-5D9E-408F-AD68-F54D748E5917}" srcOrd="0" destOrd="0" presId="urn:microsoft.com/office/officeart/2016/7/layout/BasicLinearProcessNumbered"/>
     <dgm:cxn modelId="{8142B994-7631-4F85-B937-A3C96BF69A77}" type="presParOf" srcId="{027C48D5-5D9E-408F-AD68-F54D748E5917}" destId="{9FF4D30B-F91B-4AD2-8BAC-7CB3CE2A4BF9}" srcOrd="0" destOrd="0" presId="urn:microsoft.com/office/officeart/2016/7/layout/BasicLinearProcessNumbered"/>
     <dgm:cxn modelId="{5A8C1B5F-77FA-4251-B546-5F36D75CC5C8}" type="presParOf" srcId="{027C48D5-5D9E-408F-AD68-F54D748E5917}" destId="{290DDAEE-363A-43B7-9695-39BFDA025990}" srcOrd="1" destOrd="0" presId="urn:microsoft.com/office/officeart/2016/7/layout/BasicLinearProcessNumbered"/>
@@ -5147,7 +5488,7 @@
         </a:bodyPr>
         <a:lstStyle/>
         <a:p>
-          <a:pPr marL="0" lvl="0" indent="0" algn="ctr" defTabSz="1111250">
+          <a:pPr lvl="0" algn="ctr" defTabSz="1111250">
             <a:lnSpc>
               <a:spcPct val="90000"/>
             </a:lnSpc>
@@ -5157,7 +5498,6 @@
             <a:spcAft>
               <a:spcPct val="35000"/>
             </a:spcAft>
-            <a:buNone/>
           </a:pPr>
           <a:r>
             <a:rPr lang="en-US" sz="2500" kern="1200"/>
@@ -5252,7 +5592,7 @@
         </a:bodyPr>
         <a:lstStyle/>
         <a:p>
-          <a:pPr marL="0" lvl="0" indent="0" algn="ctr" defTabSz="1111250">
+          <a:pPr lvl="0" algn="ctr" defTabSz="1111250">
             <a:lnSpc>
               <a:spcPct val="90000"/>
             </a:lnSpc>
@@ -5262,7 +5602,6 @@
             <a:spcAft>
               <a:spcPct val="35000"/>
             </a:spcAft>
-            <a:buNone/>
           </a:pPr>
           <a:r>
             <a:rPr lang="en-US" sz="2500" kern="1200"/>
@@ -5332,7 +5671,7 @@
         </a:bodyPr>
         <a:lstStyle/>
         <a:p>
-          <a:pPr marL="0" lvl="0" indent="0" algn="ctr" defTabSz="1200150">
+          <a:pPr lvl="0" algn="ctr" defTabSz="1200150">
             <a:lnSpc>
               <a:spcPct val="90000"/>
             </a:lnSpc>
@@ -5342,7 +5681,6 @@
             <a:spcAft>
               <a:spcPct val="35000"/>
             </a:spcAft>
-            <a:buNone/>
           </a:pPr>
           <a:r>
             <a:rPr lang="en-US" sz="2700" kern="1200"/>
@@ -5412,7 +5750,7 @@
         </a:bodyPr>
         <a:lstStyle/>
         <a:p>
-          <a:pPr marL="0" lvl="0" indent="0" algn="ctr" defTabSz="1200150">
+          <a:pPr lvl="0" algn="ctr" defTabSz="1200150">
             <a:lnSpc>
               <a:spcPct val="90000"/>
             </a:lnSpc>
@@ -5422,7 +5760,6 @@
             <a:spcAft>
               <a:spcPct val="35000"/>
             </a:spcAft>
-            <a:buNone/>
           </a:pPr>
           <a:r>
             <a:rPr lang="en-US" sz="2700" kern="1200"/>
@@ -5492,7 +5829,7 @@
         </a:bodyPr>
         <a:lstStyle/>
         <a:p>
-          <a:pPr marL="0" lvl="0" indent="0" algn="ctr" defTabSz="1200150">
+          <a:pPr lvl="0" algn="ctr" defTabSz="1200150">
             <a:lnSpc>
               <a:spcPct val="90000"/>
             </a:lnSpc>
@@ -5502,7 +5839,6 @@
             <a:spcAft>
               <a:spcPct val="35000"/>
             </a:spcAft>
-            <a:buNone/>
           </a:pPr>
           <a:r>
             <a:rPr lang="en-US" sz="2700" kern="1200" dirty="0"/>
@@ -5591,7 +5927,7 @@
             <a:spcAft>
               <a:spcPct val="15000"/>
             </a:spcAft>
-            <a:buChar char="•"/>
+            <a:buChar char="••"/>
           </a:pPr>
           <a:r>
             <a:rPr lang="en-US" sz="1500" kern="1200"/>
@@ -5609,7 +5945,7 @@
             <a:spcAft>
               <a:spcPct val="15000"/>
             </a:spcAft>
-            <a:buChar char="•"/>
+            <a:buChar char="••"/>
           </a:pPr>
           <a:r>
             <a:rPr lang="en-US" sz="1500" kern="1200"/>
@@ -5627,7 +5963,7 @@
             <a:spcAft>
               <a:spcPct val="15000"/>
             </a:spcAft>
-            <a:buChar char="•"/>
+            <a:buChar char="••"/>
           </a:pPr>
           <a:r>
             <a:rPr lang="en-US" sz="1500" kern="1200"/>
@@ -5722,7 +6058,7 @@
         </a:bodyPr>
         <a:lstStyle/>
         <a:p>
-          <a:pPr marL="0" lvl="0" indent="0" algn="l" defTabSz="666750">
+          <a:pPr lvl="0" algn="l" defTabSz="666750">
             <a:lnSpc>
               <a:spcPct val="90000"/>
             </a:lnSpc>
@@ -5732,7 +6068,6 @@
             <a:spcAft>
               <a:spcPct val="35000"/>
             </a:spcAft>
-            <a:buNone/>
           </a:pPr>
           <a:r>
             <a:rPr lang="en-US" sz="1500" kern="1200"/>
@@ -5809,7 +6144,7 @@
             <a:spcAft>
               <a:spcPct val="15000"/>
             </a:spcAft>
-            <a:buChar char="•"/>
+            <a:buChar char="••"/>
           </a:pPr>
           <a:r>
             <a:rPr lang="en-US" sz="1500" kern="1200"/>
@@ -5827,7 +6162,7 @@
             <a:spcAft>
               <a:spcPct val="15000"/>
             </a:spcAft>
-            <a:buChar char="•"/>
+            <a:buChar char="••"/>
           </a:pPr>
           <a:r>
             <a:rPr lang="en-US" sz="1500" kern="1200"/>
@@ -5845,7 +6180,7 @@
             <a:spcAft>
               <a:spcPct val="15000"/>
             </a:spcAft>
-            <a:buChar char="•"/>
+            <a:buChar char="••"/>
           </a:pPr>
           <a:r>
             <a:rPr lang="en-US" sz="1500" kern="1200"/>
@@ -5940,7 +6275,7 @@
         </a:bodyPr>
         <a:lstStyle/>
         <a:p>
-          <a:pPr marL="0" lvl="0" indent="0" algn="l" defTabSz="666750">
+          <a:pPr lvl="0" algn="l" defTabSz="666750">
             <a:lnSpc>
               <a:spcPct val="90000"/>
             </a:lnSpc>
@@ -5950,7 +6285,6 @@
             <a:spcAft>
               <a:spcPct val="35000"/>
             </a:spcAft>
-            <a:buNone/>
           </a:pPr>
           <a:r>
             <a:rPr lang="en-US" sz="1500" kern="1200"/>
@@ -6027,7 +6361,7 @@
             <a:spcAft>
               <a:spcPct val="15000"/>
             </a:spcAft>
-            <a:buChar char="•"/>
+            <a:buChar char="••"/>
           </a:pPr>
           <a:r>
             <a:rPr lang="en-US" sz="1500" kern="1200"/>
@@ -6045,7 +6379,7 @@
             <a:spcAft>
               <a:spcPct val="15000"/>
             </a:spcAft>
-            <a:buChar char="•"/>
+            <a:buChar char="••"/>
           </a:pPr>
           <a:r>
             <a:rPr lang="en-US" sz="1500" kern="1200"/>
@@ -6063,7 +6397,7 @@
             <a:spcAft>
               <a:spcPct val="15000"/>
             </a:spcAft>
-            <a:buChar char="•"/>
+            <a:buChar char="••"/>
           </a:pPr>
           <a:r>
             <a:rPr lang="en-US" sz="1500" kern="1200" dirty="0"/>
@@ -6158,7 +6492,7 @@
         </a:bodyPr>
         <a:lstStyle/>
         <a:p>
-          <a:pPr marL="0" lvl="0" indent="0" algn="l" defTabSz="666750">
+          <a:pPr lvl="0" algn="l" defTabSz="666750">
             <a:lnSpc>
               <a:spcPct val="90000"/>
             </a:lnSpc>
@@ -6168,7 +6502,6 @@
             <a:spcAft>
               <a:spcPct val="35000"/>
             </a:spcAft>
-            <a:buNone/>
           </a:pPr>
           <a:r>
             <a:rPr lang="en-US" sz="1500" kern="1200"/>
@@ -6250,7 +6583,7 @@
         </a:bodyPr>
         <a:lstStyle/>
         <a:p>
-          <a:pPr marL="0" lvl="0" indent="0" algn="l" defTabSz="844550">
+          <a:pPr lvl="0" algn="l" defTabSz="844550">
             <a:lnSpc>
               <a:spcPct val="90000"/>
             </a:lnSpc>
@@ -6260,7 +6593,6 @@
             <a:spcAft>
               <a:spcPct val="35000"/>
             </a:spcAft>
-            <a:buNone/>
           </a:pPr>
           <a:r>
             <a:rPr lang="en-US" sz="1900" kern="1200"/>
@@ -6358,7 +6690,7 @@
         </a:bodyPr>
         <a:lstStyle/>
         <a:p>
-          <a:pPr marL="0" lvl="0" indent="0" algn="ctr" defTabSz="1733550">
+          <a:pPr lvl="0" algn="ctr" defTabSz="1733550">
             <a:lnSpc>
               <a:spcPct val="90000"/>
             </a:lnSpc>
@@ -6368,7 +6700,6 @@
             <a:spcAft>
               <a:spcPct val="35000"/>
             </a:spcAft>
-            <a:buNone/>
           </a:pPr>
           <a:r>
             <a:rPr lang="en-US" sz="3900" kern="1200"/>
@@ -6518,7 +6849,7 @@
         </a:bodyPr>
         <a:lstStyle/>
         <a:p>
-          <a:pPr marL="0" lvl="0" indent="0" algn="l" defTabSz="844550">
+          <a:pPr lvl="0" algn="l" defTabSz="844550">
             <a:lnSpc>
               <a:spcPct val="90000"/>
             </a:lnSpc>
@@ -6528,7 +6859,6 @@
             <a:spcAft>
               <a:spcPct val="35000"/>
             </a:spcAft>
-            <a:buNone/>
           </a:pPr>
           <a:r>
             <a:rPr lang="en-US" sz="1900" kern="1200"/>
@@ -6626,7 +6956,7 @@
         </a:bodyPr>
         <a:lstStyle/>
         <a:p>
-          <a:pPr marL="0" lvl="0" indent="0" algn="ctr" defTabSz="1733550">
+          <a:pPr lvl="0" algn="ctr" defTabSz="1733550">
             <a:lnSpc>
               <a:spcPct val="90000"/>
             </a:lnSpc>
@@ -6636,7 +6966,6 @@
             <a:spcAft>
               <a:spcPct val="35000"/>
             </a:spcAft>
-            <a:buNone/>
           </a:pPr>
           <a:r>
             <a:rPr lang="en-US" sz="3900" kern="1200"/>
@@ -6786,7 +7115,7 @@
         </a:bodyPr>
         <a:lstStyle/>
         <a:p>
-          <a:pPr marL="0" lvl="0" indent="0" algn="l" defTabSz="844550">
+          <a:pPr lvl="0" algn="l" defTabSz="844550">
             <a:lnSpc>
               <a:spcPct val="90000"/>
             </a:lnSpc>
@@ -6796,7 +7125,6 @@
             <a:spcAft>
               <a:spcPct val="35000"/>
             </a:spcAft>
-            <a:buNone/>
           </a:pPr>
           <a:r>
             <a:rPr lang="en-US" sz="1900" kern="1200"/>
@@ -6894,7 +7222,7 @@
         </a:bodyPr>
         <a:lstStyle/>
         <a:p>
-          <a:pPr marL="0" lvl="0" indent="0" algn="ctr" defTabSz="1733550">
+          <a:pPr lvl="0" algn="ctr" defTabSz="1733550">
             <a:lnSpc>
               <a:spcPct val="90000"/>
             </a:lnSpc>
@@ -6904,7 +7232,6 @@
             <a:spcAft>
               <a:spcPct val="35000"/>
             </a:spcAft>
-            <a:buNone/>
           </a:pPr>
           <a:r>
             <a:rPr lang="en-US" sz="3900" kern="1200"/>
@@ -7054,7 +7381,7 @@
         </a:bodyPr>
         <a:lstStyle/>
         <a:p>
-          <a:pPr marL="0" lvl="0" indent="0" algn="l" defTabSz="844550">
+          <a:pPr lvl="0" algn="l" defTabSz="844550">
             <a:lnSpc>
               <a:spcPct val="90000"/>
             </a:lnSpc>
@@ -7064,7 +7391,6 @@
             <a:spcAft>
               <a:spcPct val="35000"/>
             </a:spcAft>
-            <a:buNone/>
           </a:pPr>
           <a:r>
             <a:rPr lang="en-US" sz="1900" kern="1200"/>
@@ -7162,7 +7488,7 @@
         </a:bodyPr>
         <a:lstStyle/>
         <a:p>
-          <a:pPr marL="0" lvl="0" indent="0" algn="ctr" defTabSz="1733550">
+          <a:pPr lvl="0" algn="ctr" defTabSz="1733550">
             <a:lnSpc>
               <a:spcPct val="90000"/>
             </a:lnSpc>
@@ -7172,7 +7498,6 @@
             <a:spcAft>
               <a:spcPct val="35000"/>
             </a:spcAft>
-            <a:buNone/>
           </a:pPr>
           <a:r>
             <a:rPr lang="en-US" sz="3900" kern="1200"/>
@@ -7322,7 +7647,7 @@
         </a:bodyPr>
         <a:lstStyle/>
         <a:p>
-          <a:pPr marL="0" lvl="0" indent="0" algn="l" defTabSz="844550">
+          <a:pPr lvl="0" algn="l" defTabSz="844550">
             <a:lnSpc>
               <a:spcPct val="90000"/>
             </a:lnSpc>
@@ -7332,7 +7657,6 @@
             <a:spcAft>
               <a:spcPct val="35000"/>
             </a:spcAft>
-            <a:buNone/>
           </a:pPr>
           <a:r>
             <a:rPr lang="en-US" sz="1900" kern="1200"/>
@@ -7430,7 +7754,7 @@
         </a:bodyPr>
         <a:lstStyle/>
         <a:p>
-          <a:pPr marL="0" lvl="0" indent="0" algn="ctr" defTabSz="1733550">
+          <a:pPr lvl="0" algn="ctr" defTabSz="1733550">
             <a:lnSpc>
               <a:spcPct val="90000"/>
             </a:lnSpc>
@@ -7440,7 +7764,6 @@
             <a:spcAft>
               <a:spcPct val="35000"/>
             </a:spcAft>
-            <a:buNone/>
           </a:pPr>
           <a:r>
             <a:rPr lang="en-US" sz="3900" kern="1200"/>
@@ -7602,7 +7925,7 @@
         </a:bodyPr>
         <a:lstStyle/>
         <a:p>
-          <a:pPr marL="0" lvl="0" indent="0" algn="l" defTabSz="622300">
+          <a:pPr lvl="0" algn="l" defTabSz="622300">
             <a:lnSpc>
               <a:spcPct val="90000"/>
             </a:lnSpc>
@@ -7612,7 +7935,6 @@
             <a:spcAft>
               <a:spcPct val="35000"/>
             </a:spcAft>
-            <a:buNone/>
           </a:pPr>
           <a:r>
             <a:rPr lang="en-US" sz="1400" kern="1200"/>
@@ -7710,7 +8032,7 @@
         </a:bodyPr>
         <a:lstStyle/>
         <a:p>
-          <a:pPr marL="0" lvl="0" indent="0" algn="ctr" defTabSz="1111250">
+          <a:pPr lvl="0" algn="ctr" defTabSz="1111250">
             <a:lnSpc>
               <a:spcPct val="90000"/>
             </a:lnSpc>
@@ -7720,7 +8042,6 @@
             <a:spcAft>
               <a:spcPct val="35000"/>
             </a:spcAft>
-            <a:buNone/>
           </a:pPr>
           <a:r>
             <a:rPr lang="en-US" sz="2500" kern="1200"/>
@@ -7870,7 +8191,7 @@
         </a:bodyPr>
         <a:lstStyle/>
         <a:p>
-          <a:pPr marL="0" lvl="0" indent="0" algn="l" defTabSz="622300">
+          <a:pPr lvl="0" algn="l" defTabSz="622300">
             <a:lnSpc>
               <a:spcPct val="90000"/>
             </a:lnSpc>
@@ -7880,7 +8201,6 @@
             <a:spcAft>
               <a:spcPct val="35000"/>
             </a:spcAft>
-            <a:buNone/>
           </a:pPr>
           <a:r>
             <a:rPr lang="en-US" sz="1400" kern="1200"/>
@@ -7978,7 +8298,7 @@
         </a:bodyPr>
         <a:lstStyle/>
         <a:p>
-          <a:pPr marL="0" lvl="0" indent="0" algn="ctr" defTabSz="1111250">
+          <a:pPr lvl="0" algn="ctr" defTabSz="1111250">
             <a:lnSpc>
               <a:spcPct val="90000"/>
             </a:lnSpc>
@@ -7988,7 +8308,6 @@
             <a:spcAft>
               <a:spcPct val="35000"/>
             </a:spcAft>
-            <a:buNone/>
           </a:pPr>
           <a:r>
             <a:rPr lang="en-US" sz="2500" kern="1200" dirty="0"/>
@@ -8138,7 +8457,7 @@
         </a:bodyPr>
         <a:lstStyle/>
         <a:p>
-          <a:pPr marL="0" lvl="0" indent="0" algn="l" defTabSz="622300">
+          <a:pPr lvl="0" algn="l" defTabSz="622300">
             <a:lnSpc>
               <a:spcPct val="90000"/>
             </a:lnSpc>
@@ -8148,7 +8467,6 @@
             <a:spcAft>
               <a:spcPct val="35000"/>
             </a:spcAft>
-            <a:buNone/>
           </a:pPr>
           <a:r>
             <a:rPr lang="en-US" sz="1400" kern="1200"/>
@@ -8246,7 +8564,7 @@
         </a:bodyPr>
         <a:lstStyle/>
         <a:p>
-          <a:pPr marL="0" lvl="0" indent="0" algn="ctr" defTabSz="1111250">
+          <a:pPr lvl="0" algn="ctr" defTabSz="1111250">
             <a:lnSpc>
               <a:spcPct val="90000"/>
             </a:lnSpc>
@@ -8256,7 +8574,6 @@
             <a:spcAft>
               <a:spcPct val="35000"/>
             </a:spcAft>
-            <a:buNone/>
           </a:pPr>
           <a:r>
             <a:rPr lang="en-US" sz="2500" kern="1200"/>
@@ -8406,7 +8723,7 @@
         </a:bodyPr>
         <a:lstStyle/>
         <a:p>
-          <a:pPr marL="0" lvl="0" indent="0" algn="l" defTabSz="622300">
+          <a:pPr lvl="0" algn="l" defTabSz="622300">
             <a:lnSpc>
               <a:spcPct val="90000"/>
             </a:lnSpc>
@@ -8416,7 +8733,6 @@
             <a:spcAft>
               <a:spcPct val="35000"/>
             </a:spcAft>
-            <a:buNone/>
           </a:pPr>
           <a:r>
             <a:rPr lang="en-US" sz="1400" kern="1200"/>
@@ -8514,7 +8830,7 @@
         </a:bodyPr>
         <a:lstStyle/>
         <a:p>
-          <a:pPr marL="0" lvl="0" indent="0" algn="ctr" defTabSz="1111250">
+          <a:pPr lvl="0" algn="ctr" defTabSz="1111250">
             <a:lnSpc>
               <a:spcPct val="90000"/>
             </a:lnSpc>
@@ -8524,7 +8840,6 @@
             <a:spcAft>
               <a:spcPct val="35000"/>
             </a:spcAft>
-            <a:buNone/>
           </a:pPr>
           <a:r>
             <a:rPr lang="en-US" sz="2500" kern="1200"/>
@@ -8674,7 +8989,7 @@
         </a:bodyPr>
         <a:lstStyle/>
         <a:p>
-          <a:pPr marL="0" lvl="0" indent="0" algn="l" defTabSz="622300">
+          <a:pPr lvl="0" algn="l" defTabSz="622300">
             <a:lnSpc>
               <a:spcPct val="90000"/>
             </a:lnSpc>
@@ -8684,7 +8999,6 @@
             <a:spcAft>
               <a:spcPct val="35000"/>
             </a:spcAft>
-            <a:buNone/>
           </a:pPr>
           <a:r>
             <a:rPr lang="en-US" sz="1400" kern="1200"/>
@@ -8782,7 +9096,7 @@
         </a:bodyPr>
         <a:lstStyle/>
         <a:p>
-          <a:pPr marL="0" lvl="0" indent="0" algn="ctr" defTabSz="1111250">
+          <a:pPr lvl="0" algn="ctr" defTabSz="1111250">
             <a:lnSpc>
               <a:spcPct val="90000"/>
             </a:lnSpc>
@@ -8792,7 +9106,6 @@
             <a:spcAft>
               <a:spcPct val="35000"/>
             </a:spcAft>
-            <a:buNone/>
           </a:pPr>
           <a:r>
             <a:rPr lang="en-US" sz="2500" kern="1200"/>
@@ -9732,7 +10045,7 @@
   </dgm:layoutNode>
   <dgm:extLst>
     <a:ext uri="{4F341089-5ED1-44EC-B178-C955D00A3D55}">
-      <dgm1611:autoBuNodeInfoLst xmlns:dgm1611="http://schemas.microsoft.com/office/drawing/2016/11/diagram">
+      <dgm1611:autoBuNodeInfoLst xmlns:dgm1611="http://schemas.microsoft.com/office/drawing/2016/11/diagram" xmlns="">
         <dgm1611:autoBuNodeInfo lvl="1" ptType="sibTrans">
           <dgm1611:buPr prefix="" leadZeros="0">
             <a:buAutoNum type="arabicParenBoth"/>
@@ -10009,7 +10322,7 @@
   </dgm:layoutNode>
   <dgm:extLst>
     <a:ext uri="{4F341089-5ED1-44EC-B178-C955D00A3D55}">
-      <dgm1611:autoBuNodeInfoLst xmlns:dgm1611="http://schemas.microsoft.com/office/drawing/2016/11/diagram">
+      <dgm1611:autoBuNodeInfoLst xmlns:dgm1611="http://schemas.microsoft.com/office/drawing/2016/11/diagram" xmlns="">
         <dgm1611:autoBuNodeInfo lvl="1" ptType="sibTrans">
           <dgm1611:buPr prefix="" leadZeros="0">
             <a:buAutoNum type="arabicParenBoth"/>
@@ -14291,7 +14604,7 @@
           <a:p>
             <a:fld id="{7BCB8214-0E7E-4EFC-9E1C-25F6159D4170}" type="datetimeFigureOut">
               <a:rPr lang="en-US" smtClean="0"/>
-              <a:t>8/9/2018</a:t>
+              <a:t>8/28/2018</a:t>
             </a:fld>
             <a:endParaRPr lang="en-US"/>
           </a:p>
@@ -15612,7 +15925,7 @@
           <a:p>
             <a:fld id="{C8AC65AB-5746-43EA-A59E-648FB11CA309}" type="datetimeFigureOut">
               <a:rPr lang="en-US" smtClean="0"/>
-              <a:t>8/9/2018</a:t>
+              <a:t>8/28/2018</a:t>
             </a:fld>
             <a:endParaRPr lang="en-US"/>
           </a:p>
@@ -15782,7 +16095,7 @@
           <a:p>
             <a:fld id="{C8AC65AB-5746-43EA-A59E-648FB11CA309}" type="datetimeFigureOut">
               <a:rPr lang="en-US" smtClean="0"/>
-              <a:t>8/9/2018</a:t>
+              <a:t>8/28/2018</a:t>
             </a:fld>
             <a:endParaRPr lang="en-US"/>
           </a:p>
@@ -15962,7 +16275,7 @@
           <a:p>
             <a:fld id="{C8AC65AB-5746-43EA-A59E-648FB11CA309}" type="datetimeFigureOut">
               <a:rPr lang="en-US" smtClean="0"/>
-              <a:t>8/9/2018</a:t>
+              <a:t>8/28/2018</a:t>
             </a:fld>
             <a:endParaRPr lang="en-US"/>
           </a:p>
@@ -16154,7 +16467,7 @@
           <a:p>
             <a:fld id="{C8AC65AB-5746-43EA-A59E-648FB11CA309}" type="datetimeFigureOut">
               <a:rPr lang="en-US" smtClean="0"/>
-              <a:t>8/9/2018</a:t>
+              <a:t>8/28/2018</a:t>
             </a:fld>
             <a:endParaRPr lang="en-US"/>
           </a:p>
@@ -16399,7 +16712,7 @@
           <a:p>
             <a:fld id="{C8AC65AB-5746-43EA-A59E-648FB11CA309}" type="datetimeFigureOut">
               <a:rPr lang="en-US" smtClean="0"/>
-              <a:t>8/9/2018</a:t>
+              <a:t>8/28/2018</a:t>
             </a:fld>
             <a:endParaRPr lang="en-US"/>
           </a:p>
@@ -16636,7 +16949,7 @@
           <a:p>
             <a:fld id="{C8AC65AB-5746-43EA-A59E-648FB11CA309}" type="datetimeFigureOut">
               <a:rPr lang="en-US" smtClean="0"/>
-              <a:t>8/9/2018</a:t>
+              <a:t>8/28/2018</a:t>
             </a:fld>
             <a:endParaRPr lang="en-US"/>
           </a:p>
@@ -17012,7 +17325,7 @@
           <a:p>
             <a:fld id="{C8AC65AB-5746-43EA-A59E-648FB11CA309}" type="datetimeFigureOut">
               <a:rPr lang="en-US" smtClean="0"/>
-              <a:t>8/9/2018</a:t>
+              <a:t>8/28/2018</a:t>
             </a:fld>
             <a:endParaRPr lang="en-US"/>
           </a:p>
@@ -17135,7 +17448,7 @@
           <a:p>
             <a:fld id="{C8AC65AB-5746-43EA-A59E-648FB11CA309}" type="datetimeFigureOut">
               <a:rPr lang="en-US" smtClean="0"/>
-              <a:t>8/9/2018</a:t>
+              <a:t>8/28/2018</a:t>
             </a:fld>
             <a:endParaRPr lang="en-US"/>
           </a:p>
@@ -17230,7 +17543,7 @@
           <a:p>
             <a:fld id="{C8AC65AB-5746-43EA-A59E-648FB11CA309}" type="datetimeFigureOut">
               <a:rPr lang="en-US" smtClean="0"/>
-              <a:t>8/9/2018</a:t>
+              <a:t>8/28/2018</a:t>
             </a:fld>
             <a:endParaRPr lang="en-US"/>
           </a:p>
@@ -17507,7 +17820,7 @@
           <a:p>
             <a:fld id="{C8AC65AB-5746-43EA-A59E-648FB11CA309}" type="datetimeFigureOut">
               <a:rPr lang="en-US" smtClean="0"/>
-              <a:t>8/9/2018</a:t>
+              <a:t>8/28/2018</a:t>
             </a:fld>
             <a:endParaRPr lang="en-US"/>
           </a:p>
@@ -17764,7 +18077,7 @@
           <a:p>
             <a:fld id="{C8AC65AB-5746-43EA-A59E-648FB11CA309}" type="datetimeFigureOut">
               <a:rPr lang="en-US" smtClean="0"/>
-              <a:t>8/9/2018</a:t>
+              <a:t>8/28/2018</a:t>
             </a:fld>
             <a:endParaRPr lang="en-US"/>
           </a:p>
@@ -17977,7 +18290,7 @@
           <a:p>
             <a:fld id="{C8AC65AB-5746-43EA-A59E-648FB11CA309}" type="datetimeFigureOut">
               <a:rPr lang="en-US" smtClean="0"/>
-              <a:t>8/9/2018</a:t>
+              <a:t>8/28/2018</a:t>
             </a:fld>
             <a:endParaRPr lang="en-US"/>
           </a:p>
@@ -18398,7 +18711,7 @@
                 <a16:creationId xmlns:a16="http://schemas.microsoft.com/office/drawing/2014/main" id="{6753252F-4873-4F63-801D-CC719279A7D5}"/>
               </a:ext>
               <a:ext uri="{C183D7F6-B498-43B3-948B-1728B52AA6E4}">
-                <adec:decorative xmlns:adec="http://schemas.microsoft.com/office/drawing/2017/decorative" val="1"/>
+                <adec:decorative xmlns:adec="http://schemas.microsoft.com/office/drawing/2017/decorative" xmlns="" val="1"/>
               </a:ext>
             </a:extLst>
           </p:cNvPr>
@@ -18461,7 +18774,7 @@
                 <a16:creationId xmlns:a16="http://schemas.microsoft.com/office/drawing/2014/main" id="{047C8CCB-F95D-4249-92DD-651249D3535A}"/>
               </a:ext>
               <a:ext uri="{C183D7F6-B498-43B3-948B-1728B52AA6E4}">
-                <adec:decorative xmlns:adec="http://schemas.microsoft.com/office/drawing/2017/decorative" val="1"/>
+                <adec:decorative xmlns:adec="http://schemas.microsoft.com/office/drawing/2017/decorative" xmlns="" val="1"/>
               </a:ext>
             </a:extLst>
           </p:cNvPr>
@@ -19205,7 +19518,7 @@
                 <a16:creationId xmlns:a16="http://schemas.microsoft.com/office/drawing/2014/main" id="{F5493CFF-E43B-4B10-ACE1-C8A1246629EA}"/>
               </a:ext>
               <a:ext uri="{C183D7F6-B498-43B3-948B-1728B52AA6E4}">
-                <adec:decorative xmlns:adec="http://schemas.microsoft.com/office/drawing/2017/decorative" val="1"/>
+                <adec:decorative xmlns:adec="http://schemas.microsoft.com/office/drawing/2017/decorative" xmlns="" val="1"/>
               </a:ext>
             </a:extLst>
           </p:cNvPr>
@@ -19713,7 +20026,7 @@
         <p:spPr/>
         <p:txBody>
           <a:bodyPr>
-            <a:normAutofit fontScale="92500" lnSpcReduction="20000"/>
+            <a:normAutofit fontScale="92500" lnSpcReduction="10000"/>
           </a:bodyPr>
           <a:lstStyle/>
           <a:p>
@@ -19916,7 +20229,7 @@
                 <a16:creationId xmlns:a16="http://schemas.microsoft.com/office/drawing/2014/main" id="{C66F2F30-5DC0-44A0-BFA6-E12F46ED16DA}"/>
               </a:ext>
               <a:ext uri="{C183D7F6-B498-43B3-948B-1728B52AA6E4}">
-                <adec:decorative xmlns:adec="http://schemas.microsoft.com/office/drawing/2017/decorative" val="1"/>
+                <adec:decorative xmlns:adec="http://schemas.microsoft.com/office/drawing/2017/decorative" xmlns="" val="1"/>
               </a:ext>
             </a:extLst>
           </p:cNvPr>
@@ -20040,7 +20353,7 @@
                 <a16:creationId xmlns:a16="http://schemas.microsoft.com/office/drawing/2014/main" id="{85872F57-7F42-4F97-8391-DDC8D0054C03}"/>
               </a:ext>
               <a:ext uri="{C183D7F6-B498-43B3-948B-1728B52AA6E4}">
-                <adec:decorative xmlns:adec="http://schemas.microsoft.com/office/drawing/2017/decorative" val="1"/>
+                <adec:decorative xmlns:adec="http://schemas.microsoft.com/office/drawing/2017/decorative" xmlns="" val="1"/>
               </a:ext>
             </a:extLst>
           </p:cNvPr>
@@ -20196,7 +20509,7 @@
                 <a16:creationId xmlns:a16="http://schemas.microsoft.com/office/drawing/2014/main" id="{04DC2037-48A0-4F22-B9D4-8EAEBC780AB4}"/>
               </a:ext>
               <a:ext uri="{C183D7F6-B498-43B3-948B-1728B52AA6E4}">
-                <adec:decorative xmlns:adec="http://schemas.microsoft.com/office/drawing/2017/decorative" val="1"/>
+                <adec:decorative xmlns:adec="http://schemas.microsoft.com/office/drawing/2017/decorative" xmlns="" val="1"/>
               </a:ext>
             </a:extLst>
           </p:cNvPr>
@@ -20301,7 +20614,7 @@
                 <a16:creationId xmlns:a16="http://schemas.microsoft.com/office/drawing/2014/main" id="{0006CBFD-ADA0-43D1-9332-9C34CA1C76ED}"/>
               </a:ext>
               <a:ext uri="{C183D7F6-B498-43B3-948B-1728B52AA6E4}">
-                <adec:decorative xmlns:adec="http://schemas.microsoft.com/office/drawing/2017/decorative" val="1"/>
+                <adec:decorative xmlns:adec="http://schemas.microsoft.com/office/drawing/2017/decorative" xmlns="" val="1"/>
               </a:ext>
             </a:extLst>
           </p:cNvPr>
@@ -20409,7 +20722,7 @@
                 <a16:creationId xmlns:a16="http://schemas.microsoft.com/office/drawing/2014/main" id="{2B931666-F28F-45F3-A074-66D2272D580B}"/>
               </a:ext>
               <a:ext uri="{C183D7F6-B498-43B3-948B-1728B52AA6E4}">
-                <adec:decorative xmlns:adec="http://schemas.microsoft.com/office/drawing/2017/decorative" val="1"/>
+                <adec:decorative xmlns:adec="http://schemas.microsoft.com/office/drawing/2017/decorative" xmlns="" val="1"/>
               </a:ext>
             </a:extLst>
           </p:cNvPr>
@@ -20671,7 +20984,7 @@
                 <a14:useLocalDpi xmlns:a14="http://schemas.microsoft.com/office/drawing/2010/main" val="0"/>
               </a:ext>
               <a:ext uri="{96DAC541-7B7A-43D3-8B79-37D633B846F1}">
-                <asvg:svgBlip xmlns:asvg="http://schemas.microsoft.com/office/drawing/2016/SVG/main" r:embed="rId3"/>
+                <asvg:svgBlip xmlns:asvg="http://schemas.microsoft.com/office/drawing/2016/SVG/main" xmlns="" r:embed="rId3"/>
               </a:ext>
             </a:extLst>
           </a:blip>
@@ -20759,27 +21072,24 @@
           </a:p>
           <a:p>
             <a:r>
-              <a:rPr lang="en-US" dirty="0"/>
+              <a:rPr lang="en-US" dirty="0" smtClean="0"/>
               <a:t>Content</a:t>
             </a:r>
           </a:p>
           <a:p>
+            <a:pPr lvl="1"/>
             <a:r>
-              <a:rPr lang="en-US" dirty="0"/>
-              <a:t>Activity</a:t>
+              <a:rPr lang="en-US" dirty="0" smtClean="0"/>
+              <a:t>What is IT?</a:t>
             </a:r>
+            <a:endParaRPr lang="en-US" dirty="0"/>
           </a:p>
           <a:p>
             <a:r>
-              <a:rPr lang="en-US" dirty="0"/>
-              <a:t>Homework</a:t>
+              <a:rPr lang="en-US" dirty="0" smtClean="0"/>
+              <a:t>Wrap-Up</a:t>
             </a:r>
-          </a:p>
-          <a:p>
-            <a:r>
-              <a:rPr lang="en-US" dirty="0"/>
-              <a:t>Question</a:t>
-            </a:r>
+            <a:endParaRPr lang="en-US" dirty="0"/>
           </a:p>
         </p:txBody>
       </p:sp>
@@ -21000,7 +21310,7 @@
                 <a14:useLocalDpi xmlns:a14="http://schemas.microsoft.com/office/drawing/2010/main" val="0"/>
               </a:ext>
               <a:ext uri="{96DAC541-7B7A-43D3-8B79-37D633B846F1}">
-                <asvg:svgBlip xmlns:asvg="http://schemas.microsoft.com/office/drawing/2016/SVG/main" r:embed="rId4"/>
+                <asvg:svgBlip xmlns:asvg="http://schemas.microsoft.com/office/drawing/2016/SVG/main" xmlns="" r:embed="rId4"/>
               </a:ext>
             </a:extLst>
           </a:blip>
@@ -21026,7 +21336,7 @@
                 <a16:creationId xmlns:a16="http://schemas.microsoft.com/office/drawing/2014/main" id="{1A882A9F-F4E9-4E23-8F0B-20B5DF42EAA9}"/>
               </a:ext>
               <a:ext uri="{C183D7F6-B498-43B3-948B-1728B52AA6E4}">
-                <adec:decorative xmlns:adec="http://schemas.microsoft.com/office/drawing/2017/decorative" val="1"/>
+                <adec:decorative xmlns:adec="http://schemas.microsoft.com/office/drawing/2017/decorative" xmlns="" val="1"/>
               </a:ext>
             </a:extLst>
           </p:cNvPr>
@@ -21120,7 +21430,7 @@
                 <a16:creationId xmlns:a16="http://schemas.microsoft.com/office/drawing/2014/main" id="{FBE9F90C-C163-435B-9A68-D15C92D1CF2B}"/>
               </a:ext>
               <a:ext uri="{C183D7F6-B498-43B3-948B-1728B52AA6E4}">
-                <adec:decorative xmlns:adec="http://schemas.microsoft.com/office/drawing/2017/decorative" val="1"/>
+                <adec:decorative xmlns:adec="http://schemas.microsoft.com/office/drawing/2017/decorative" xmlns="" val="1"/>
               </a:ext>
             </a:extLst>
           </p:cNvPr>
@@ -21214,7 +21524,7 @@
                 <a16:creationId xmlns:a16="http://schemas.microsoft.com/office/drawing/2014/main" id="{CDA1A2E9-63FE-408D-A803-8E306ECAB4B3}"/>
               </a:ext>
               <a:ext uri="{C183D7F6-B498-43B3-948B-1728B52AA6E4}">
-                <adec:decorative xmlns:adec="http://schemas.microsoft.com/office/drawing/2017/decorative" val="1"/>
+                <adec:decorative xmlns:adec="http://schemas.microsoft.com/office/drawing/2017/decorative" xmlns="" val="1"/>
               </a:ext>
             </a:extLst>
           </p:cNvPr>
@@ -21447,147 +21757,6 @@
 </file>
 
 <file path=ppt/slides/slide22.xml><?xml version="1.0" encoding="utf-8"?>
-<p:sld xmlns:a="http://schemas.openxmlformats.org/drawingml/2006/main" xmlns:r="http://schemas.openxmlformats.org/officeDocument/2006/relationships" xmlns:p="http://schemas.openxmlformats.org/presentationml/2006/main" show="0">
-  <p:cSld>
-    <p:spTree>
-      <p:nvGrpSpPr>
-        <p:cNvPr id="1" name=""/>
-        <p:cNvGrpSpPr/>
-        <p:nvPr/>
-      </p:nvGrpSpPr>
-      <p:grpSpPr>
-        <a:xfrm>
-          <a:off x="0" y="0"/>
-          <a:ext cx="0" cy="0"/>
-          <a:chOff x="0" y="0"/>
-          <a:chExt cx="0" cy="0"/>
-        </a:xfrm>
-      </p:grpSpPr>
-      <p:sp>
-        <p:nvSpPr>
-          <p:cNvPr id="2" name="Title 1">
-            <a:extLst>
-              <a:ext uri="{FF2B5EF4-FFF2-40B4-BE49-F238E27FC236}">
-                <a16:creationId xmlns:a16="http://schemas.microsoft.com/office/drawing/2014/main" id="{CECEC0A2-0FBC-4FD8-99C8-5BE017C081E6}"/>
-              </a:ext>
-            </a:extLst>
-          </p:cNvPr>
-          <p:cNvSpPr>
-            <a:spLocks noGrp="1"/>
-          </p:cNvSpPr>
-          <p:nvPr>
-            <p:ph type="title"/>
-          </p:nvPr>
-        </p:nvSpPr>
-        <p:spPr/>
-        <p:txBody>
-          <a:bodyPr>
-            <a:normAutofit/>
-          </a:bodyPr>
-          <a:lstStyle/>
-          <a:p>
-            <a:r>
-              <a:rPr lang="en-US" sz="4800" dirty="0"/>
-              <a:t>Your To-Do List For Next Class</a:t>
-            </a:r>
-          </a:p>
-        </p:txBody>
-      </p:sp>
-      <p:sp>
-        <p:nvSpPr>
-          <p:cNvPr id="3" name="Content Placeholder 2">
-            <a:extLst>
-              <a:ext uri="{FF2B5EF4-FFF2-40B4-BE49-F238E27FC236}">
-                <a16:creationId xmlns:a16="http://schemas.microsoft.com/office/drawing/2014/main" id="{A0CE4E65-3524-408A-B9CE-20BAEBFA1991}"/>
-              </a:ext>
-            </a:extLst>
-          </p:cNvPr>
-          <p:cNvSpPr>
-            <a:spLocks noGrp="1"/>
-          </p:cNvSpPr>
-          <p:nvPr>
-            <p:ph idx="1"/>
-          </p:nvPr>
-        </p:nvSpPr>
-        <p:spPr/>
-        <p:txBody>
-          <a:bodyPr>
-            <a:normAutofit/>
-          </a:bodyPr>
-          <a:lstStyle/>
-          <a:p>
-            <a:r>
-              <a:rPr lang="en-US" dirty="0"/>
-              <a:t>Read (03 – Managing IT): </a:t>
-            </a:r>
-          </a:p>
-          <a:p>
-            <a:pPr lvl="1"/>
-            <a:r>
-              <a:rPr lang="en-US" dirty="0"/>
-              <a:t>TPOSANA Ch 1,2,35</a:t>
-            </a:r>
-          </a:p>
-          <a:p>
-            <a:pPr lvl="1"/>
-            <a:r>
-              <a:rPr lang="en-US" dirty="0"/>
-              <a:t>TCO: </a:t>
-            </a:r>
-            <a:r>
-              <a:rPr lang="en-US" dirty="0">
-                <a:hlinkClick r:id="rId2"/>
-              </a:rPr>
-              <a:t>http://www.webcitation.org/70HzNwXIH</a:t>
-            </a:r>
-            <a:r>
-              <a:rPr lang="en-US" dirty="0"/>
-              <a:t> </a:t>
-            </a:r>
-          </a:p>
-          <a:p>
-            <a:pPr lvl="1"/>
-            <a:r>
-              <a:rPr lang="en-US" dirty="0"/>
-              <a:t>ROI: </a:t>
-            </a:r>
-            <a:r>
-              <a:rPr lang="en-US" dirty="0">
-                <a:hlinkClick r:id="rId3"/>
-              </a:rPr>
-              <a:t>http://www.webcitation.org/70Hze3GPy</a:t>
-            </a:r>
-            <a:endParaRPr lang="en-US" dirty="0"/>
-          </a:p>
-          <a:p>
-            <a:r>
-              <a:rPr lang="en-US" dirty="0"/>
-              <a:t>Homework:</a:t>
-            </a:r>
-          </a:p>
-          <a:p>
-            <a:pPr lvl="1"/>
-            <a:r>
-              <a:rPr lang="en-US" dirty="0"/>
-              <a:t>Lab 00 - Understanding the Lab Environment</a:t>
-            </a:r>
-          </a:p>
-        </p:txBody>
-      </p:sp>
-    </p:spTree>
-    <p:extLst>
-      <p:ext uri="{BB962C8B-B14F-4D97-AF65-F5344CB8AC3E}">
-        <p14:creationId xmlns:p14="http://schemas.microsoft.com/office/powerpoint/2010/main" val="1060460596"/>
-      </p:ext>
-    </p:extLst>
-  </p:cSld>
-  <p:clrMapOvr>
-    <a:masterClrMapping/>
-  </p:clrMapOvr>
-</p:sld>
-</file>
-
-<file path=ppt/slides/slide23.xml><?xml version="1.0" encoding="utf-8"?>
 <p:sld xmlns:a="http://schemas.openxmlformats.org/drawingml/2006/main" xmlns:r="http://schemas.openxmlformats.org/officeDocument/2006/relationships" xmlns:p="http://schemas.openxmlformats.org/presentationml/2006/main">
   <p:cSld>
     <p:bg>
@@ -21620,7 +21789,7 @@
                 <a16:creationId xmlns:a16="http://schemas.microsoft.com/office/drawing/2014/main" id="{025E15EC-F3C2-49B3-B38B-7404B833B21C}"/>
               </a:ext>
               <a:ext uri="{C183D7F6-B498-43B3-948B-1728B52AA6E4}">
-                <adec:decorative xmlns:adec="http://schemas.microsoft.com/office/drawing/2017/decorative" val="1"/>
+                <adec:decorative xmlns:adec="http://schemas.microsoft.com/office/drawing/2017/decorative" xmlns="" val="1"/>
               </a:ext>
             </a:extLst>
           </p:cNvPr>
@@ -21643,7 +21812,7 @@
                 <a14:useLocalDpi xmlns:a14="http://schemas.microsoft.com/office/drawing/2010/main" val="0"/>
               </a:ext>
               <a:ext uri="{96DAC541-7B7A-43D3-8B79-37D633B846F1}">
-                <asvg:svgBlip xmlns:asvg="http://schemas.microsoft.com/office/drawing/2016/SVG/main" r:embed="rId3"/>
+                <asvg:svgBlip xmlns:asvg="http://schemas.microsoft.com/office/drawing/2016/SVG/main" xmlns="" r:embed="rId3"/>
               </a:ext>
             </a:extLst>
           </a:blip>
@@ -21682,7 +21851,7 @@
                 <a14:useLocalDpi xmlns:a14="http://schemas.microsoft.com/office/drawing/2010/main" val="0"/>
               </a:ext>
               <a:ext uri="{96DAC541-7B7A-43D3-8B79-37D633B846F1}">
-                <asvg:svgBlip xmlns:asvg="http://schemas.microsoft.com/office/drawing/2016/SVG/main" r:embed="rId3"/>
+                <asvg:svgBlip xmlns:asvg="http://schemas.microsoft.com/office/drawing/2016/SVG/main" xmlns="" r:embed="rId3"/>
               </a:ext>
             </a:extLst>
           </a:blip>
@@ -21800,7 +21969,7 @@
 </p:sld>
 </file>
 
-<file path=ppt/slides/slide24.xml><?xml version="1.0" encoding="utf-8"?>
+<file path=ppt/slides/slide23.xml><?xml version="1.0" encoding="utf-8"?>
 <p:sld xmlns:a="http://schemas.openxmlformats.org/drawingml/2006/main" xmlns:r="http://schemas.openxmlformats.org/officeDocument/2006/relationships" xmlns:p="http://schemas.openxmlformats.org/presentationml/2006/main">
   <p:cSld>
     <p:bg>
@@ -21846,7 +22015,7 @@
                 <a14:useLocalDpi xmlns:a14="http://schemas.microsoft.com/office/drawing/2010/main" val="0"/>
               </a:ext>
               <a:ext uri="{96DAC541-7B7A-43D3-8B79-37D633B846F1}">
-                <asvg:svgBlip xmlns:asvg="http://schemas.microsoft.com/office/drawing/2016/SVG/main" r:embed="rId3"/>
+                <asvg:svgBlip xmlns:asvg="http://schemas.microsoft.com/office/drawing/2016/SVG/main" xmlns="" r:embed="rId3"/>
               </a:ext>
             </a:extLst>
           </a:blip>
@@ -21872,7 +22041,7 @@
                 <a16:creationId xmlns:a16="http://schemas.microsoft.com/office/drawing/2014/main" id="{1A882A9F-F4E9-4E23-8F0B-20B5DF42EAA9}"/>
               </a:ext>
               <a:ext uri="{C183D7F6-B498-43B3-948B-1728B52AA6E4}">
-                <adec:decorative xmlns:adec="http://schemas.microsoft.com/office/drawing/2017/decorative" val="1"/>
+                <adec:decorative xmlns:adec="http://schemas.microsoft.com/office/drawing/2017/decorative" xmlns="" val="1"/>
               </a:ext>
             </a:extLst>
           </p:cNvPr>
@@ -21966,7 +22135,7 @@
                 <a16:creationId xmlns:a16="http://schemas.microsoft.com/office/drawing/2014/main" id="{FBE9F90C-C163-435B-9A68-D15C92D1CF2B}"/>
               </a:ext>
               <a:ext uri="{C183D7F6-B498-43B3-948B-1728B52AA6E4}">
-                <adec:decorative xmlns:adec="http://schemas.microsoft.com/office/drawing/2017/decorative" val="1"/>
+                <adec:decorative xmlns:adec="http://schemas.microsoft.com/office/drawing/2017/decorative" xmlns="" val="1"/>
               </a:ext>
             </a:extLst>
           </p:cNvPr>
@@ -22060,7 +22229,7 @@
                 <a16:creationId xmlns:a16="http://schemas.microsoft.com/office/drawing/2014/main" id="{CDA1A2E9-63FE-408D-A803-8E306ECAB4B3}"/>
               </a:ext>
               <a:ext uri="{C183D7F6-B498-43B3-948B-1728B52AA6E4}">
-                <adec:decorative xmlns:adec="http://schemas.microsoft.com/office/drawing/2017/decorative" val="1"/>
+                <adec:decorative xmlns:adec="http://schemas.microsoft.com/office/drawing/2017/decorative" xmlns="" val="1"/>
               </a:ext>
             </a:extLst>
           </p:cNvPr>
@@ -22273,7 +22442,7 @@
                 <a16:creationId xmlns:a16="http://schemas.microsoft.com/office/drawing/2014/main" id="{F98ED85F-DCEE-4B50-802E-71A6E3E12B04}"/>
               </a:ext>
               <a:ext uri="{C183D7F6-B498-43B3-948B-1728B52AA6E4}">
-                <adec:decorative xmlns:adec="http://schemas.microsoft.com/office/drawing/2017/decorative" val="1"/>
+                <adec:decorative xmlns:adec="http://schemas.microsoft.com/office/drawing/2017/decorative" xmlns="" val="1"/>
               </a:ext>
             </a:extLst>
           </p:cNvPr>
@@ -22608,7 +22777,7 @@
                 <a14:useLocalDpi xmlns:a14="http://schemas.microsoft.com/office/drawing/2010/main" val="0"/>
               </a:ext>
               <a:ext uri="{96DAC541-7B7A-43D3-8B79-37D633B846F1}">
-                <asvg:svgBlip xmlns:asvg="http://schemas.microsoft.com/office/drawing/2016/SVG/main" r:embed="rId3"/>
+                <asvg:svgBlip xmlns:asvg="http://schemas.microsoft.com/office/drawing/2016/SVG/main" xmlns="" r:embed="rId3"/>
               </a:ext>
             </a:extLst>
           </a:blip>
@@ -22634,7 +22803,7 @@
                 <a16:creationId xmlns:a16="http://schemas.microsoft.com/office/drawing/2014/main" id="{DC23C04A-219E-44E6-8EF9-1AEE552AEC87}"/>
               </a:ext>
               <a:ext uri="{C183D7F6-B498-43B3-948B-1728B52AA6E4}">
-                <adec:decorative xmlns:adec="http://schemas.microsoft.com/office/drawing/2017/decorative" val="1"/>
+                <adec:decorative xmlns:adec="http://schemas.microsoft.com/office/drawing/2017/decorative" xmlns="" val="1"/>
               </a:ext>
             </a:extLst>
           </p:cNvPr>
@@ -22657,7 +22826,7 @@
                 <a14:useLocalDpi xmlns:a14="http://schemas.microsoft.com/office/drawing/2010/main" val="0"/>
               </a:ext>
               <a:ext uri="{96DAC541-7B7A-43D3-8B79-37D633B846F1}">
-                <asvg:svgBlip xmlns:asvg="http://schemas.microsoft.com/office/drawing/2016/SVG/main" r:embed="rId3"/>
+                <asvg:svgBlip xmlns:asvg="http://schemas.microsoft.com/office/drawing/2016/SVG/main" xmlns="" r:embed="rId3"/>
               </a:ext>
             </a:extLst>
           </a:blip>
@@ -22808,7 +22977,7 @@
                 <a16:creationId xmlns:a16="http://schemas.microsoft.com/office/drawing/2014/main" id="{0482A7D0-DB09-4EBA-8D52-E6A5934B668D}"/>
               </a:ext>
               <a:ext uri="{C183D7F6-B498-43B3-948B-1728B52AA6E4}">
-                <adec:decorative xmlns:adec="http://schemas.microsoft.com/office/drawing/2017/decorative" val="1"/>
+                <adec:decorative xmlns:adec="http://schemas.microsoft.com/office/drawing/2017/decorative" xmlns="" val="1"/>
               </a:ext>
             </a:extLst>
           </p:cNvPr>
@@ -22897,7 +23066,7 @@
                 <a16:creationId xmlns:a16="http://schemas.microsoft.com/office/drawing/2014/main" id="{1A3688C8-DFCE-4CCD-BCF0-5FB239E5072D}"/>
               </a:ext>
               <a:ext uri="{C183D7F6-B498-43B3-948B-1728B52AA6E4}">
-                <adec:decorative xmlns:adec="http://schemas.microsoft.com/office/drawing/2017/decorative" val="1"/>
+                <adec:decorative xmlns:adec="http://schemas.microsoft.com/office/drawing/2017/decorative" xmlns="" val="1"/>
               </a:ext>
             </a:extLst>
           </p:cNvPr>
@@ -23062,7 +23231,7 @@
                 <a16:creationId xmlns:a16="http://schemas.microsoft.com/office/drawing/2014/main" id="{D598FBE3-48D2-40A2-B7E6-F485834C8213}"/>
               </a:ext>
               <a:ext uri="{C183D7F6-B498-43B3-948B-1728B52AA6E4}">
-                <adec:decorative xmlns:adec="http://schemas.microsoft.com/office/drawing/2017/decorative" val="1"/>
+                <adec:decorative xmlns:adec="http://schemas.microsoft.com/office/drawing/2017/decorative" xmlns="" val="1"/>
               </a:ext>
             </a:extLst>
           </p:cNvPr>
@@ -23117,7 +23286,7 @@
                 <a16:creationId xmlns:a16="http://schemas.microsoft.com/office/drawing/2014/main" id="{8482FDCF-45F3-40F1-8751-19B7AFB3CFCE}"/>
               </a:ext>
               <a:ext uri="{C183D7F6-B498-43B3-948B-1728B52AA6E4}">
-                <adec:decorative xmlns:adec="http://schemas.microsoft.com/office/drawing/2017/decorative" val="1"/>
+                <adec:decorative xmlns:adec="http://schemas.microsoft.com/office/drawing/2017/decorative" xmlns="" val="1"/>
               </a:ext>
             </a:extLst>
           </p:cNvPr>

--- a/content/02-what-is-it.pptx
+++ b/content/02-what-is-it.pptx
@@ -4174,34 +4174,34 @@
     </dgm:pt>
   </dgm:ptLst>
   <dgm:cxnLst>
+    <dgm:cxn modelId="{5B328239-7B3F-4976-9955-5608BDEBED82}" type="presOf" srcId="{E93D836D-7E8B-45AA-9DF2-55A72D4F99E1}" destId="{71A8F112-5966-4790-B602-1936576948CB}" srcOrd="0" destOrd="1" presId="urn:microsoft.com/office/officeart/2005/8/layout/list1"/>
+    <dgm:cxn modelId="{45724E25-C3A4-478B-AA1D-1C05F18EAB89}" type="presOf" srcId="{6425C603-F9E0-408D-9D53-EA3BC181C876}" destId="{71A8F112-5966-4790-B602-1936576948CB}" srcOrd="0" destOrd="2" presId="urn:microsoft.com/office/officeart/2005/8/layout/list1"/>
+    <dgm:cxn modelId="{97E091B0-8025-4784-A859-C5B0B4D3DA6A}" srcId="{A484C35D-7149-4AD4-86EC-596392C955C7}" destId="{F28B7A99-6C83-4B2C-8534-476C17D97555}" srcOrd="0" destOrd="0" parTransId="{A7F22575-E323-45A9-9117-8D637D5B97C1}" sibTransId="{6E6C4C02-C20C-4BE0-A595-AA05D9B866B5}"/>
+    <dgm:cxn modelId="{63CE8CD5-51FA-42CB-8A52-FD6ADEE2C364}" type="presOf" srcId="{6C4B1577-166A-437E-B9DF-CD0D5013CF79}" destId="{71A8F112-5966-4790-B602-1936576948CB}" srcOrd="0" destOrd="0" presId="urn:microsoft.com/office/officeart/2005/8/layout/list1"/>
+    <dgm:cxn modelId="{979D41CB-B1E0-4A17-8A4C-114631CA5D44}" srcId="{04235686-2081-4694-83A7-77E57CE3D143}" destId="{AE22922B-1B6F-400F-84A4-C179B95516EE}" srcOrd="2" destOrd="0" parTransId="{EAA7D98F-A37B-4E6E-B81E-B569D38EE1B9}" sibTransId="{F4267B60-8CE4-493B-AD88-DDEB284F6917}"/>
+    <dgm:cxn modelId="{42666D86-25D2-44AA-B5F5-799C5048139C}" type="presOf" srcId="{04235686-2081-4694-83A7-77E57CE3D143}" destId="{FAE4FEA5-E2CA-4AD5-8124-173B9298F31C}" srcOrd="0" destOrd="0" presId="urn:microsoft.com/office/officeart/2005/8/layout/list1"/>
+    <dgm:cxn modelId="{C9FA3A04-6779-4FBE-A8A6-6054CFFD8CDE}" srcId="{37444F39-F4E0-463A-A085-F64446481B82}" destId="{B6533BA5-398D-45E3-959A-CCAE63C34C00}" srcOrd="0" destOrd="0" parTransId="{D458D993-17AB-48F7-9743-718DF2532B9D}" sibTransId="{B9709063-21D1-4BD7-8255-28B79C7279EE}"/>
+    <dgm:cxn modelId="{E838B8CD-9CAD-4917-80EF-868248E90B5A}" type="presOf" srcId="{37444F39-F4E0-463A-A085-F64446481B82}" destId="{B9B59AD2-F16C-4B9E-8EF6-F0C5247DBD09}" srcOrd="1" destOrd="0" presId="urn:microsoft.com/office/officeart/2005/8/layout/list1"/>
+    <dgm:cxn modelId="{74724A9F-3D39-4EEE-BD2B-06C795B4A4C2}" srcId="{AE22922B-1B6F-400F-84A4-C179B95516EE}" destId="{6C4B1577-166A-437E-B9DF-CD0D5013CF79}" srcOrd="0" destOrd="0" parTransId="{B29BE74E-06FD-4AB4-8461-6BE01A18115F}" sibTransId="{E597E284-D6FD-4C41-AB20-860241803B31}"/>
+    <dgm:cxn modelId="{4A67212D-1AE9-4504-8FA5-DE76CC95C6D2}" srcId="{A484C35D-7149-4AD4-86EC-596392C955C7}" destId="{5B87AA98-CDC5-4F91-A9D3-2A0E79D75D6A}" srcOrd="1" destOrd="0" parTransId="{00D302D2-118C-4075-ACCA-86A83DD81A74}" sibTransId="{A1452011-B49A-4ACE-B8A8-FB649DA20119}"/>
+    <dgm:cxn modelId="{C881D391-A26B-4F6B-8D91-D6D5ADAAF462}" type="presOf" srcId="{37444F39-F4E0-463A-A085-F64446481B82}" destId="{805704B6-26EC-447F-A2C5-38C46F750486}" srcOrd="0" destOrd="0" presId="urn:microsoft.com/office/officeart/2005/8/layout/list1"/>
+    <dgm:cxn modelId="{974A52E8-E13C-4863-B6D8-6EA59C6E7C3A}" srcId="{AE22922B-1B6F-400F-84A4-C179B95516EE}" destId="{E93D836D-7E8B-45AA-9DF2-55A72D4F99E1}" srcOrd="1" destOrd="0" parTransId="{C0CE700F-BBFB-413C-8E6D-E81906B6489E}" sibTransId="{8C55BDC4-CDE4-4EA5-A46C-0BBF6FCEC8AD}"/>
+    <dgm:cxn modelId="{9A7DD711-3837-4171-8CBA-98247DD38798}" srcId="{04235686-2081-4694-83A7-77E57CE3D143}" destId="{A484C35D-7149-4AD4-86EC-596392C955C7}" srcOrd="0" destOrd="0" parTransId="{7C550D68-8925-4E3E-9488-8DC1879F77E2}" sibTransId="{D8726E34-F4EA-4F44-9A81-D3EFCB9AB2FA}"/>
+    <dgm:cxn modelId="{C5BD2487-48A0-49F2-93A2-4FE303AE9F75}" type="presOf" srcId="{5AEF9997-F7BD-4387-BA28-DFF27CF5E344}" destId="{CE1153AE-363F-409B-AD0B-71B75DDEECB7}" srcOrd="0" destOrd="1" presId="urn:microsoft.com/office/officeart/2005/8/layout/list1"/>
+    <dgm:cxn modelId="{B0740A79-240B-4470-8638-2D67571F5C62}" type="presOf" srcId="{F28B7A99-6C83-4B2C-8534-476C17D97555}" destId="{C20E803A-56FB-4785-BC1E-F86486E06D39}" srcOrd="0" destOrd="0" presId="urn:microsoft.com/office/officeart/2005/8/layout/list1"/>
+    <dgm:cxn modelId="{49E80CB0-4D93-4ACB-8325-D0334FB2F348}" type="presOf" srcId="{A484C35D-7149-4AD4-86EC-596392C955C7}" destId="{35E64A77-0BA0-4442-9593-FDF4C4BC6615}" srcOrd="0" destOrd="0" presId="urn:microsoft.com/office/officeart/2005/8/layout/list1"/>
+    <dgm:cxn modelId="{226FBB8C-448A-4CCD-A6E8-F4C7A7EC43DF}" srcId="{37444F39-F4E0-463A-A085-F64446481B82}" destId="{1C25D14B-C895-4D59-A1C0-C3FE85065F43}" srcOrd="2" destOrd="0" parTransId="{E0AF9FA3-39D9-4AE3-B00A-01446EDB9C59}" sibTransId="{AB5ECBBB-3165-48F7-8DB7-81732A09FA65}"/>
+    <dgm:cxn modelId="{ABC1ADC1-63F3-4306-AD45-52AFC7459F7B}" type="presOf" srcId="{E71BA729-C24D-4CA5-9A51-9C4C6116A4FB}" destId="{C20E803A-56FB-4785-BC1E-F86486E06D39}" srcOrd="0" destOrd="2" presId="urn:microsoft.com/office/officeart/2005/8/layout/list1"/>
+    <dgm:cxn modelId="{7B17DFF6-F1D0-4076-93C8-D08AC03900C7}" srcId="{04235686-2081-4694-83A7-77E57CE3D143}" destId="{37444F39-F4E0-463A-A085-F64446481B82}" srcOrd="1" destOrd="0" parTransId="{0A8CCA54-5C8C-451E-854F-7EC0AA757B9B}" sibTransId="{46ADA06D-B362-4D53-8AE3-A05E6A951D37}"/>
+    <dgm:cxn modelId="{9A355362-673D-4A3E-B9A7-C6EA41CFBA0C}" type="presOf" srcId="{AE22922B-1B6F-400F-84A4-C179B95516EE}" destId="{C2C44689-B387-4D30-8C80-B60B308AC5AB}" srcOrd="0" destOrd="0" presId="urn:microsoft.com/office/officeart/2005/8/layout/list1"/>
+    <dgm:cxn modelId="{4169BBF8-F674-484C-94D3-960A7E309CD1}" type="presOf" srcId="{AE22922B-1B6F-400F-84A4-C179B95516EE}" destId="{E0BEC818-618D-40FF-B714-010FE118BE88}" srcOrd="1" destOrd="0" presId="urn:microsoft.com/office/officeart/2005/8/layout/list1"/>
+    <dgm:cxn modelId="{5194063A-10B8-4ECA-99BB-7FC5B0C24D8E}" type="presOf" srcId="{A484C35D-7149-4AD4-86EC-596392C955C7}" destId="{EB9FAE40-9B6D-455D-9184-5D58227F32F3}" srcOrd="1" destOrd="0" presId="urn:microsoft.com/office/officeart/2005/8/layout/list1"/>
+    <dgm:cxn modelId="{75F92B10-D9F2-41D7-A61E-4C3E5353D913}" type="presOf" srcId="{B6533BA5-398D-45E3-959A-CCAE63C34C00}" destId="{CE1153AE-363F-409B-AD0B-71B75DDEECB7}" srcOrd="0" destOrd="0" presId="urn:microsoft.com/office/officeart/2005/8/layout/list1"/>
     <dgm:cxn modelId="{0A75E28C-0A48-4C69-9BCD-C5B0973F185D}" type="presOf" srcId="{1C25D14B-C895-4D59-A1C0-C3FE85065F43}" destId="{CE1153AE-363F-409B-AD0B-71B75DDEECB7}" srcOrd="0" destOrd="2" presId="urn:microsoft.com/office/officeart/2005/8/layout/list1"/>
+    <dgm:cxn modelId="{B599C899-B2C1-49FA-BC1E-68A59766CB34}" type="presOf" srcId="{5B87AA98-CDC5-4F91-A9D3-2A0E79D75D6A}" destId="{C20E803A-56FB-4785-BC1E-F86486E06D39}" srcOrd="0" destOrd="1" presId="urn:microsoft.com/office/officeart/2005/8/layout/list1"/>
+    <dgm:cxn modelId="{0F59CD27-EBDE-4D19-BEB5-5CDA41F7E9A3}" srcId="{37444F39-F4E0-463A-A085-F64446481B82}" destId="{5AEF9997-F7BD-4387-BA28-DFF27CF5E344}" srcOrd="1" destOrd="0" parTransId="{4FC10CE2-9952-4247-A0E2-D5CF28B77DED}" sibTransId="{61DFEA5E-E29F-4106-9D19-6EB6A1091A39}"/>
+    <dgm:cxn modelId="{3D98DB0D-1068-4BAF-9845-2DA67A30E913}" srcId="{A484C35D-7149-4AD4-86EC-596392C955C7}" destId="{E71BA729-C24D-4CA5-9A51-9C4C6116A4FB}" srcOrd="2" destOrd="0" parTransId="{227FF19D-E3AE-49EA-B97E-3D26ED8455AC}" sibTransId="{F32232A3-1359-45F1-ACEC-D6377071405C}"/>
     <dgm:cxn modelId="{6002F6D9-EF37-406B-92CC-FDF474D32890}" srcId="{AE22922B-1B6F-400F-84A4-C179B95516EE}" destId="{6425C603-F9E0-408D-9D53-EA3BC181C876}" srcOrd="2" destOrd="0" parTransId="{175BBE05-D705-40F2-B0F0-1D0C469BB3EA}" sibTransId="{CE16E3D8-945F-4C55-83A1-C78B00F54943}"/>
-    <dgm:cxn modelId="{7B17DFF6-F1D0-4076-93C8-D08AC03900C7}" srcId="{04235686-2081-4694-83A7-77E57CE3D143}" destId="{37444F39-F4E0-463A-A085-F64446481B82}" srcOrd="1" destOrd="0" parTransId="{0A8CCA54-5C8C-451E-854F-7EC0AA757B9B}" sibTransId="{46ADA06D-B362-4D53-8AE3-A05E6A951D37}"/>
-    <dgm:cxn modelId="{974A52E8-E13C-4863-B6D8-6EA59C6E7C3A}" srcId="{AE22922B-1B6F-400F-84A4-C179B95516EE}" destId="{E93D836D-7E8B-45AA-9DF2-55A72D4F99E1}" srcOrd="1" destOrd="0" parTransId="{C0CE700F-BBFB-413C-8E6D-E81906B6489E}" sibTransId="{8C55BDC4-CDE4-4EA5-A46C-0BBF6FCEC8AD}"/>
-    <dgm:cxn modelId="{4A67212D-1AE9-4504-8FA5-DE76CC95C6D2}" srcId="{A484C35D-7149-4AD4-86EC-596392C955C7}" destId="{5B87AA98-CDC5-4F91-A9D3-2A0E79D75D6A}" srcOrd="1" destOrd="0" parTransId="{00D302D2-118C-4075-ACCA-86A83DD81A74}" sibTransId="{A1452011-B49A-4ACE-B8A8-FB649DA20119}"/>
-    <dgm:cxn modelId="{9A355362-673D-4A3E-B9A7-C6EA41CFBA0C}" type="presOf" srcId="{AE22922B-1B6F-400F-84A4-C179B95516EE}" destId="{C2C44689-B387-4D30-8C80-B60B308AC5AB}" srcOrd="0" destOrd="0" presId="urn:microsoft.com/office/officeart/2005/8/layout/list1"/>
-    <dgm:cxn modelId="{B599C899-B2C1-49FA-BC1E-68A59766CB34}" type="presOf" srcId="{5B87AA98-CDC5-4F91-A9D3-2A0E79D75D6A}" destId="{C20E803A-56FB-4785-BC1E-F86486E06D39}" srcOrd="0" destOrd="1" presId="urn:microsoft.com/office/officeart/2005/8/layout/list1"/>
-    <dgm:cxn modelId="{C5BD2487-48A0-49F2-93A2-4FE303AE9F75}" type="presOf" srcId="{5AEF9997-F7BD-4387-BA28-DFF27CF5E344}" destId="{CE1153AE-363F-409B-AD0B-71B75DDEECB7}" srcOrd="0" destOrd="1" presId="urn:microsoft.com/office/officeart/2005/8/layout/list1"/>
-    <dgm:cxn modelId="{5194063A-10B8-4ECA-99BB-7FC5B0C24D8E}" type="presOf" srcId="{A484C35D-7149-4AD4-86EC-596392C955C7}" destId="{EB9FAE40-9B6D-455D-9184-5D58227F32F3}" srcOrd="1" destOrd="0" presId="urn:microsoft.com/office/officeart/2005/8/layout/list1"/>
-    <dgm:cxn modelId="{63CE8CD5-51FA-42CB-8A52-FD6ADEE2C364}" type="presOf" srcId="{6C4B1577-166A-437E-B9DF-CD0D5013CF79}" destId="{71A8F112-5966-4790-B602-1936576948CB}" srcOrd="0" destOrd="0" presId="urn:microsoft.com/office/officeart/2005/8/layout/list1"/>
-    <dgm:cxn modelId="{74724A9F-3D39-4EEE-BD2B-06C795B4A4C2}" srcId="{AE22922B-1B6F-400F-84A4-C179B95516EE}" destId="{6C4B1577-166A-437E-B9DF-CD0D5013CF79}" srcOrd="0" destOrd="0" parTransId="{B29BE74E-06FD-4AB4-8461-6BE01A18115F}" sibTransId="{E597E284-D6FD-4C41-AB20-860241803B31}"/>
-    <dgm:cxn modelId="{42666D86-25D2-44AA-B5F5-799C5048139C}" type="presOf" srcId="{04235686-2081-4694-83A7-77E57CE3D143}" destId="{FAE4FEA5-E2CA-4AD5-8124-173B9298F31C}" srcOrd="0" destOrd="0" presId="urn:microsoft.com/office/officeart/2005/8/layout/list1"/>
-    <dgm:cxn modelId="{49E80CB0-4D93-4ACB-8325-D0334FB2F348}" type="presOf" srcId="{A484C35D-7149-4AD4-86EC-596392C955C7}" destId="{35E64A77-0BA0-4442-9593-FDF4C4BC6615}" srcOrd="0" destOrd="0" presId="urn:microsoft.com/office/officeart/2005/8/layout/list1"/>
-    <dgm:cxn modelId="{5B328239-7B3F-4976-9955-5608BDEBED82}" type="presOf" srcId="{E93D836D-7E8B-45AA-9DF2-55A72D4F99E1}" destId="{71A8F112-5966-4790-B602-1936576948CB}" srcOrd="0" destOrd="1" presId="urn:microsoft.com/office/officeart/2005/8/layout/list1"/>
-    <dgm:cxn modelId="{4169BBF8-F674-484C-94D3-960A7E309CD1}" type="presOf" srcId="{AE22922B-1B6F-400F-84A4-C179B95516EE}" destId="{E0BEC818-618D-40FF-B714-010FE118BE88}" srcOrd="1" destOrd="0" presId="urn:microsoft.com/office/officeart/2005/8/layout/list1"/>
-    <dgm:cxn modelId="{3D98DB0D-1068-4BAF-9845-2DA67A30E913}" srcId="{A484C35D-7149-4AD4-86EC-596392C955C7}" destId="{E71BA729-C24D-4CA5-9A51-9C4C6116A4FB}" srcOrd="2" destOrd="0" parTransId="{227FF19D-E3AE-49EA-B97E-3D26ED8455AC}" sibTransId="{F32232A3-1359-45F1-ACEC-D6377071405C}"/>
-    <dgm:cxn modelId="{C881D391-A26B-4F6B-8D91-D6D5ADAAF462}" type="presOf" srcId="{37444F39-F4E0-463A-A085-F64446481B82}" destId="{805704B6-26EC-447F-A2C5-38C46F750486}" srcOrd="0" destOrd="0" presId="urn:microsoft.com/office/officeart/2005/8/layout/list1"/>
-    <dgm:cxn modelId="{E838B8CD-9CAD-4917-80EF-868248E90B5A}" type="presOf" srcId="{37444F39-F4E0-463A-A085-F64446481B82}" destId="{B9B59AD2-F16C-4B9E-8EF6-F0C5247DBD09}" srcOrd="1" destOrd="0" presId="urn:microsoft.com/office/officeart/2005/8/layout/list1"/>
-    <dgm:cxn modelId="{75F92B10-D9F2-41D7-A61E-4C3E5353D913}" type="presOf" srcId="{B6533BA5-398D-45E3-959A-CCAE63C34C00}" destId="{CE1153AE-363F-409B-AD0B-71B75DDEECB7}" srcOrd="0" destOrd="0" presId="urn:microsoft.com/office/officeart/2005/8/layout/list1"/>
-    <dgm:cxn modelId="{ABC1ADC1-63F3-4306-AD45-52AFC7459F7B}" type="presOf" srcId="{E71BA729-C24D-4CA5-9A51-9C4C6116A4FB}" destId="{C20E803A-56FB-4785-BC1E-F86486E06D39}" srcOrd="0" destOrd="2" presId="urn:microsoft.com/office/officeart/2005/8/layout/list1"/>
-    <dgm:cxn modelId="{C9FA3A04-6779-4FBE-A8A6-6054CFFD8CDE}" srcId="{37444F39-F4E0-463A-A085-F64446481B82}" destId="{B6533BA5-398D-45E3-959A-CCAE63C34C00}" srcOrd="0" destOrd="0" parTransId="{D458D993-17AB-48F7-9743-718DF2532B9D}" sibTransId="{B9709063-21D1-4BD7-8255-28B79C7279EE}"/>
-    <dgm:cxn modelId="{B0740A79-240B-4470-8638-2D67571F5C62}" type="presOf" srcId="{F28B7A99-6C83-4B2C-8534-476C17D97555}" destId="{C20E803A-56FB-4785-BC1E-F86486E06D39}" srcOrd="0" destOrd="0" presId="urn:microsoft.com/office/officeart/2005/8/layout/list1"/>
-    <dgm:cxn modelId="{0F59CD27-EBDE-4D19-BEB5-5CDA41F7E9A3}" srcId="{37444F39-F4E0-463A-A085-F64446481B82}" destId="{5AEF9997-F7BD-4387-BA28-DFF27CF5E344}" srcOrd="1" destOrd="0" parTransId="{4FC10CE2-9952-4247-A0E2-D5CF28B77DED}" sibTransId="{61DFEA5E-E29F-4106-9D19-6EB6A1091A39}"/>
-    <dgm:cxn modelId="{9A7DD711-3837-4171-8CBA-98247DD38798}" srcId="{04235686-2081-4694-83A7-77E57CE3D143}" destId="{A484C35D-7149-4AD4-86EC-596392C955C7}" srcOrd="0" destOrd="0" parTransId="{7C550D68-8925-4E3E-9488-8DC1879F77E2}" sibTransId="{D8726E34-F4EA-4F44-9A81-D3EFCB9AB2FA}"/>
-    <dgm:cxn modelId="{979D41CB-B1E0-4A17-8A4C-114631CA5D44}" srcId="{04235686-2081-4694-83A7-77E57CE3D143}" destId="{AE22922B-1B6F-400F-84A4-C179B95516EE}" srcOrd="2" destOrd="0" parTransId="{EAA7D98F-A37B-4E6E-B81E-B569D38EE1B9}" sibTransId="{F4267B60-8CE4-493B-AD88-DDEB284F6917}"/>
-    <dgm:cxn modelId="{97E091B0-8025-4784-A859-C5B0B4D3DA6A}" srcId="{A484C35D-7149-4AD4-86EC-596392C955C7}" destId="{F28B7A99-6C83-4B2C-8534-476C17D97555}" srcOrd="0" destOrd="0" parTransId="{A7F22575-E323-45A9-9117-8D637D5B97C1}" sibTransId="{6E6C4C02-C20C-4BE0-A595-AA05D9B866B5}"/>
-    <dgm:cxn modelId="{45724E25-C3A4-478B-AA1D-1C05F18EAB89}" type="presOf" srcId="{6425C603-F9E0-408D-9D53-EA3BC181C876}" destId="{71A8F112-5966-4790-B602-1936576948CB}" srcOrd="0" destOrd="2" presId="urn:microsoft.com/office/officeart/2005/8/layout/list1"/>
-    <dgm:cxn modelId="{226FBB8C-448A-4CCD-A6E8-F4C7A7EC43DF}" srcId="{37444F39-F4E0-463A-A085-F64446481B82}" destId="{1C25D14B-C895-4D59-A1C0-C3FE85065F43}" srcOrd="2" destOrd="0" parTransId="{E0AF9FA3-39D9-4AE3-B00A-01446EDB9C59}" sibTransId="{AB5ECBBB-3165-48F7-8DB7-81732A09FA65}"/>
     <dgm:cxn modelId="{375DFC9B-A1BC-4A86-9856-644628F09BCC}" type="presParOf" srcId="{FAE4FEA5-E2CA-4AD5-8124-173B9298F31C}" destId="{119015C5-2FA4-40B7-9134-655899DD8B43}" srcOrd="0" destOrd="0" presId="urn:microsoft.com/office/officeart/2005/8/layout/list1"/>
     <dgm:cxn modelId="{16BB4278-0DE8-4B2F-8A12-E85078D519A4}" type="presParOf" srcId="{119015C5-2FA4-40B7-9134-655899DD8B43}" destId="{35E64A77-0BA0-4442-9593-FDF4C4BC6615}" srcOrd="0" destOrd="0" presId="urn:microsoft.com/office/officeart/2005/8/layout/list1"/>
     <dgm:cxn modelId="{02BF0169-5BBC-4E7C-B68D-0F8CE0FB6251}" type="presParOf" srcId="{119015C5-2FA4-40B7-9134-655899DD8B43}" destId="{EB9FAE40-9B6D-455D-9184-5D58227F32F3}" srcOrd="1" destOrd="0" presId="urn:microsoft.com/office/officeart/2005/8/layout/list1"/>
@@ -4753,27 +4753,27 @@
     </dgm:pt>
   </dgm:ptLst>
   <dgm:cxnLst>
+    <dgm:cxn modelId="{71DBAC16-9155-43EE-B273-EBB84D28350F}" type="presOf" srcId="{715BFF0E-4013-4E84-B5D5-433F8B27C77B}" destId="{9FF4D30B-F91B-4AD2-8BAC-7CB3CE2A4BF9}" srcOrd="0" destOrd="0" presId="urn:microsoft.com/office/officeart/2016/7/layout/BasicLinearProcessNumbered"/>
+    <dgm:cxn modelId="{4BDE7102-1FBD-4C02-8B6F-F87C80DCAEDE}" type="presOf" srcId="{715BFF0E-4013-4E84-B5D5-433F8B27C77B}" destId="{97E606C4-149B-4F50-95EB-C5F1377BA0ED}" srcOrd="1" destOrd="0" presId="urn:microsoft.com/office/officeart/2016/7/layout/BasicLinearProcessNumbered"/>
+    <dgm:cxn modelId="{EC6C6B91-7D57-46E4-BFC0-39DC310E2E29}" type="presOf" srcId="{76ABBF0A-59A2-464E-83EF-512E887D1D66}" destId="{A58FF74B-5187-462D-9C6B-CC033B450785}" srcOrd="0" destOrd="0" presId="urn:microsoft.com/office/officeart/2016/7/layout/BasicLinearProcessNumbered"/>
+    <dgm:cxn modelId="{CA23CB38-39E0-426E-ADD2-858317053C75}" type="presOf" srcId="{244B1833-7A77-429D-BF43-5A612BDEC259}" destId="{290DDAEE-363A-43B7-9695-39BFDA025990}" srcOrd="0" destOrd="0" presId="urn:microsoft.com/office/officeart/2016/7/layout/BasicLinearProcessNumbered"/>
+    <dgm:cxn modelId="{149693FD-EF25-4267-9B36-3E2D105AC868}" srcId="{4B7674E0-3E81-457C-A30C-15F750F516A8}" destId="{7ECBE929-698D-4F89-AA09-AAF65F054061}" srcOrd="1" destOrd="0" parTransId="{76F86F7C-5A88-43D9-B21F-D62A4B44B191}" sibTransId="{AB825CDF-1218-4CD4-8126-3EEFCDA4B3CF}"/>
+    <dgm:cxn modelId="{4AC86364-C86C-4DC6-9FA6-B47CCE1D1BC2}" type="presOf" srcId="{48D1F16E-ECFC-49F6-909B-BA69D0F3D4E2}" destId="{1F200CB6-880D-4C5E-8FE7-28E858CE4AC9}" srcOrd="0" destOrd="0" presId="urn:microsoft.com/office/officeart/2016/7/layout/BasicLinearProcessNumbered"/>
+    <dgm:cxn modelId="{31AB6EAF-782E-4AE0-AB0A-BD5A85409BFE}" type="presOf" srcId="{477DC7A4-B6AF-41AB-8996-EB1B037A9678}" destId="{60CF2598-AEAC-4DE2-B5FF-282F4997856B}" srcOrd="0" destOrd="0" presId="urn:microsoft.com/office/officeart/2016/7/layout/BasicLinearProcessNumbered"/>
+    <dgm:cxn modelId="{7251CF1F-5DEE-4E48-B3C5-1A48C5A506EA}" type="presOf" srcId="{444DC8E0-8645-46E3-93E2-B8E5DC53064C}" destId="{7DF20FCF-D04C-4888-B5CD-CF3094410605}" srcOrd="0" destOrd="0" presId="urn:microsoft.com/office/officeart/2016/7/layout/BasicLinearProcessNumbered"/>
+    <dgm:cxn modelId="{2FC2AA3D-89FA-40B3-BA64-A992CDB6EFF9}" type="presOf" srcId="{67ABF92A-7428-4C9C-8D15-876B4499937E}" destId="{45559B94-BD38-418A-B8F2-FC32F04FC522}" srcOrd="0" destOrd="0" presId="urn:microsoft.com/office/officeart/2016/7/layout/BasicLinearProcessNumbered"/>
+    <dgm:cxn modelId="{35521A8E-290E-44A6-8776-9084A2A32428}" type="presOf" srcId="{67ABF92A-7428-4C9C-8D15-876B4499937E}" destId="{ED44613A-1614-4498-818E-138FD95BFEC4}" srcOrd="1" destOrd="0" presId="urn:microsoft.com/office/officeart/2016/7/layout/BasicLinearProcessNumbered"/>
+    <dgm:cxn modelId="{A4D76E41-41B4-46B8-BB1B-DAA89E09BF22}" type="presOf" srcId="{D7AF3F98-660A-4FED-ACCF-DA30D87E4B6B}" destId="{E6C48221-3779-4C09-BFD6-C6E6AAE62F5A}" srcOrd="0" destOrd="0" presId="urn:microsoft.com/office/officeart/2016/7/layout/BasicLinearProcessNumbered"/>
+    <dgm:cxn modelId="{D15F66DB-2F6B-4EEE-809C-12F1EBD8A3C4}" srcId="{4B7674E0-3E81-457C-A30C-15F750F516A8}" destId="{715BFF0E-4013-4E84-B5D5-433F8B27C77B}" srcOrd="0" destOrd="0" parTransId="{8989C6CD-A735-43CC-85EB-8A8638AD2C0A}" sibTransId="{244B1833-7A77-429D-BF43-5A612BDEC259}"/>
+    <dgm:cxn modelId="{539F9B14-D35B-4397-80E9-BA3B68D26B12}" type="presOf" srcId="{AB825CDF-1218-4CD4-8126-3EEFCDA4B3CF}" destId="{2B31759D-77C5-440C-9B53-BA8065F6CC1C}" srcOrd="0" destOrd="0" presId="urn:microsoft.com/office/officeart/2016/7/layout/BasicLinearProcessNumbered"/>
+    <dgm:cxn modelId="{FCF3E3DE-8653-4DD7-9283-C60E493208A7}" srcId="{4B7674E0-3E81-457C-A30C-15F750F516A8}" destId="{67ABF92A-7428-4C9C-8D15-876B4499937E}" srcOrd="3" destOrd="0" parTransId="{C7B3319A-1EEF-41F0-9B7E-468687A9EBBC}" sibTransId="{444DC8E0-8645-46E3-93E2-B8E5DC53064C}"/>
+    <dgm:cxn modelId="{EC5B8AFE-D0BC-4AF1-B762-6BAE78EE3670}" type="presOf" srcId="{76ABBF0A-59A2-464E-83EF-512E887D1D66}" destId="{09227027-DE7C-4DDA-97B7-5B6707C783B5}" srcOrd="1" destOrd="0" presId="urn:microsoft.com/office/officeart/2016/7/layout/BasicLinearProcessNumbered"/>
     <dgm:cxn modelId="{AA85650A-611C-47A3-9831-0A1CA0FC317E}" type="presOf" srcId="{7ECBE929-698D-4F89-AA09-AAF65F054061}" destId="{1189EC05-B7B8-4E42-8D60-014DCA767ADC}" srcOrd="0" destOrd="0" presId="urn:microsoft.com/office/officeart/2016/7/layout/BasicLinearProcessNumbered"/>
     <dgm:cxn modelId="{AEA7D265-40C0-4B8A-9B0E-7534744F4A44}" type="presOf" srcId="{477DC7A4-B6AF-41AB-8996-EB1B037A9678}" destId="{E4F026E5-35A1-4DD1-A80C-B08428E96EF0}" srcOrd="1" destOrd="0" presId="urn:microsoft.com/office/officeart/2016/7/layout/BasicLinearProcessNumbered"/>
-    <dgm:cxn modelId="{7251CF1F-5DEE-4E48-B3C5-1A48C5A506EA}" type="presOf" srcId="{444DC8E0-8645-46E3-93E2-B8E5DC53064C}" destId="{7DF20FCF-D04C-4888-B5CD-CF3094410605}" srcOrd="0" destOrd="0" presId="urn:microsoft.com/office/officeart/2016/7/layout/BasicLinearProcessNumbered"/>
-    <dgm:cxn modelId="{FCF3E3DE-8653-4DD7-9283-C60E493208A7}" srcId="{4B7674E0-3E81-457C-A30C-15F750F516A8}" destId="{67ABF92A-7428-4C9C-8D15-876B4499937E}" srcOrd="3" destOrd="0" parTransId="{C7B3319A-1EEF-41F0-9B7E-468687A9EBBC}" sibTransId="{444DC8E0-8645-46E3-93E2-B8E5DC53064C}"/>
+    <dgm:cxn modelId="{8293DC58-B434-4E03-B8C4-542AF9174CFF}" srcId="{4B7674E0-3E81-457C-A30C-15F750F516A8}" destId="{477DC7A4-B6AF-41AB-8996-EB1B037A9678}" srcOrd="4" destOrd="0" parTransId="{FE99709D-11F7-40C4-8333-793BFE1403A7}" sibTransId="{48D1F16E-ECFC-49F6-909B-BA69D0F3D4E2}"/>
     <dgm:cxn modelId="{26F3A4A3-6527-4754-BA4F-2FDADEB9EC8C}" type="presOf" srcId="{7ECBE929-698D-4F89-AA09-AAF65F054061}" destId="{3FD92077-1509-4F27-BC2D-65D9C699700B}" srcOrd="1" destOrd="0" presId="urn:microsoft.com/office/officeart/2016/7/layout/BasicLinearProcessNumbered"/>
-    <dgm:cxn modelId="{EC6C6B91-7D57-46E4-BFC0-39DC310E2E29}" type="presOf" srcId="{76ABBF0A-59A2-464E-83EF-512E887D1D66}" destId="{A58FF74B-5187-462D-9C6B-CC033B450785}" srcOrd="0" destOrd="0" presId="urn:microsoft.com/office/officeart/2016/7/layout/BasicLinearProcessNumbered"/>
-    <dgm:cxn modelId="{4BDE7102-1FBD-4C02-8B6F-F87C80DCAEDE}" type="presOf" srcId="{715BFF0E-4013-4E84-B5D5-433F8B27C77B}" destId="{97E606C4-149B-4F50-95EB-C5F1377BA0ED}" srcOrd="1" destOrd="0" presId="urn:microsoft.com/office/officeart/2016/7/layout/BasicLinearProcessNumbered"/>
-    <dgm:cxn modelId="{71DBAC16-9155-43EE-B273-EBB84D28350F}" type="presOf" srcId="{715BFF0E-4013-4E84-B5D5-433F8B27C77B}" destId="{9FF4D30B-F91B-4AD2-8BAC-7CB3CE2A4BF9}" srcOrd="0" destOrd="0" presId="urn:microsoft.com/office/officeart/2016/7/layout/BasicLinearProcessNumbered"/>
-    <dgm:cxn modelId="{35521A8E-290E-44A6-8776-9084A2A32428}" type="presOf" srcId="{67ABF92A-7428-4C9C-8D15-876B4499937E}" destId="{ED44613A-1614-4498-818E-138FD95BFEC4}" srcOrd="1" destOrd="0" presId="urn:microsoft.com/office/officeart/2016/7/layout/BasicLinearProcessNumbered"/>
-    <dgm:cxn modelId="{D15F66DB-2F6B-4EEE-809C-12F1EBD8A3C4}" srcId="{4B7674E0-3E81-457C-A30C-15F750F516A8}" destId="{715BFF0E-4013-4E84-B5D5-433F8B27C77B}" srcOrd="0" destOrd="0" parTransId="{8989C6CD-A735-43CC-85EB-8A8638AD2C0A}" sibTransId="{244B1833-7A77-429D-BF43-5A612BDEC259}"/>
-    <dgm:cxn modelId="{539F9B14-D35B-4397-80E9-BA3B68D26B12}" type="presOf" srcId="{AB825CDF-1218-4CD4-8126-3EEFCDA4B3CF}" destId="{2B31759D-77C5-440C-9B53-BA8065F6CC1C}" srcOrd="0" destOrd="0" presId="urn:microsoft.com/office/officeart/2016/7/layout/BasicLinearProcessNumbered"/>
-    <dgm:cxn modelId="{31AB6EAF-782E-4AE0-AB0A-BD5A85409BFE}" type="presOf" srcId="{477DC7A4-B6AF-41AB-8996-EB1B037A9678}" destId="{60CF2598-AEAC-4DE2-B5FF-282F4997856B}" srcOrd="0" destOrd="0" presId="urn:microsoft.com/office/officeart/2016/7/layout/BasicLinearProcessNumbered"/>
-    <dgm:cxn modelId="{EC5B8AFE-D0BC-4AF1-B762-6BAE78EE3670}" type="presOf" srcId="{76ABBF0A-59A2-464E-83EF-512E887D1D66}" destId="{09227027-DE7C-4DDA-97B7-5B6707C783B5}" srcOrd="1" destOrd="0" presId="urn:microsoft.com/office/officeart/2016/7/layout/BasicLinearProcessNumbered"/>
+    <dgm:cxn modelId="{290502D7-690E-44EE-8D8B-984EC8ED1DF4}" srcId="{4B7674E0-3E81-457C-A30C-15F750F516A8}" destId="{76ABBF0A-59A2-464E-83EF-512E887D1D66}" srcOrd="2" destOrd="0" parTransId="{5221B3D8-3C2D-49A7-99E3-7F31EA688667}" sibTransId="{D7AF3F98-660A-4FED-ACCF-DA30D87E4B6B}"/>
     <dgm:cxn modelId="{F2D6DA9E-6A45-4D6F-A5C2-C31166E7B8CC}" type="presOf" srcId="{4B7674E0-3E81-457C-A30C-15F750F516A8}" destId="{1BC3F4E4-6FD7-4CDB-8601-973CFB5A846A}" srcOrd="0" destOrd="0" presId="urn:microsoft.com/office/officeart/2016/7/layout/BasicLinearProcessNumbered"/>
-    <dgm:cxn modelId="{149693FD-EF25-4267-9B36-3E2D105AC868}" srcId="{4B7674E0-3E81-457C-A30C-15F750F516A8}" destId="{7ECBE929-698D-4F89-AA09-AAF65F054061}" srcOrd="1" destOrd="0" parTransId="{76F86F7C-5A88-43D9-B21F-D62A4B44B191}" sibTransId="{AB825CDF-1218-4CD4-8126-3EEFCDA4B3CF}"/>
-    <dgm:cxn modelId="{CA23CB38-39E0-426E-ADD2-858317053C75}" type="presOf" srcId="{244B1833-7A77-429D-BF43-5A612BDEC259}" destId="{290DDAEE-363A-43B7-9695-39BFDA025990}" srcOrd="0" destOrd="0" presId="urn:microsoft.com/office/officeart/2016/7/layout/BasicLinearProcessNumbered"/>
-    <dgm:cxn modelId="{A4D76E41-41B4-46B8-BB1B-DAA89E09BF22}" type="presOf" srcId="{D7AF3F98-660A-4FED-ACCF-DA30D87E4B6B}" destId="{E6C48221-3779-4C09-BFD6-C6E6AAE62F5A}" srcOrd="0" destOrd="0" presId="urn:microsoft.com/office/officeart/2016/7/layout/BasicLinearProcessNumbered"/>
-    <dgm:cxn modelId="{8293DC58-B434-4E03-B8C4-542AF9174CFF}" srcId="{4B7674E0-3E81-457C-A30C-15F750F516A8}" destId="{477DC7A4-B6AF-41AB-8996-EB1B037A9678}" srcOrd="4" destOrd="0" parTransId="{FE99709D-11F7-40C4-8333-793BFE1403A7}" sibTransId="{48D1F16E-ECFC-49F6-909B-BA69D0F3D4E2}"/>
-    <dgm:cxn modelId="{290502D7-690E-44EE-8D8B-984EC8ED1DF4}" srcId="{4B7674E0-3E81-457C-A30C-15F750F516A8}" destId="{76ABBF0A-59A2-464E-83EF-512E887D1D66}" srcOrd="2" destOrd="0" parTransId="{5221B3D8-3C2D-49A7-99E3-7F31EA688667}" sibTransId="{D7AF3F98-660A-4FED-ACCF-DA30D87E4B6B}"/>
-    <dgm:cxn modelId="{2FC2AA3D-89FA-40B3-BA64-A992CDB6EFF9}" type="presOf" srcId="{67ABF92A-7428-4C9C-8D15-876B4499937E}" destId="{45559B94-BD38-418A-B8F2-FC32F04FC522}" srcOrd="0" destOrd="0" presId="urn:microsoft.com/office/officeart/2016/7/layout/BasicLinearProcessNumbered"/>
-    <dgm:cxn modelId="{4AC86364-C86C-4DC6-9FA6-B47CCE1D1BC2}" type="presOf" srcId="{48D1F16E-ECFC-49F6-909B-BA69D0F3D4E2}" destId="{1F200CB6-880D-4C5E-8FE7-28E858CE4AC9}" srcOrd="0" destOrd="0" presId="urn:microsoft.com/office/officeart/2016/7/layout/BasicLinearProcessNumbered"/>
     <dgm:cxn modelId="{E0B8C508-6B9B-4BFB-8757-47F4098AD110}" type="presParOf" srcId="{1BC3F4E4-6FD7-4CDB-8601-973CFB5A846A}" destId="{027C48D5-5D9E-408F-AD68-F54D748E5917}" srcOrd="0" destOrd="0" presId="urn:microsoft.com/office/officeart/2016/7/layout/BasicLinearProcessNumbered"/>
     <dgm:cxn modelId="{8142B994-7631-4F85-B937-A3C96BF69A77}" type="presParOf" srcId="{027C48D5-5D9E-408F-AD68-F54D748E5917}" destId="{9FF4D30B-F91B-4AD2-8BAC-7CB3CE2A4BF9}" srcOrd="0" destOrd="0" presId="urn:microsoft.com/office/officeart/2016/7/layout/BasicLinearProcessNumbered"/>
     <dgm:cxn modelId="{5A8C1B5F-77FA-4251-B546-5F36D75CC5C8}" type="presParOf" srcId="{027C48D5-5D9E-408F-AD68-F54D748E5917}" destId="{290DDAEE-363A-43B7-9695-39BFDA025990}" srcOrd="1" destOrd="0" presId="urn:microsoft.com/office/officeart/2016/7/layout/BasicLinearProcessNumbered"/>
@@ -5337,27 +5337,27 @@
     </dgm:pt>
   </dgm:ptLst>
   <dgm:cxnLst>
+    <dgm:cxn modelId="{71DBAC16-9155-43EE-B273-EBB84D28350F}" type="presOf" srcId="{715BFF0E-4013-4E84-B5D5-433F8B27C77B}" destId="{9FF4D30B-F91B-4AD2-8BAC-7CB3CE2A4BF9}" srcOrd="0" destOrd="0" presId="urn:microsoft.com/office/officeart/2016/7/layout/BasicLinearProcessNumbered"/>
+    <dgm:cxn modelId="{4BDE7102-1FBD-4C02-8B6F-F87C80DCAEDE}" type="presOf" srcId="{715BFF0E-4013-4E84-B5D5-433F8B27C77B}" destId="{97E606C4-149B-4F50-95EB-C5F1377BA0ED}" srcOrd="1" destOrd="0" presId="urn:microsoft.com/office/officeart/2016/7/layout/BasicLinearProcessNumbered"/>
+    <dgm:cxn modelId="{EC6C6B91-7D57-46E4-BFC0-39DC310E2E29}" type="presOf" srcId="{76ABBF0A-59A2-464E-83EF-512E887D1D66}" destId="{A58FF74B-5187-462D-9C6B-CC033B450785}" srcOrd="0" destOrd="0" presId="urn:microsoft.com/office/officeart/2016/7/layout/BasicLinearProcessNumbered"/>
+    <dgm:cxn modelId="{CA23CB38-39E0-426E-ADD2-858317053C75}" type="presOf" srcId="{244B1833-7A77-429D-BF43-5A612BDEC259}" destId="{290DDAEE-363A-43B7-9695-39BFDA025990}" srcOrd="0" destOrd="0" presId="urn:microsoft.com/office/officeart/2016/7/layout/BasicLinearProcessNumbered"/>
+    <dgm:cxn modelId="{149693FD-EF25-4267-9B36-3E2D105AC868}" srcId="{4B7674E0-3E81-457C-A30C-15F750F516A8}" destId="{7ECBE929-698D-4F89-AA09-AAF65F054061}" srcOrd="1" destOrd="0" parTransId="{76F86F7C-5A88-43D9-B21F-D62A4B44B191}" sibTransId="{AB825CDF-1218-4CD4-8126-3EEFCDA4B3CF}"/>
+    <dgm:cxn modelId="{4AC86364-C86C-4DC6-9FA6-B47CCE1D1BC2}" type="presOf" srcId="{48D1F16E-ECFC-49F6-909B-BA69D0F3D4E2}" destId="{1F200CB6-880D-4C5E-8FE7-28E858CE4AC9}" srcOrd="0" destOrd="0" presId="urn:microsoft.com/office/officeart/2016/7/layout/BasicLinearProcessNumbered"/>
+    <dgm:cxn modelId="{31AB6EAF-782E-4AE0-AB0A-BD5A85409BFE}" type="presOf" srcId="{477DC7A4-B6AF-41AB-8996-EB1B037A9678}" destId="{60CF2598-AEAC-4DE2-B5FF-282F4997856B}" srcOrd="0" destOrd="0" presId="urn:microsoft.com/office/officeart/2016/7/layout/BasicLinearProcessNumbered"/>
+    <dgm:cxn modelId="{7251CF1F-5DEE-4E48-B3C5-1A48C5A506EA}" type="presOf" srcId="{444DC8E0-8645-46E3-93E2-B8E5DC53064C}" destId="{7DF20FCF-D04C-4888-B5CD-CF3094410605}" srcOrd="0" destOrd="0" presId="urn:microsoft.com/office/officeart/2016/7/layout/BasicLinearProcessNumbered"/>
+    <dgm:cxn modelId="{2FC2AA3D-89FA-40B3-BA64-A992CDB6EFF9}" type="presOf" srcId="{67ABF92A-7428-4C9C-8D15-876B4499937E}" destId="{45559B94-BD38-418A-B8F2-FC32F04FC522}" srcOrd="0" destOrd="0" presId="urn:microsoft.com/office/officeart/2016/7/layout/BasicLinearProcessNumbered"/>
+    <dgm:cxn modelId="{35521A8E-290E-44A6-8776-9084A2A32428}" type="presOf" srcId="{67ABF92A-7428-4C9C-8D15-876B4499937E}" destId="{ED44613A-1614-4498-818E-138FD95BFEC4}" srcOrd="1" destOrd="0" presId="urn:microsoft.com/office/officeart/2016/7/layout/BasicLinearProcessNumbered"/>
+    <dgm:cxn modelId="{A4D76E41-41B4-46B8-BB1B-DAA89E09BF22}" type="presOf" srcId="{D7AF3F98-660A-4FED-ACCF-DA30D87E4B6B}" destId="{E6C48221-3779-4C09-BFD6-C6E6AAE62F5A}" srcOrd="0" destOrd="0" presId="urn:microsoft.com/office/officeart/2016/7/layout/BasicLinearProcessNumbered"/>
+    <dgm:cxn modelId="{D15F66DB-2F6B-4EEE-809C-12F1EBD8A3C4}" srcId="{4B7674E0-3E81-457C-A30C-15F750F516A8}" destId="{715BFF0E-4013-4E84-B5D5-433F8B27C77B}" srcOrd="0" destOrd="0" parTransId="{8989C6CD-A735-43CC-85EB-8A8638AD2C0A}" sibTransId="{244B1833-7A77-429D-BF43-5A612BDEC259}"/>
+    <dgm:cxn modelId="{539F9B14-D35B-4397-80E9-BA3B68D26B12}" type="presOf" srcId="{AB825CDF-1218-4CD4-8126-3EEFCDA4B3CF}" destId="{2B31759D-77C5-440C-9B53-BA8065F6CC1C}" srcOrd="0" destOrd="0" presId="urn:microsoft.com/office/officeart/2016/7/layout/BasicLinearProcessNumbered"/>
+    <dgm:cxn modelId="{FCF3E3DE-8653-4DD7-9283-C60E493208A7}" srcId="{4B7674E0-3E81-457C-A30C-15F750F516A8}" destId="{67ABF92A-7428-4C9C-8D15-876B4499937E}" srcOrd="3" destOrd="0" parTransId="{C7B3319A-1EEF-41F0-9B7E-468687A9EBBC}" sibTransId="{444DC8E0-8645-46E3-93E2-B8E5DC53064C}"/>
+    <dgm:cxn modelId="{EC5B8AFE-D0BC-4AF1-B762-6BAE78EE3670}" type="presOf" srcId="{76ABBF0A-59A2-464E-83EF-512E887D1D66}" destId="{09227027-DE7C-4DDA-97B7-5B6707C783B5}" srcOrd="1" destOrd="0" presId="urn:microsoft.com/office/officeart/2016/7/layout/BasicLinearProcessNumbered"/>
     <dgm:cxn modelId="{AA85650A-611C-47A3-9831-0A1CA0FC317E}" type="presOf" srcId="{7ECBE929-698D-4F89-AA09-AAF65F054061}" destId="{1189EC05-B7B8-4E42-8D60-014DCA767ADC}" srcOrd="0" destOrd="0" presId="urn:microsoft.com/office/officeart/2016/7/layout/BasicLinearProcessNumbered"/>
     <dgm:cxn modelId="{AEA7D265-40C0-4B8A-9B0E-7534744F4A44}" type="presOf" srcId="{477DC7A4-B6AF-41AB-8996-EB1B037A9678}" destId="{E4F026E5-35A1-4DD1-A80C-B08428E96EF0}" srcOrd="1" destOrd="0" presId="urn:microsoft.com/office/officeart/2016/7/layout/BasicLinearProcessNumbered"/>
-    <dgm:cxn modelId="{7251CF1F-5DEE-4E48-B3C5-1A48C5A506EA}" type="presOf" srcId="{444DC8E0-8645-46E3-93E2-B8E5DC53064C}" destId="{7DF20FCF-D04C-4888-B5CD-CF3094410605}" srcOrd="0" destOrd="0" presId="urn:microsoft.com/office/officeart/2016/7/layout/BasicLinearProcessNumbered"/>
-    <dgm:cxn modelId="{FCF3E3DE-8653-4DD7-9283-C60E493208A7}" srcId="{4B7674E0-3E81-457C-A30C-15F750F516A8}" destId="{67ABF92A-7428-4C9C-8D15-876B4499937E}" srcOrd="3" destOrd="0" parTransId="{C7B3319A-1EEF-41F0-9B7E-468687A9EBBC}" sibTransId="{444DC8E0-8645-46E3-93E2-B8E5DC53064C}"/>
+    <dgm:cxn modelId="{8293DC58-B434-4E03-B8C4-542AF9174CFF}" srcId="{4B7674E0-3E81-457C-A30C-15F750F516A8}" destId="{477DC7A4-B6AF-41AB-8996-EB1B037A9678}" srcOrd="4" destOrd="0" parTransId="{FE99709D-11F7-40C4-8333-793BFE1403A7}" sibTransId="{48D1F16E-ECFC-49F6-909B-BA69D0F3D4E2}"/>
     <dgm:cxn modelId="{26F3A4A3-6527-4754-BA4F-2FDADEB9EC8C}" type="presOf" srcId="{7ECBE929-698D-4F89-AA09-AAF65F054061}" destId="{3FD92077-1509-4F27-BC2D-65D9C699700B}" srcOrd="1" destOrd="0" presId="urn:microsoft.com/office/officeart/2016/7/layout/BasicLinearProcessNumbered"/>
-    <dgm:cxn modelId="{EC6C6B91-7D57-46E4-BFC0-39DC310E2E29}" type="presOf" srcId="{76ABBF0A-59A2-464E-83EF-512E887D1D66}" destId="{A58FF74B-5187-462D-9C6B-CC033B450785}" srcOrd="0" destOrd="0" presId="urn:microsoft.com/office/officeart/2016/7/layout/BasicLinearProcessNumbered"/>
-    <dgm:cxn modelId="{4BDE7102-1FBD-4C02-8B6F-F87C80DCAEDE}" type="presOf" srcId="{715BFF0E-4013-4E84-B5D5-433F8B27C77B}" destId="{97E606C4-149B-4F50-95EB-C5F1377BA0ED}" srcOrd="1" destOrd="0" presId="urn:microsoft.com/office/officeart/2016/7/layout/BasicLinearProcessNumbered"/>
-    <dgm:cxn modelId="{71DBAC16-9155-43EE-B273-EBB84D28350F}" type="presOf" srcId="{715BFF0E-4013-4E84-B5D5-433F8B27C77B}" destId="{9FF4D30B-F91B-4AD2-8BAC-7CB3CE2A4BF9}" srcOrd="0" destOrd="0" presId="urn:microsoft.com/office/officeart/2016/7/layout/BasicLinearProcessNumbered"/>
-    <dgm:cxn modelId="{35521A8E-290E-44A6-8776-9084A2A32428}" type="presOf" srcId="{67ABF92A-7428-4C9C-8D15-876B4499937E}" destId="{ED44613A-1614-4498-818E-138FD95BFEC4}" srcOrd="1" destOrd="0" presId="urn:microsoft.com/office/officeart/2016/7/layout/BasicLinearProcessNumbered"/>
-    <dgm:cxn modelId="{D15F66DB-2F6B-4EEE-809C-12F1EBD8A3C4}" srcId="{4B7674E0-3E81-457C-A30C-15F750F516A8}" destId="{715BFF0E-4013-4E84-B5D5-433F8B27C77B}" srcOrd="0" destOrd="0" parTransId="{8989C6CD-A735-43CC-85EB-8A8638AD2C0A}" sibTransId="{244B1833-7A77-429D-BF43-5A612BDEC259}"/>
-    <dgm:cxn modelId="{539F9B14-D35B-4397-80E9-BA3B68D26B12}" type="presOf" srcId="{AB825CDF-1218-4CD4-8126-3EEFCDA4B3CF}" destId="{2B31759D-77C5-440C-9B53-BA8065F6CC1C}" srcOrd="0" destOrd="0" presId="urn:microsoft.com/office/officeart/2016/7/layout/BasicLinearProcessNumbered"/>
-    <dgm:cxn modelId="{31AB6EAF-782E-4AE0-AB0A-BD5A85409BFE}" type="presOf" srcId="{477DC7A4-B6AF-41AB-8996-EB1B037A9678}" destId="{60CF2598-AEAC-4DE2-B5FF-282F4997856B}" srcOrd="0" destOrd="0" presId="urn:microsoft.com/office/officeart/2016/7/layout/BasicLinearProcessNumbered"/>
-    <dgm:cxn modelId="{EC5B8AFE-D0BC-4AF1-B762-6BAE78EE3670}" type="presOf" srcId="{76ABBF0A-59A2-464E-83EF-512E887D1D66}" destId="{09227027-DE7C-4DDA-97B7-5B6707C783B5}" srcOrd="1" destOrd="0" presId="urn:microsoft.com/office/officeart/2016/7/layout/BasicLinearProcessNumbered"/>
+    <dgm:cxn modelId="{290502D7-690E-44EE-8D8B-984EC8ED1DF4}" srcId="{4B7674E0-3E81-457C-A30C-15F750F516A8}" destId="{76ABBF0A-59A2-464E-83EF-512E887D1D66}" srcOrd="2" destOrd="0" parTransId="{5221B3D8-3C2D-49A7-99E3-7F31EA688667}" sibTransId="{D7AF3F98-660A-4FED-ACCF-DA30D87E4B6B}"/>
     <dgm:cxn modelId="{F2D6DA9E-6A45-4D6F-A5C2-C31166E7B8CC}" type="presOf" srcId="{4B7674E0-3E81-457C-A30C-15F750F516A8}" destId="{1BC3F4E4-6FD7-4CDB-8601-973CFB5A846A}" srcOrd="0" destOrd="0" presId="urn:microsoft.com/office/officeart/2016/7/layout/BasicLinearProcessNumbered"/>
-    <dgm:cxn modelId="{149693FD-EF25-4267-9B36-3E2D105AC868}" srcId="{4B7674E0-3E81-457C-A30C-15F750F516A8}" destId="{7ECBE929-698D-4F89-AA09-AAF65F054061}" srcOrd="1" destOrd="0" parTransId="{76F86F7C-5A88-43D9-B21F-D62A4B44B191}" sibTransId="{AB825CDF-1218-4CD4-8126-3EEFCDA4B3CF}"/>
-    <dgm:cxn modelId="{CA23CB38-39E0-426E-ADD2-858317053C75}" type="presOf" srcId="{244B1833-7A77-429D-BF43-5A612BDEC259}" destId="{290DDAEE-363A-43B7-9695-39BFDA025990}" srcOrd="0" destOrd="0" presId="urn:microsoft.com/office/officeart/2016/7/layout/BasicLinearProcessNumbered"/>
-    <dgm:cxn modelId="{A4D76E41-41B4-46B8-BB1B-DAA89E09BF22}" type="presOf" srcId="{D7AF3F98-660A-4FED-ACCF-DA30D87E4B6B}" destId="{E6C48221-3779-4C09-BFD6-C6E6AAE62F5A}" srcOrd="0" destOrd="0" presId="urn:microsoft.com/office/officeart/2016/7/layout/BasicLinearProcessNumbered"/>
-    <dgm:cxn modelId="{8293DC58-B434-4E03-B8C4-542AF9174CFF}" srcId="{4B7674E0-3E81-457C-A30C-15F750F516A8}" destId="{477DC7A4-B6AF-41AB-8996-EB1B037A9678}" srcOrd="4" destOrd="0" parTransId="{FE99709D-11F7-40C4-8333-793BFE1403A7}" sibTransId="{48D1F16E-ECFC-49F6-909B-BA69D0F3D4E2}"/>
-    <dgm:cxn modelId="{290502D7-690E-44EE-8D8B-984EC8ED1DF4}" srcId="{4B7674E0-3E81-457C-A30C-15F750F516A8}" destId="{76ABBF0A-59A2-464E-83EF-512E887D1D66}" srcOrd="2" destOrd="0" parTransId="{5221B3D8-3C2D-49A7-99E3-7F31EA688667}" sibTransId="{D7AF3F98-660A-4FED-ACCF-DA30D87E4B6B}"/>
-    <dgm:cxn modelId="{2FC2AA3D-89FA-40B3-BA64-A992CDB6EFF9}" type="presOf" srcId="{67ABF92A-7428-4C9C-8D15-876B4499937E}" destId="{45559B94-BD38-418A-B8F2-FC32F04FC522}" srcOrd="0" destOrd="0" presId="urn:microsoft.com/office/officeart/2016/7/layout/BasicLinearProcessNumbered"/>
-    <dgm:cxn modelId="{4AC86364-C86C-4DC6-9FA6-B47CCE1D1BC2}" type="presOf" srcId="{48D1F16E-ECFC-49F6-909B-BA69D0F3D4E2}" destId="{1F200CB6-880D-4C5E-8FE7-28E858CE4AC9}" srcOrd="0" destOrd="0" presId="urn:microsoft.com/office/officeart/2016/7/layout/BasicLinearProcessNumbered"/>
     <dgm:cxn modelId="{E0B8C508-6B9B-4BFB-8757-47F4098AD110}" type="presParOf" srcId="{1BC3F4E4-6FD7-4CDB-8601-973CFB5A846A}" destId="{027C48D5-5D9E-408F-AD68-F54D748E5917}" srcOrd="0" destOrd="0" presId="urn:microsoft.com/office/officeart/2016/7/layout/BasicLinearProcessNumbered"/>
     <dgm:cxn modelId="{8142B994-7631-4F85-B937-A3C96BF69A77}" type="presParOf" srcId="{027C48D5-5D9E-408F-AD68-F54D748E5917}" destId="{9FF4D30B-F91B-4AD2-8BAC-7CB3CE2A4BF9}" srcOrd="0" destOrd="0" presId="urn:microsoft.com/office/officeart/2016/7/layout/BasicLinearProcessNumbered"/>
     <dgm:cxn modelId="{5A8C1B5F-77FA-4251-B546-5F36D75CC5C8}" type="presParOf" srcId="{027C48D5-5D9E-408F-AD68-F54D748E5917}" destId="{290DDAEE-363A-43B7-9695-39BFDA025990}" srcOrd="1" destOrd="0" presId="urn:microsoft.com/office/officeart/2016/7/layout/BasicLinearProcessNumbered"/>
@@ -10045,7 +10045,7 @@
   </dgm:layoutNode>
   <dgm:extLst>
     <a:ext uri="{4F341089-5ED1-44EC-B178-C955D00A3D55}">
-      <dgm1611:autoBuNodeInfoLst xmlns:dgm1611="http://schemas.microsoft.com/office/drawing/2016/11/diagram" xmlns="">
+      <dgm1611:autoBuNodeInfoLst xmlns="" xmlns:dgm1611="http://schemas.microsoft.com/office/drawing/2016/11/diagram">
         <dgm1611:autoBuNodeInfo lvl="1" ptType="sibTrans">
           <dgm1611:buPr prefix="" leadZeros="0">
             <a:buAutoNum type="arabicParenBoth"/>
@@ -10322,7 +10322,7 @@
   </dgm:layoutNode>
   <dgm:extLst>
     <a:ext uri="{4F341089-5ED1-44EC-B178-C955D00A3D55}">
-      <dgm1611:autoBuNodeInfoLst xmlns:dgm1611="http://schemas.microsoft.com/office/drawing/2016/11/diagram" xmlns="">
+      <dgm1611:autoBuNodeInfoLst xmlns="" xmlns:dgm1611="http://schemas.microsoft.com/office/drawing/2016/11/diagram">
         <dgm1611:autoBuNodeInfo lvl="1" ptType="sibTrans">
           <dgm1611:buPr prefix="" leadZeros="0">
             <a:buAutoNum type="arabicParenBoth"/>
@@ -14604,7 +14604,7 @@
           <a:p>
             <a:fld id="{7BCB8214-0E7E-4EFC-9E1C-25F6159D4170}" type="datetimeFigureOut">
               <a:rPr lang="en-US" smtClean="0"/>
-              <a:t>8/28/2018</a:t>
+              <a:t>8/29/2018</a:t>
             </a:fld>
             <a:endParaRPr lang="en-US"/>
           </a:p>
@@ -15925,7 +15925,7 @@
           <a:p>
             <a:fld id="{C8AC65AB-5746-43EA-A59E-648FB11CA309}" type="datetimeFigureOut">
               <a:rPr lang="en-US" smtClean="0"/>
-              <a:t>8/28/2018</a:t>
+              <a:t>8/29/2018</a:t>
             </a:fld>
             <a:endParaRPr lang="en-US"/>
           </a:p>
@@ -16095,7 +16095,7 @@
           <a:p>
             <a:fld id="{C8AC65AB-5746-43EA-A59E-648FB11CA309}" type="datetimeFigureOut">
               <a:rPr lang="en-US" smtClean="0"/>
-              <a:t>8/28/2018</a:t>
+              <a:t>8/29/2018</a:t>
             </a:fld>
             <a:endParaRPr lang="en-US"/>
           </a:p>
@@ -16275,7 +16275,7 @@
           <a:p>
             <a:fld id="{C8AC65AB-5746-43EA-A59E-648FB11CA309}" type="datetimeFigureOut">
               <a:rPr lang="en-US" smtClean="0"/>
-              <a:t>8/28/2018</a:t>
+              <a:t>8/29/2018</a:t>
             </a:fld>
             <a:endParaRPr lang="en-US"/>
           </a:p>
@@ -16467,7 +16467,7 @@
           <a:p>
             <a:fld id="{C8AC65AB-5746-43EA-A59E-648FB11CA309}" type="datetimeFigureOut">
               <a:rPr lang="en-US" smtClean="0"/>
-              <a:t>8/28/2018</a:t>
+              <a:t>8/29/2018</a:t>
             </a:fld>
             <a:endParaRPr lang="en-US"/>
           </a:p>
@@ -16712,7 +16712,7 @@
           <a:p>
             <a:fld id="{C8AC65AB-5746-43EA-A59E-648FB11CA309}" type="datetimeFigureOut">
               <a:rPr lang="en-US" smtClean="0"/>
-              <a:t>8/28/2018</a:t>
+              <a:t>8/29/2018</a:t>
             </a:fld>
             <a:endParaRPr lang="en-US"/>
           </a:p>
@@ -16949,7 +16949,7 @@
           <a:p>
             <a:fld id="{C8AC65AB-5746-43EA-A59E-648FB11CA309}" type="datetimeFigureOut">
               <a:rPr lang="en-US" smtClean="0"/>
-              <a:t>8/28/2018</a:t>
+              <a:t>8/29/2018</a:t>
             </a:fld>
             <a:endParaRPr lang="en-US"/>
           </a:p>
@@ -17325,7 +17325,7 @@
           <a:p>
             <a:fld id="{C8AC65AB-5746-43EA-A59E-648FB11CA309}" type="datetimeFigureOut">
               <a:rPr lang="en-US" smtClean="0"/>
-              <a:t>8/28/2018</a:t>
+              <a:t>8/29/2018</a:t>
             </a:fld>
             <a:endParaRPr lang="en-US"/>
           </a:p>
@@ -17448,7 +17448,7 @@
           <a:p>
             <a:fld id="{C8AC65AB-5746-43EA-A59E-648FB11CA309}" type="datetimeFigureOut">
               <a:rPr lang="en-US" smtClean="0"/>
-              <a:t>8/28/2018</a:t>
+              <a:t>8/29/2018</a:t>
             </a:fld>
             <a:endParaRPr lang="en-US"/>
           </a:p>
@@ -17543,7 +17543,7 @@
           <a:p>
             <a:fld id="{C8AC65AB-5746-43EA-A59E-648FB11CA309}" type="datetimeFigureOut">
               <a:rPr lang="en-US" smtClean="0"/>
-              <a:t>8/28/2018</a:t>
+              <a:t>8/29/2018</a:t>
             </a:fld>
             <a:endParaRPr lang="en-US"/>
           </a:p>
@@ -17820,7 +17820,7 @@
           <a:p>
             <a:fld id="{C8AC65AB-5746-43EA-A59E-648FB11CA309}" type="datetimeFigureOut">
               <a:rPr lang="en-US" smtClean="0"/>
-              <a:t>8/28/2018</a:t>
+              <a:t>8/29/2018</a:t>
             </a:fld>
             <a:endParaRPr lang="en-US"/>
           </a:p>
@@ -18077,7 +18077,7 @@
           <a:p>
             <a:fld id="{C8AC65AB-5746-43EA-A59E-648FB11CA309}" type="datetimeFigureOut">
               <a:rPr lang="en-US" smtClean="0"/>
-              <a:t>8/28/2018</a:t>
+              <a:t>8/29/2018</a:t>
             </a:fld>
             <a:endParaRPr lang="en-US"/>
           </a:p>
@@ -18290,7 +18290,7 @@
           <a:p>
             <a:fld id="{C8AC65AB-5746-43EA-A59E-648FB11CA309}" type="datetimeFigureOut">
               <a:rPr lang="en-US" smtClean="0"/>
-              <a:t>8/28/2018</a:t>
+              <a:t>8/29/2018</a:t>
             </a:fld>
             <a:endParaRPr lang="en-US"/>
           </a:p>
@@ -18711,7 +18711,7 @@
                 <a16:creationId xmlns:a16="http://schemas.microsoft.com/office/drawing/2014/main" id="{6753252F-4873-4F63-801D-CC719279A7D5}"/>
               </a:ext>
               <a:ext uri="{C183D7F6-B498-43B3-948B-1728B52AA6E4}">
-                <adec:decorative xmlns:adec="http://schemas.microsoft.com/office/drawing/2017/decorative" xmlns="" val="1"/>
+                <adec:decorative xmlns="" xmlns:adec="http://schemas.microsoft.com/office/drawing/2017/decorative" val="1"/>
               </a:ext>
             </a:extLst>
           </p:cNvPr>
@@ -18774,7 +18774,7 @@
                 <a16:creationId xmlns:a16="http://schemas.microsoft.com/office/drawing/2014/main" id="{047C8CCB-F95D-4249-92DD-651249D3535A}"/>
               </a:ext>
               <a:ext uri="{C183D7F6-B498-43B3-948B-1728B52AA6E4}">
-                <adec:decorative xmlns:adec="http://schemas.microsoft.com/office/drawing/2017/decorative" xmlns="" val="1"/>
+                <adec:decorative xmlns="" xmlns:adec="http://schemas.microsoft.com/office/drawing/2017/decorative" val="1"/>
               </a:ext>
             </a:extLst>
           </p:cNvPr>
@@ -19417,7 +19417,15 @@
             </a:pPr>
             <a:r>
               <a:rPr lang="en-US" b="1" dirty="0"/>
-              <a:t>consumer IT is not mission critical.</a:t>
+              <a:t>C</a:t>
+            </a:r>
+            <a:r>
+              <a:rPr lang="en-US" b="1" smtClean="0"/>
+              <a:t>onsumer </a:t>
+            </a:r>
+            <a:r>
+              <a:rPr lang="en-US" b="1" dirty="0"/>
+              <a:t>IT is not mission critical.</a:t>
             </a:r>
           </a:p>
           <a:p>
@@ -19518,7 +19526,7 @@
                 <a16:creationId xmlns:a16="http://schemas.microsoft.com/office/drawing/2014/main" id="{F5493CFF-E43B-4B10-ACE1-C8A1246629EA}"/>
               </a:ext>
               <a:ext uri="{C183D7F6-B498-43B3-948B-1728B52AA6E4}">
-                <adec:decorative xmlns:adec="http://schemas.microsoft.com/office/drawing/2017/decorative" xmlns="" val="1"/>
+                <adec:decorative xmlns="" xmlns:adec="http://schemas.microsoft.com/office/drawing/2017/decorative" val="1"/>
               </a:ext>
             </a:extLst>
           </p:cNvPr>
@@ -20229,7 +20237,7 @@
                 <a16:creationId xmlns:a16="http://schemas.microsoft.com/office/drawing/2014/main" id="{C66F2F30-5DC0-44A0-BFA6-E12F46ED16DA}"/>
               </a:ext>
               <a:ext uri="{C183D7F6-B498-43B3-948B-1728B52AA6E4}">
-                <adec:decorative xmlns:adec="http://schemas.microsoft.com/office/drawing/2017/decorative" xmlns="" val="1"/>
+                <adec:decorative xmlns="" xmlns:adec="http://schemas.microsoft.com/office/drawing/2017/decorative" val="1"/>
               </a:ext>
             </a:extLst>
           </p:cNvPr>
@@ -20353,7 +20361,7 @@
                 <a16:creationId xmlns:a16="http://schemas.microsoft.com/office/drawing/2014/main" id="{85872F57-7F42-4F97-8391-DDC8D0054C03}"/>
               </a:ext>
               <a:ext uri="{C183D7F6-B498-43B3-948B-1728B52AA6E4}">
-                <adec:decorative xmlns:adec="http://schemas.microsoft.com/office/drawing/2017/decorative" xmlns="" val="1"/>
+                <adec:decorative xmlns="" xmlns:adec="http://schemas.microsoft.com/office/drawing/2017/decorative" val="1"/>
               </a:ext>
             </a:extLst>
           </p:cNvPr>
@@ -20509,7 +20517,7 @@
                 <a16:creationId xmlns:a16="http://schemas.microsoft.com/office/drawing/2014/main" id="{04DC2037-48A0-4F22-B9D4-8EAEBC780AB4}"/>
               </a:ext>
               <a:ext uri="{C183D7F6-B498-43B3-948B-1728B52AA6E4}">
-                <adec:decorative xmlns:adec="http://schemas.microsoft.com/office/drawing/2017/decorative" xmlns="" val="1"/>
+                <adec:decorative xmlns="" xmlns:adec="http://schemas.microsoft.com/office/drawing/2017/decorative" val="1"/>
               </a:ext>
             </a:extLst>
           </p:cNvPr>
@@ -20614,7 +20622,7 @@
                 <a16:creationId xmlns:a16="http://schemas.microsoft.com/office/drawing/2014/main" id="{0006CBFD-ADA0-43D1-9332-9C34CA1C76ED}"/>
               </a:ext>
               <a:ext uri="{C183D7F6-B498-43B3-948B-1728B52AA6E4}">
-                <adec:decorative xmlns:adec="http://schemas.microsoft.com/office/drawing/2017/decorative" xmlns="" val="1"/>
+                <adec:decorative xmlns="" xmlns:adec="http://schemas.microsoft.com/office/drawing/2017/decorative" val="1"/>
               </a:ext>
             </a:extLst>
           </p:cNvPr>
@@ -20722,7 +20730,7 @@
                 <a16:creationId xmlns:a16="http://schemas.microsoft.com/office/drawing/2014/main" id="{2B931666-F28F-45F3-A074-66D2272D580B}"/>
               </a:ext>
               <a:ext uri="{C183D7F6-B498-43B3-948B-1728B52AA6E4}">
-                <adec:decorative xmlns:adec="http://schemas.microsoft.com/office/drawing/2017/decorative" xmlns="" val="1"/>
+                <adec:decorative xmlns="" xmlns:adec="http://schemas.microsoft.com/office/drawing/2017/decorative" val="1"/>
               </a:ext>
             </a:extLst>
           </p:cNvPr>
@@ -20984,7 +20992,7 @@
                 <a14:useLocalDpi xmlns:a14="http://schemas.microsoft.com/office/drawing/2010/main" val="0"/>
               </a:ext>
               <a:ext uri="{96DAC541-7B7A-43D3-8B79-37D633B846F1}">
-                <asvg:svgBlip xmlns:asvg="http://schemas.microsoft.com/office/drawing/2016/SVG/main" xmlns="" r:embed="rId3"/>
+                <asvg:svgBlip xmlns="" xmlns:asvg="http://schemas.microsoft.com/office/drawing/2016/SVG/main" r:embed="rId3"/>
               </a:ext>
             </a:extLst>
           </a:blip>
@@ -21310,7 +21318,7 @@
                 <a14:useLocalDpi xmlns:a14="http://schemas.microsoft.com/office/drawing/2010/main" val="0"/>
               </a:ext>
               <a:ext uri="{96DAC541-7B7A-43D3-8B79-37D633B846F1}">
-                <asvg:svgBlip xmlns:asvg="http://schemas.microsoft.com/office/drawing/2016/SVG/main" xmlns="" r:embed="rId4"/>
+                <asvg:svgBlip xmlns="" xmlns:asvg="http://schemas.microsoft.com/office/drawing/2016/SVG/main" r:embed="rId4"/>
               </a:ext>
             </a:extLst>
           </a:blip>
@@ -21336,7 +21344,7 @@
                 <a16:creationId xmlns:a16="http://schemas.microsoft.com/office/drawing/2014/main" id="{1A882A9F-F4E9-4E23-8F0B-20B5DF42EAA9}"/>
               </a:ext>
               <a:ext uri="{C183D7F6-B498-43B3-948B-1728B52AA6E4}">
-                <adec:decorative xmlns:adec="http://schemas.microsoft.com/office/drawing/2017/decorative" xmlns="" val="1"/>
+                <adec:decorative xmlns="" xmlns:adec="http://schemas.microsoft.com/office/drawing/2017/decorative" val="1"/>
               </a:ext>
             </a:extLst>
           </p:cNvPr>
@@ -21430,7 +21438,7 @@
                 <a16:creationId xmlns:a16="http://schemas.microsoft.com/office/drawing/2014/main" id="{FBE9F90C-C163-435B-9A68-D15C92D1CF2B}"/>
               </a:ext>
               <a:ext uri="{C183D7F6-B498-43B3-948B-1728B52AA6E4}">
-                <adec:decorative xmlns:adec="http://schemas.microsoft.com/office/drawing/2017/decorative" xmlns="" val="1"/>
+                <adec:decorative xmlns="" xmlns:adec="http://schemas.microsoft.com/office/drawing/2017/decorative" val="1"/>
               </a:ext>
             </a:extLst>
           </p:cNvPr>
@@ -21524,7 +21532,7 @@
                 <a16:creationId xmlns:a16="http://schemas.microsoft.com/office/drawing/2014/main" id="{CDA1A2E9-63FE-408D-A803-8E306ECAB4B3}"/>
               </a:ext>
               <a:ext uri="{C183D7F6-B498-43B3-948B-1728B52AA6E4}">
-                <adec:decorative xmlns:adec="http://schemas.microsoft.com/office/drawing/2017/decorative" xmlns="" val="1"/>
+                <adec:decorative xmlns="" xmlns:adec="http://schemas.microsoft.com/office/drawing/2017/decorative" val="1"/>
               </a:ext>
             </a:extLst>
           </p:cNvPr>
@@ -21789,7 +21797,7 @@
                 <a16:creationId xmlns:a16="http://schemas.microsoft.com/office/drawing/2014/main" id="{025E15EC-F3C2-49B3-B38B-7404B833B21C}"/>
               </a:ext>
               <a:ext uri="{C183D7F6-B498-43B3-948B-1728B52AA6E4}">
-                <adec:decorative xmlns:adec="http://schemas.microsoft.com/office/drawing/2017/decorative" xmlns="" val="1"/>
+                <adec:decorative xmlns="" xmlns:adec="http://schemas.microsoft.com/office/drawing/2017/decorative" val="1"/>
               </a:ext>
             </a:extLst>
           </p:cNvPr>
@@ -21812,7 +21820,7 @@
                 <a14:useLocalDpi xmlns:a14="http://schemas.microsoft.com/office/drawing/2010/main" val="0"/>
               </a:ext>
               <a:ext uri="{96DAC541-7B7A-43D3-8B79-37D633B846F1}">
-                <asvg:svgBlip xmlns:asvg="http://schemas.microsoft.com/office/drawing/2016/SVG/main" xmlns="" r:embed="rId3"/>
+                <asvg:svgBlip xmlns="" xmlns:asvg="http://schemas.microsoft.com/office/drawing/2016/SVG/main" r:embed="rId3"/>
               </a:ext>
             </a:extLst>
           </a:blip>
@@ -21851,7 +21859,7 @@
                 <a14:useLocalDpi xmlns:a14="http://schemas.microsoft.com/office/drawing/2010/main" val="0"/>
               </a:ext>
               <a:ext uri="{96DAC541-7B7A-43D3-8B79-37D633B846F1}">
-                <asvg:svgBlip xmlns:asvg="http://schemas.microsoft.com/office/drawing/2016/SVG/main" xmlns="" r:embed="rId3"/>
+                <asvg:svgBlip xmlns="" xmlns:asvg="http://schemas.microsoft.com/office/drawing/2016/SVG/main" r:embed="rId3"/>
               </a:ext>
             </a:extLst>
           </a:blip>
@@ -22015,7 +22023,7 @@
                 <a14:useLocalDpi xmlns:a14="http://schemas.microsoft.com/office/drawing/2010/main" val="0"/>
               </a:ext>
               <a:ext uri="{96DAC541-7B7A-43D3-8B79-37D633B846F1}">
-                <asvg:svgBlip xmlns:asvg="http://schemas.microsoft.com/office/drawing/2016/SVG/main" xmlns="" r:embed="rId3"/>
+                <asvg:svgBlip xmlns="" xmlns:asvg="http://schemas.microsoft.com/office/drawing/2016/SVG/main" r:embed="rId3"/>
               </a:ext>
             </a:extLst>
           </a:blip>
@@ -22041,7 +22049,7 @@
                 <a16:creationId xmlns:a16="http://schemas.microsoft.com/office/drawing/2014/main" id="{1A882A9F-F4E9-4E23-8F0B-20B5DF42EAA9}"/>
               </a:ext>
               <a:ext uri="{C183D7F6-B498-43B3-948B-1728B52AA6E4}">
-                <adec:decorative xmlns:adec="http://schemas.microsoft.com/office/drawing/2017/decorative" xmlns="" val="1"/>
+                <adec:decorative xmlns="" xmlns:adec="http://schemas.microsoft.com/office/drawing/2017/decorative" val="1"/>
               </a:ext>
             </a:extLst>
           </p:cNvPr>
@@ -22135,7 +22143,7 @@
                 <a16:creationId xmlns:a16="http://schemas.microsoft.com/office/drawing/2014/main" id="{FBE9F90C-C163-435B-9A68-D15C92D1CF2B}"/>
               </a:ext>
               <a:ext uri="{C183D7F6-B498-43B3-948B-1728B52AA6E4}">
-                <adec:decorative xmlns:adec="http://schemas.microsoft.com/office/drawing/2017/decorative" xmlns="" val="1"/>
+                <adec:decorative xmlns="" xmlns:adec="http://schemas.microsoft.com/office/drawing/2017/decorative" val="1"/>
               </a:ext>
             </a:extLst>
           </p:cNvPr>
@@ -22229,7 +22237,7 @@
                 <a16:creationId xmlns:a16="http://schemas.microsoft.com/office/drawing/2014/main" id="{CDA1A2E9-63FE-408D-A803-8E306ECAB4B3}"/>
               </a:ext>
               <a:ext uri="{C183D7F6-B498-43B3-948B-1728B52AA6E4}">
-                <adec:decorative xmlns:adec="http://schemas.microsoft.com/office/drawing/2017/decorative" xmlns="" val="1"/>
+                <adec:decorative xmlns="" xmlns:adec="http://schemas.microsoft.com/office/drawing/2017/decorative" val="1"/>
               </a:ext>
             </a:extLst>
           </p:cNvPr>
@@ -22442,7 +22450,7 @@
                 <a16:creationId xmlns:a16="http://schemas.microsoft.com/office/drawing/2014/main" id="{F98ED85F-DCEE-4B50-802E-71A6E3E12B04}"/>
               </a:ext>
               <a:ext uri="{C183D7F6-B498-43B3-948B-1728B52AA6E4}">
-                <adec:decorative xmlns:adec="http://schemas.microsoft.com/office/drawing/2017/decorative" xmlns="" val="1"/>
+                <adec:decorative xmlns="" xmlns:adec="http://schemas.microsoft.com/office/drawing/2017/decorative" val="1"/>
               </a:ext>
             </a:extLst>
           </p:cNvPr>
@@ -22777,7 +22785,7 @@
                 <a14:useLocalDpi xmlns:a14="http://schemas.microsoft.com/office/drawing/2010/main" val="0"/>
               </a:ext>
               <a:ext uri="{96DAC541-7B7A-43D3-8B79-37D633B846F1}">
-                <asvg:svgBlip xmlns:asvg="http://schemas.microsoft.com/office/drawing/2016/SVG/main" xmlns="" r:embed="rId3"/>
+                <asvg:svgBlip xmlns="" xmlns:asvg="http://schemas.microsoft.com/office/drawing/2016/SVG/main" r:embed="rId3"/>
               </a:ext>
             </a:extLst>
           </a:blip>
@@ -22803,7 +22811,7 @@
                 <a16:creationId xmlns:a16="http://schemas.microsoft.com/office/drawing/2014/main" id="{DC23C04A-219E-44E6-8EF9-1AEE552AEC87}"/>
               </a:ext>
               <a:ext uri="{C183D7F6-B498-43B3-948B-1728B52AA6E4}">
-                <adec:decorative xmlns:adec="http://schemas.microsoft.com/office/drawing/2017/decorative" xmlns="" val="1"/>
+                <adec:decorative xmlns="" xmlns:adec="http://schemas.microsoft.com/office/drawing/2017/decorative" val="1"/>
               </a:ext>
             </a:extLst>
           </p:cNvPr>
@@ -22826,7 +22834,7 @@
                 <a14:useLocalDpi xmlns:a14="http://schemas.microsoft.com/office/drawing/2010/main" val="0"/>
               </a:ext>
               <a:ext uri="{96DAC541-7B7A-43D3-8B79-37D633B846F1}">
-                <asvg:svgBlip xmlns:asvg="http://schemas.microsoft.com/office/drawing/2016/SVG/main" xmlns="" r:embed="rId3"/>
+                <asvg:svgBlip xmlns="" xmlns:asvg="http://schemas.microsoft.com/office/drawing/2016/SVG/main" r:embed="rId3"/>
               </a:ext>
             </a:extLst>
           </a:blip>
@@ -22977,7 +22985,7 @@
                 <a16:creationId xmlns:a16="http://schemas.microsoft.com/office/drawing/2014/main" id="{0482A7D0-DB09-4EBA-8D52-E6A5934B668D}"/>
               </a:ext>
               <a:ext uri="{C183D7F6-B498-43B3-948B-1728B52AA6E4}">
-                <adec:decorative xmlns:adec="http://schemas.microsoft.com/office/drawing/2017/decorative" xmlns="" val="1"/>
+                <adec:decorative xmlns="" xmlns:adec="http://schemas.microsoft.com/office/drawing/2017/decorative" val="1"/>
               </a:ext>
             </a:extLst>
           </p:cNvPr>
@@ -23066,7 +23074,7 @@
                 <a16:creationId xmlns:a16="http://schemas.microsoft.com/office/drawing/2014/main" id="{1A3688C8-DFCE-4CCD-BCF0-5FB239E5072D}"/>
               </a:ext>
               <a:ext uri="{C183D7F6-B498-43B3-948B-1728B52AA6E4}">
-                <adec:decorative xmlns:adec="http://schemas.microsoft.com/office/drawing/2017/decorative" xmlns="" val="1"/>
+                <adec:decorative xmlns="" xmlns:adec="http://schemas.microsoft.com/office/drawing/2017/decorative" val="1"/>
               </a:ext>
             </a:extLst>
           </p:cNvPr>
@@ -23231,7 +23239,7 @@
                 <a16:creationId xmlns:a16="http://schemas.microsoft.com/office/drawing/2014/main" id="{D598FBE3-48D2-40A2-B7E6-F485834C8213}"/>
               </a:ext>
               <a:ext uri="{C183D7F6-B498-43B3-948B-1728B52AA6E4}">
-                <adec:decorative xmlns:adec="http://schemas.microsoft.com/office/drawing/2017/decorative" xmlns="" val="1"/>
+                <adec:decorative xmlns="" xmlns:adec="http://schemas.microsoft.com/office/drawing/2017/decorative" val="1"/>
               </a:ext>
             </a:extLst>
           </p:cNvPr>
@@ -23286,7 +23294,7 @@
                 <a16:creationId xmlns:a16="http://schemas.microsoft.com/office/drawing/2014/main" id="{8482FDCF-45F3-40F1-8751-19B7AFB3CFCE}"/>
               </a:ext>
               <a:ext uri="{C183D7F6-B498-43B3-948B-1728B52AA6E4}">
-                <adec:decorative xmlns:adec="http://schemas.microsoft.com/office/drawing/2017/decorative" xmlns="" val="1"/>
+                <adec:decorative xmlns="" xmlns:adec="http://schemas.microsoft.com/office/drawing/2017/decorative" val="1"/>
               </a:ext>
             </a:extLst>
           </p:cNvPr>
